--- a/Vendor_Boards/Great_Cow_Basic_Demo_Board/16F17556_chiprange_demonstrations/tutorials/GCBASIC_Part2.pptx
+++ b/Vendor_Boards/Great_Cow_Basic_Demo_Board/16F17556_chiprange_demonstrations/tutorials/GCBASIC_Part2.pptx
@@ -5,25 +5,26 @@
     <p:sldMasterId id="2147483660" r:id="rId1"/>
   </p:sldMasterIdLst>
   <p:notesMasterIdLst>
-    <p:notesMasterId r:id="rId15"/>
+    <p:notesMasterId r:id="rId16"/>
   </p:notesMasterIdLst>
   <p:handoutMasterIdLst>
-    <p:handoutMasterId r:id="rId16"/>
+    <p:handoutMasterId r:id="rId17"/>
   </p:handoutMasterIdLst>
   <p:sldIdLst>
     <p:sldId id="294" r:id="rId2"/>
     <p:sldId id="256" r:id="rId3"/>
     <p:sldId id="295" r:id="rId4"/>
-    <p:sldId id="283" r:id="rId5"/>
+    <p:sldId id="300" r:id="rId5"/>
     <p:sldId id="296" r:id="rId6"/>
-    <p:sldId id="282" r:id="rId7"/>
+    <p:sldId id="301" r:id="rId7"/>
     <p:sldId id="291" r:id="rId8"/>
-    <p:sldId id="285" r:id="rId9"/>
-    <p:sldId id="298" r:id="rId10"/>
-    <p:sldId id="287" r:id="rId11"/>
-    <p:sldId id="288" r:id="rId12"/>
-    <p:sldId id="297" r:id="rId13"/>
-    <p:sldId id="299" r:id="rId14"/>
+    <p:sldId id="302" r:id="rId9"/>
+    <p:sldId id="304" r:id="rId10"/>
+    <p:sldId id="298" r:id="rId11"/>
+    <p:sldId id="287" r:id="rId12"/>
+    <p:sldId id="288" r:id="rId13"/>
+    <p:sldId id="297" r:id="rId14"/>
+    <p:sldId id="299" r:id="rId15"/>
   </p:sldIdLst>
   <p:sldSz cx="9144000" cy="5143500" type="screen16x9"/>
   <p:notesSz cx="6858000" cy="9144000"/>
@@ -208,7 +209,7 @@
             <a:fld id="{742E545A-AB39-44F0-B5A6-04A90C6C9399}" type="datetimeFigureOut">
               <a:rPr lang="en-GB" smtClean="0"/>
               <a:pPr/>
-              <a:t>16/11/2024</a:t>
+              <a:t>14/11/2025</a:t>
             </a:fld>
             <a:endParaRPr lang="en-GB"/>
           </a:p>
@@ -375,7 +376,7 @@
             <a:fld id="{FF100B3C-2E11-428B-8555-A77018253716}" type="datetimeFigureOut">
               <a:rPr lang="en-GB" smtClean="0"/>
               <a:pPr/>
-              <a:t>16/11/2024</a:t>
+              <a:t>14/11/2025</a:t>
             </a:fld>
             <a:endParaRPr lang="en-GB"/>
           </a:p>
@@ -668,7 +669,7 @@
           <p:cNvPr id="7" name="Rectangle 6">
             <a:extLst>
               <a:ext uri="{FF2B5EF4-FFF2-40B4-BE49-F238E27FC236}">
-                <a16:creationId xmlns="" xmlns:a16="http://schemas.microsoft.com/office/drawing/2014/main" id="{9C757326-0232-4CDF-81FF-302CA676961B}"/>
+                <a16:creationId xmlns:a16="http://schemas.microsoft.com/office/drawing/2014/main" xmlns="" id="{9C757326-0232-4CDF-81FF-302CA676961B}"/>
               </a:ext>
             </a:extLst>
           </p:cNvPr>
@@ -720,7 +721,7 @@
           <p:cNvPr id="8" name="Picture 7">
             <a:extLst>
               <a:ext uri="{FF2B5EF4-FFF2-40B4-BE49-F238E27FC236}">
-                <a16:creationId xmlns="" xmlns:a16="http://schemas.microsoft.com/office/drawing/2014/main" id="{4987E008-68E6-4A43-85BC-1A6ACDF91DE1}"/>
+                <a16:creationId xmlns:a16="http://schemas.microsoft.com/office/drawing/2014/main" xmlns="" id="{4987E008-68E6-4A43-85BC-1A6ACDF91DE1}"/>
               </a:ext>
             </a:extLst>
           </p:cNvPr>
@@ -749,7 +750,7 @@
           <p:cNvPr id="11" name="Picture 10">
             <a:extLst>
               <a:ext uri="{FF2B5EF4-FFF2-40B4-BE49-F238E27FC236}">
-                <a16:creationId xmlns="" xmlns:a16="http://schemas.microsoft.com/office/drawing/2014/main" id="{A1F8C892-C868-4DF6-91AB-B18CE632B10F}"/>
+                <a16:creationId xmlns:a16="http://schemas.microsoft.com/office/drawing/2014/main" xmlns="" id="{A1F8C892-C868-4DF6-91AB-B18CE632B10F}"/>
               </a:ext>
             </a:extLst>
           </p:cNvPr>
@@ -935,7 +936,7 @@
           <p:cNvPr id="12" name="Text Placeholder 2">
             <a:extLst>
               <a:ext uri="{FF2B5EF4-FFF2-40B4-BE49-F238E27FC236}">
-                <a16:creationId xmlns="" xmlns:a16="http://schemas.microsoft.com/office/drawing/2014/main" id="{D547E580-E6D6-4D97-BB04-05795A830147}"/>
+                <a16:creationId xmlns:a16="http://schemas.microsoft.com/office/drawing/2014/main" xmlns="" id="{D547E580-E6D6-4D97-BB04-05795A830147}"/>
               </a:ext>
             </a:extLst>
           </p:cNvPr>
@@ -1088,7 +1089,7 @@
           <p:cNvPr id="9" name="Picture 8">
             <a:extLst>
               <a:ext uri="{FF2B5EF4-FFF2-40B4-BE49-F238E27FC236}">
-                <a16:creationId xmlns="" xmlns:a16="http://schemas.microsoft.com/office/drawing/2014/main" id="{7CE2C968-D10A-4226-8FDC-CBC4C7EDD0B7}"/>
+                <a16:creationId xmlns:a16="http://schemas.microsoft.com/office/drawing/2014/main" xmlns="" id="{7CE2C968-D10A-4226-8FDC-CBC4C7EDD0B7}"/>
               </a:ext>
             </a:extLst>
           </p:cNvPr>
@@ -1290,7 +1291,7 @@
             <a:fld id="{C473AACB-D821-4991-9D88-46EB8D29E619}" type="datetimeFigureOut">
               <a:rPr lang="en-GB" smtClean="0"/>
               <a:pPr/>
-              <a:t>16/11/2024</a:t>
+              <a:t>14/11/2025</a:t>
             </a:fld>
             <a:endParaRPr lang="en-GB" dirty="0"/>
           </a:p>
@@ -1374,7 +1375,7 @@
           <p:cNvPr id="9" name="Picture 8">
             <a:extLst>
               <a:ext uri="{FF2B5EF4-FFF2-40B4-BE49-F238E27FC236}">
-                <a16:creationId xmlns="" xmlns:a16="http://schemas.microsoft.com/office/drawing/2014/main" id="{6AB5D66D-00C1-40EA-BFC8-305566F10369}"/>
+                <a16:creationId xmlns:a16="http://schemas.microsoft.com/office/drawing/2014/main" xmlns="" id="{6AB5D66D-00C1-40EA-BFC8-305566F10369}"/>
               </a:ext>
             </a:extLst>
           </p:cNvPr>
@@ -1584,7 +1585,7 @@
             <a:fld id="{C473AACB-D821-4991-9D88-46EB8D29E619}" type="datetimeFigureOut">
               <a:rPr lang="en-GB" smtClean="0"/>
               <a:pPr/>
-              <a:t>16/11/2024</a:t>
+              <a:t>14/11/2025</a:t>
             </a:fld>
             <a:endParaRPr lang="en-GB" dirty="0"/>
           </a:p>
@@ -1837,7 +1838,7 @@
             <a:fld id="{C473AACB-D821-4991-9D88-46EB8D29E619}" type="datetimeFigureOut">
               <a:rPr lang="en-GB" smtClean="0"/>
               <a:pPr/>
-              <a:t>16/11/2024</a:t>
+              <a:t>14/11/2025</a:t>
             </a:fld>
             <a:endParaRPr lang="en-GB" dirty="0"/>
           </a:p>
@@ -1891,7 +1892,7 @@
           <p:cNvPr id="8" name="Picture 7">
             <a:extLst>
               <a:ext uri="{FF2B5EF4-FFF2-40B4-BE49-F238E27FC236}">
-                <a16:creationId xmlns="" xmlns:a16="http://schemas.microsoft.com/office/drawing/2014/main" id="{AD4D4CB4-D965-4BB6-B218-086244C13BAE}"/>
+                <a16:creationId xmlns:a16="http://schemas.microsoft.com/office/drawing/2014/main" xmlns="" id="{AD4D4CB4-D965-4BB6-B218-086244C13BAE}"/>
               </a:ext>
             </a:extLst>
           </p:cNvPr>
@@ -2182,7 +2183,7 @@
             <a:fld id="{C473AACB-D821-4991-9D88-46EB8D29E619}" type="datetimeFigureOut">
               <a:rPr lang="en-GB" smtClean="0"/>
               <a:pPr/>
-              <a:t>16/11/2024</a:t>
+              <a:t>14/11/2025</a:t>
             </a:fld>
             <a:endParaRPr lang="en-GB" dirty="0"/>
           </a:p>
@@ -2326,7 +2327,7 @@
           <p:cNvPr id="11" name="Picture 10">
             <a:extLst>
               <a:ext uri="{FF2B5EF4-FFF2-40B4-BE49-F238E27FC236}">
-                <a16:creationId xmlns="" xmlns:a16="http://schemas.microsoft.com/office/drawing/2014/main" id="{A3B58C4E-0EF0-466C-9740-EC9F485CBD03}"/>
+                <a16:creationId xmlns:a16="http://schemas.microsoft.com/office/drawing/2014/main" xmlns="" id="{A3B58C4E-0EF0-466C-9740-EC9F485CBD03}"/>
               </a:ext>
             </a:extLst>
           </p:cNvPr>
@@ -2554,7 +2555,7 @@
             <a:fld id="{C473AACB-D821-4991-9D88-46EB8D29E619}" type="datetimeFigureOut">
               <a:rPr lang="en-GB" smtClean="0"/>
               <a:pPr/>
-              <a:t>16/11/2024</a:t>
+              <a:t>14/11/2025</a:t>
             </a:fld>
             <a:endParaRPr lang="en-GB" dirty="0"/>
           </a:p>
@@ -2608,7 +2609,7 @@
           <p:cNvPr id="7" name="Picture 6">
             <a:extLst>
               <a:ext uri="{FF2B5EF4-FFF2-40B4-BE49-F238E27FC236}">
-                <a16:creationId xmlns="" xmlns:a16="http://schemas.microsoft.com/office/drawing/2014/main" id="{2D0B9223-1250-44AA-A6C3-F2013B85AEF3}"/>
+                <a16:creationId xmlns:a16="http://schemas.microsoft.com/office/drawing/2014/main" xmlns="" id="{2D0B9223-1250-44AA-A6C3-F2013B85AEF3}"/>
               </a:ext>
             </a:extLst>
           </p:cNvPr>
@@ -2900,7 +2901,7 @@
             <a:fld id="{C473AACB-D821-4991-9D88-46EB8D29E619}" type="datetimeFigureOut">
               <a:rPr lang="en-GB" smtClean="0"/>
               <a:pPr/>
-              <a:t>16/11/2024</a:t>
+              <a:t>14/11/2025</a:t>
             </a:fld>
             <a:endParaRPr lang="en-GB" dirty="0"/>
           </a:p>
@@ -3036,7 +3037,7 @@
           <p:cNvPr id="11" name="Picture 10">
             <a:extLst>
               <a:ext uri="{FF2B5EF4-FFF2-40B4-BE49-F238E27FC236}">
-                <a16:creationId xmlns="" xmlns:a16="http://schemas.microsoft.com/office/drawing/2014/main" id="{D49E1C7C-7E53-49A2-B2C9-52307876DB7E}"/>
+                <a16:creationId xmlns:a16="http://schemas.microsoft.com/office/drawing/2014/main" xmlns="" id="{D49E1C7C-7E53-49A2-B2C9-52307876DB7E}"/>
               </a:ext>
             </a:extLst>
           </p:cNvPr>
@@ -3324,7 +3325,7 @@
             <a:fld id="{C473AACB-D821-4991-9D88-46EB8D29E619}" type="datetimeFigureOut">
               <a:rPr lang="en-GB" smtClean="0"/>
               <a:pPr/>
-              <a:t>16/11/2024</a:t>
+              <a:t>14/11/2025</a:t>
             </a:fld>
             <a:endParaRPr lang="en-GB" dirty="0"/>
           </a:p>
@@ -3378,7 +3379,7 @@
           <p:cNvPr id="9" name="Picture 8">
             <a:extLst>
               <a:ext uri="{FF2B5EF4-FFF2-40B4-BE49-F238E27FC236}">
-                <a16:creationId xmlns="" xmlns:a16="http://schemas.microsoft.com/office/drawing/2014/main" id="{23082AB0-2BB5-46FE-9A17-15E1ACC06965}"/>
+                <a16:creationId xmlns:a16="http://schemas.microsoft.com/office/drawing/2014/main" xmlns="" id="{23082AB0-2BB5-46FE-9A17-15E1ACC06965}"/>
               </a:ext>
             </a:extLst>
           </p:cNvPr>
@@ -3437,7 +3438,7 @@
           <p:cNvPr id="8" name="Picture 7">
             <a:extLst>
               <a:ext uri="{FF2B5EF4-FFF2-40B4-BE49-F238E27FC236}">
-                <a16:creationId xmlns="" xmlns:a16="http://schemas.microsoft.com/office/drawing/2014/main" id="{1862E859-E5AF-4D76-9FC9-2355B24FF141}"/>
+                <a16:creationId xmlns:a16="http://schemas.microsoft.com/office/drawing/2014/main" xmlns="" id="{1862E859-E5AF-4D76-9FC9-2355B24FF141}"/>
               </a:ext>
             </a:extLst>
           </p:cNvPr>
@@ -3559,7 +3560,7 @@
             <a:fld id="{C473AACB-D821-4991-9D88-46EB8D29E619}" type="datetimeFigureOut">
               <a:rPr lang="en-GB" smtClean="0"/>
               <a:pPr/>
-              <a:t>16/11/2024</a:t>
+              <a:t>14/11/2025</a:t>
             </a:fld>
             <a:endParaRPr lang="en-GB" dirty="0"/>
           </a:p>
@@ -3643,7 +3644,7 @@
           <p:cNvPr id="8" name="Picture 7">
             <a:extLst>
               <a:ext uri="{FF2B5EF4-FFF2-40B4-BE49-F238E27FC236}">
-                <a16:creationId xmlns="" xmlns:a16="http://schemas.microsoft.com/office/drawing/2014/main" id="{91908D0E-7544-4687-965B-72EF64AA4C54}"/>
+                <a16:creationId xmlns:a16="http://schemas.microsoft.com/office/drawing/2014/main" xmlns="" id="{91908D0E-7544-4687-965B-72EF64AA4C54}"/>
               </a:ext>
             </a:extLst>
           </p:cNvPr>
@@ -3770,7 +3771,7 @@
             <a:fld id="{C473AACB-D821-4991-9D88-46EB8D29E619}" type="datetimeFigureOut">
               <a:rPr lang="en-GB" smtClean="0"/>
               <a:pPr/>
-              <a:t>16/11/2024</a:t>
+              <a:t>14/11/2025</a:t>
             </a:fld>
             <a:endParaRPr lang="en-GB" dirty="0"/>
           </a:p>
@@ -3854,7 +3855,7 @@
           <p:cNvPr id="8" name="Picture 7">
             <a:extLst>
               <a:ext uri="{FF2B5EF4-FFF2-40B4-BE49-F238E27FC236}">
-                <a16:creationId xmlns="" xmlns:a16="http://schemas.microsoft.com/office/drawing/2014/main" id="{5B5B8CA2-02D4-408C-B548-182D4F5F54B2}"/>
+                <a16:creationId xmlns:a16="http://schemas.microsoft.com/office/drawing/2014/main" xmlns="" id="{5B5B8CA2-02D4-408C-B548-182D4F5F54B2}"/>
               </a:ext>
             </a:extLst>
           </p:cNvPr>
@@ -3988,7 +3989,7 @@
             <a:fld id="{C473AACB-D821-4991-9D88-46EB8D29E619}" type="datetimeFigureOut">
               <a:rPr lang="en-GB" smtClean="0"/>
               <a:pPr/>
-              <a:t>16/11/2024</a:t>
+              <a:t>14/11/2025</a:t>
             </a:fld>
             <a:endParaRPr lang="en-GB" dirty="0"/>
           </a:p>
@@ -4072,7 +4073,7 @@
           <p:cNvPr id="11" name="Picture 10">
             <a:extLst>
               <a:ext uri="{FF2B5EF4-FFF2-40B4-BE49-F238E27FC236}">
-                <a16:creationId xmlns="" xmlns:a16="http://schemas.microsoft.com/office/drawing/2014/main" id="{EA8DB33B-8BF9-4C99-B31C-55246227EFDE}"/>
+                <a16:creationId xmlns:a16="http://schemas.microsoft.com/office/drawing/2014/main" xmlns="" id="{EA8DB33B-8BF9-4C99-B31C-55246227EFDE}"/>
               </a:ext>
             </a:extLst>
           </p:cNvPr>
@@ -4803,7 +4804,7 @@
             <a:fld id="{C473AACB-D821-4991-9D88-46EB8D29E619}" type="datetimeFigureOut">
               <a:rPr lang="en-GB" smtClean="0"/>
               <a:pPr/>
-              <a:t>16/11/2024</a:t>
+              <a:t>14/11/2025</a:t>
             </a:fld>
             <a:endParaRPr lang="en-GB" dirty="0"/>
           </a:p>
@@ -4887,7 +4888,7 @@
           <p:cNvPr id="11" name="Picture 10">
             <a:extLst>
               <a:ext uri="{FF2B5EF4-FFF2-40B4-BE49-F238E27FC236}">
-                <a16:creationId xmlns="" xmlns:a16="http://schemas.microsoft.com/office/drawing/2014/main" id="{EA8DB33B-8BF9-4C99-B31C-55246227EFDE}"/>
+                <a16:creationId xmlns:a16="http://schemas.microsoft.com/office/drawing/2014/main" xmlns="" id="{EA8DB33B-8BF9-4C99-B31C-55246227EFDE}"/>
               </a:ext>
             </a:extLst>
           </p:cNvPr>
@@ -5617,7 +5618,7 @@
             <a:fld id="{C473AACB-D821-4991-9D88-46EB8D29E619}" type="datetimeFigureOut">
               <a:rPr lang="en-GB" smtClean="0"/>
               <a:pPr/>
-              <a:t>16/11/2024</a:t>
+              <a:t>14/11/2025</a:t>
             </a:fld>
             <a:endParaRPr lang="en-GB" dirty="0"/>
           </a:p>
@@ -5866,7 +5867,7 @@
             <a:fld id="{C473AACB-D821-4991-9D88-46EB8D29E619}" type="datetimeFigureOut">
               <a:rPr lang="en-GB" smtClean="0"/>
               <a:pPr/>
-              <a:t>16/11/2024</a:t>
+              <a:t>14/11/2025</a:t>
             </a:fld>
             <a:endParaRPr lang="en-GB" dirty="0"/>
           </a:p>
@@ -5920,7 +5921,7 @@
           <p:cNvPr id="7" name="Picture 6">
             <a:extLst>
               <a:ext uri="{FF2B5EF4-FFF2-40B4-BE49-F238E27FC236}">
-                <a16:creationId xmlns="" xmlns:a16="http://schemas.microsoft.com/office/drawing/2014/main" id="{6331EFED-43C1-4CBA-8BE3-308E3AA13B9B}"/>
+                <a16:creationId xmlns:a16="http://schemas.microsoft.com/office/drawing/2014/main" xmlns="" id="{6331EFED-43C1-4CBA-8BE3-308E3AA13B9B}"/>
               </a:ext>
             </a:extLst>
           </p:cNvPr>
@@ -6130,7 +6131,7 @@
             <a:fld id="{C473AACB-D821-4991-9D88-46EB8D29E619}" type="datetimeFigureOut">
               <a:rPr lang="en-GB" smtClean="0"/>
               <a:pPr/>
-              <a:t>16/11/2024</a:t>
+              <a:t>14/11/2025</a:t>
             </a:fld>
             <a:endParaRPr lang="en-GB" dirty="0"/>
           </a:p>
@@ -6184,7 +6185,7 @@
           <p:cNvPr id="9" name="Picture 8">
             <a:extLst>
               <a:ext uri="{FF2B5EF4-FFF2-40B4-BE49-F238E27FC236}">
-                <a16:creationId xmlns="" xmlns:a16="http://schemas.microsoft.com/office/drawing/2014/main" id="{1034EA63-4BE3-4A73-A7E6-4A75BE4C1D48}"/>
+                <a16:creationId xmlns:a16="http://schemas.microsoft.com/office/drawing/2014/main" xmlns="" id="{1034EA63-4BE3-4A73-A7E6-4A75BE4C1D48}"/>
               </a:ext>
             </a:extLst>
           </p:cNvPr>
@@ -6243,7 +6244,7 @@
           <p:cNvPr id="10" name="Picture 9">
             <a:extLst>
               <a:ext uri="{FF2B5EF4-FFF2-40B4-BE49-F238E27FC236}">
-                <a16:creationId xmlns="" xmlns:a16="http://schemas.microsoft.com/office/drawing/2014/main" id="{204DC1E6-B5F4-4160-90F3-351FB3242E92}"/>
+                <a16:creationId xmlns:a16="http://schemas.microsoft.com/office/drawing/2014/main" xmlns="" id="{204DC1E6-B5F4-4160-90F3-351FB3242E92}"/>
               </a:ext>
             </a:extLst>
           </p:cNvPr>
@@ -6570,7 +6571,7 @@
             <a:fld id="{C473AACB-D821-4991-9D88-46EB8D29E619}" type="datetimeFigureOut">
               <a:rPr lang="en-GB" smtClean="0"/>
               <a:pPr/>
-              <a:t>16/11/2024</a:t>
+              <a:t>14/11/2025</a:t>
             </a:fld>
             <a:endParaRPr lang="en-GB" dirty="0"/>
           </a:p>
@@ -6654,7 +6655,7 @@
           <p:cNvPr id="6" name="Picture 5">
             <a:extLst>
               <a:ext uri="{FF2B5EF4-FFF2-40B4-BE49-F238E27FC236}">
-                <a16:creationId xmlns="" xmlns:a16="http://schemas.microsoft.com/office/drawing/2014/main" id="{E7897C67-3827-4595-8E3A-71E9F2EAB3AF}"/>
+                <a16:creationId xmlns:a16="http://schemas.microsoft.com/office/drawing/2014/main" xmlns="" id="{E7897C67-3827-4595-8E3A-71E9F2EAB3AF}"/>
               </a:ext>
             </a:extLst>
           </p:cNvPr>
@@ -6725,7 +6726,7 @@
             <a:fld id="{C473AACB-D821-4991-9D88-46EB8D29E619}" type="datetimeFigureOut">
               <a:rPr lang="en-GB" smtClean="0"/>
               <a:pPr/>
-              <a:t>16/11/2024</a:t>
+              <a:t>14/11/2025</a:t>
             </a:fld>
             <a:endParaRPr lang="en-GB" dirty="0"/>
           </a:p>
@@ -6822,7 +6823,7 @@
             <a:fld id="{C473AACB-D821-4991-9D88-46EB8D29E619}" type="datetimeFigureOut">
               <a:rPr lang="en-GB" smtClean="0"/>
               <a:pPr/>
-              <a:t>16/11/2024</a:t>
+              <a:t>14/11/2025</a:t>
             </a:fld>
             <a:endParaRPr lang="en-GB" dirty="0"/>
           </a:p>
@@ -6876,7 +6877,7 @@
           <p:cNvPr id="6" name="Picture 5">
             <a:extLst>
               <a:ext uri="{FF2B5EF4-FFF2-40B4-BE49-F238E27FC236}">
-                <a16:creationId xmlns="" xmlns:a16="http://schemas.microsoft.com/office/drawing/2014/main" id="{F1825398-026A-4668-BB48-C16AD1C9062B}"/>
+                <a16:creationId xmlns:a16="http://schemas.microsoft.com/office/drawing/2014/main" xmlns="" id="{F1825398-026A-4668-BB48-C16AD1C9062B}"/>
               </a:ext>
             </a:extLst>
           </p:cNvPr>
@@ -7599,7 +7600,7 @@
             <a:fld id="{C473AACB-D821-4991-9D88-46EB8D29E619}" type="datetimeFigureOut">
               <a:rPr lang="en-GB" smtClean="0"/>
               <a:pPr/>
-              <a:t>16/11/2024</a:t>
+              <a:t>14/11/2025</a:t>
             </a:fld>
             <a:endParaRPr lang="en-GB" dirty="0"/>
           </a:p>
@@ -8166,15 +8167,15 @@
           <a:p>
             <a:r>
               <a:rPr lang="en-GB" dirty="0" smtClean="0"/>
-              <a:t>PIC18FxxQ24</a:t>
-            </a:r>
+              <a:t>PIC16F175xx</a:t>
+            </a:r>
+            <a:endParaRPr lang="en-GB" dirty="0" smtClean="0"/>
           </a:p>
           <a:p>
             <a:r>
               <a:rPr lang="en-GB" dirty="0"/>
               <a:t>Part 2 – sequence the LEDs </a:t>
             </a:r>
-            <a:endParaRPr lang="en-GB" dirty="0"/>
           </a:p>
         </p:txBody>
       </p:sp>
@@ -8199,3037 +8200,6 @@
 </file>
 
 <file path=ppt/slides/slide10.xml><?xml version="1.0" encoding="utf-8"?>
-<p:sld xmlns:a="http://schemas.openxmlformats.org/drawingml/2006/main" xmlns:r="http://schemas.openxmlformats.org/officeDocument/2006/relationships" xmlns:p="http://schemas.openxmlformats.org/presentationml/2006/main">
-  <p:cSld>
-    <p:spTree>
-      <p:nvGrpSpPr>
-        <p:cNvPr id="1" name=""/>
-        <p:cNvGrpSpPr/>
-        <p:nvPr/>
-      </p:nvGrpSpPr>
-      <p:grpSpPr>
-        <a:xfrm>
-          <a:off x="0" y="0"/>
-          <a:ext cx="0" cy="0"/>
-          <a:chOff x="0" y="0"/>
-          <a:chExt cx="0" cy="0"/>
-        </a:xfrm>
-      </p:grpSpPr>
-      <p:sp>
-        <p:nvSpPr>
-          <p:cNvPr id="2" name="Title 1"/>
-          <p:cNvSpPr>
-            <a:spLocks noGrp="1"/>
-          </p:cNvSpPr>
-          <p:nvPr>
-            <p:ph type="title"/>
-          </p:nvPr>
-        </p:nvSpPr>
-        <p:spPr/>
-        <p:txBody>
-          <a:bodyPr/>
-          <a:lstStyle/>
-          <a:p>
-            <a:pPr algn="l"/>
-            <a:r>
-              <a:rPr lang="en-GB" dirty="0" smtClean="0"/>
-              <a:t>Workshop</a:t>
-            </a:r>
-            <a:endParaRPr lang="en-GB" dirty="0"/>
-          </a:p>
-        </p:txBody>
-      </p:sp>
-      <p:sp>
-        <p:nvSpPr>
-          <p:cNvPr id="3" name="Content Placeholder 2"/>
-          <p:cNvSpPr>
-            <a:spLocks noGrp="1"/>
-          </p:cNvSpPr>
-          <p:nvPr>
-            <p:ph idx="1"/>
-          </p:nvPr>
-        </p:nvSpPr>
-        <p:spPr>
-          <a:xfrm>
-            <a:off x="572771" y="1786855"/>
-            <a:ext cx="6447501" cy="2744167"/>
-          </a:xfrm>
-        </p:spPr>
-        <p:txBody>
-          <a:bodyPr/>
-          <a:lstStyle/>
-          <a:p>
-            <a:r>
-              <a:rPr lang="en-GB" dirty="0" smtClean="0"/>
-              <a:t>Rotate  </a:t>
-            </a:r>
-            <a:r>
-              <a:rPr lang="en-GB" dirty="0" smtClean="0"/>
-              <a:t>the </a:t>
-            </a:r>
-            <a:r>
-              <a:rPr lang="en-GB" dirty="0" smtClean="0"/>
-              <a:t>LEDs with a delay</a:t>
-            </a:r>
-          </a:p>
-          <a:p>
-            <a:endParaRPr lang="en-GB" dirty="0"/>
-          </a:p>
-          <a:p>
-            <a:r>
-              <a:rPr lang="en-GB" dirty="0" smtClean="0"/>
-              <a:t>Uses</a:t>
-            </a:r>
-          </a:p>
-          <a:p>
-            <a:pPr lvl="1"/>
-            <a:r>
-              <a:rPr lang="en-GB" dirty="0" smtClean="0"/>
-              <a:t>A Byte variable called LEDs</a:t>
-            </a:r>
-          </a:p>
-          <a:p>
-            <a:pPr lvl="1"/>
-            <a:r>
-              <a:rPr lang="en-GB" dirty="0" smtClean="0"/>
-              <a:t>Rotate command()</a:t>
-            </a:r>
-          </a:p>
-          <a:p>
-            <a:pPr lvl="1"/>
-            <a:r>
-              <a:rPr lang="en-GB" dirty="0" smtClean="0"/>
-              <a:t>Simple logic</a:t>
-            </a:r>
-          </a:p>
-          <a:p>
-            <a:pPr lvl="1"/>
-            <a:endParaRPr lang="en-GB" dirty="0" smtClean="0"/>
-          </a:p>
-          <a:p>
-            <a:pPr lvl="2"/>
-            <a:endParaRPr lang="en-GB" dirty="0" smtClean="0"/>
-          </a:p>
-          <a:p>
-            <a:pPr lvl="2"/>
-            <a:endParaRPr lang="en-GB" dirty="0" smtClean="0"/>
-          </a:p>
-          <a:p>
-            <a:pPr lvl="1"/>
-            <a:endParaRPr lang="en-GB" dirty="0" smtClean="0"/>
-          </a:p>
-        </p:txBody>
-      </p:sp>
-    </p:spTree>
-  </p:cSld>
-  <p:clrMapOvr>
-    <a:masterClrMapping/>
-  </p:clrMapOvr>
-  <mc:AlternateContent xmlns:mc="http://schemas.openxmlformats.org/markup-compatibility/2006" xmlns:p14="http://schemas.microsoft.com/office/powerpoint/2010/main">
-    <mc:Choice Requires="p14">
-      <p:transition spd="slow" p14:dur="2000"/>
-    </mc:Choice>
-    <mc:Fallback xmlns="">
-      <p:transition spd="slow"/>
-    </mc:Fallback>
-  </mc:AlternateContent>
-  <p:timing>
-    <p:tnLst>
-      <p:par>
-        <p:cTn id="1" dur="indefinite" restart="never" nodeType="tmRoot"/>
-      </p:par>
-    </p:tnLst>
-  </p:timing>
-</p:sld>
-</file>
-
-<file path=ppt/slides/slide11.xml><?xml version="1.0" encoding="utf-8"?>
-<p:sld xmlns:a="http://schemas.openxmlformats.org/drawingml/2006/main" xmlns:r="http://schemas.openxmlformats.org/officeDocument/2006/relationships" xmlns:p="http://schemas.openxmlformats.org/presentationml/2006/main">
-  <p:cSld>
-    <p:spTree>
-      <p:nvGrpSpPr>
-        <p:cNvPr id="1" name=""/>
-        <p:cNvGrpSpPr/>
-        <p:nvPr/>
-      </p:nvGrpSpPr>
-      <p:grpSpPr>
-        <a:xfrm>
-          <a:off x="0" y="0"/>
-          <a:ext cx="0" cy="0"/>
-          <a:chOff x="0" y="0"/>
-          <a:chExt cx="0" cy="0"/>
-        </a:xfrm>
-      </p:grpSpPr>
-      <p:sp>
-        <p:nvSpPr>
-          <p:cNvPr id="2" name="Title 1"/>
-          <p:cNvSpPr>
-            <a:spLocks noGrp="1"/>
-          </p:cNvSpPr>
-          <p:nvPr>
-            <p:ph type="title"/>
-          </p:nvPr>
-        </p:nvSpPr>
-        <p:spPr/>
-        <p:txBody>
-          <a:bodyPr/>
-          <a:lstStyle/>
-          <a:p>
-            <a:endParaRPr lang="en-GB"/>
-          </a:p>
-        </p:txBody>
-      </p:sp>
-      <p:sp>
-        <p:nvSpPr>
-          <p:cNvPr id="3" name="Content Placeholder 2"/>
-          <p:cNvSpPr>
-            <a:spLocks noGrp="1"/>
-          </p:cNvSpPr>
-          <p:nvPr>
-            <p:ph idx="1"/>
-          </p:nvPr>
-        </p:nvSpPr>
-        <p:spPr/>
-        <p:txBody>
-          <a:bodyPr/>
-          <a:lstStyle/>
-          <a:p>
-            <a:endParaRPr lang="en-GB"/>
-          </a:p>
-        </p:txBody>
-      </p:sp>
-    </p:spTree>
-  </p:cSld>
-  <p:clrMapOvr>
-    <a:masterClrMapping/>
-  </p:clrMapOvr>
-  <mc:AlternateContent xmlns:mc="http://schemas.openxmlformats.org/markup-compatibility/2006" xmlns:p14="http://schemas.microsoft.com/office/powerpoint/2010/main">
-    <mc:Choice Requires="p14">
-      <p:transition spd="slow" p14:dur="2000"/>
-    </mc:Choice>
-    <mc:Fallback xmlns="">
-      <p:transition spd="slow"/>
-    </mc:Fallback>
-  </mc:AlternateContent>
-  <p:timing>
-    <p:tnLst>
-      <p:par>
-        <p:cTn id="1" dur="indefinite" restart="never" nodeType="tmRoot"/>
-      </p:par>
-    </p:tnLst>
-  </p:timing>
-</p:sld>
-</file>
-
-<file path=ppt/slides/slide12.xml><?xml version="1.0" encoding="utf-8"?>
-<p:sld xmlns:a="http://schemas.openxmlformats.org/drawingml/2006/main" xmlns:r="http://schemas.openxmlformats.org/officeDocument/2006/relationships" xmlns:p="http://schemas.openxmlformats.org/presentationml/2006/main">
-  <p:cSld>
-    <p:spTree>
-      <p:nvGrpSpPr>
-        <p:cNvPr id="1" name=""/>
-        <p:cNvGrpSpPr/>
-        <p:nvPr/>
-      </p:nvGrpSpPr>
-      <p:grpSpPr>
-        <a:xfrm>
-          <a:off x="0" y="0"/>
-          <a:ext cx="0" cy="0"/>
-          <a:chOff x="0" y="0"/>
-          <a:chExt cx="0" cy="0"/>
-        </a:xfrm>
-      </p:grpSpPr>
-      <p:sp>
-        <p:nvSpPr>
-          <p:cNvPr id="2" name="Title 1"/>
-          <p:cNvSpPr>
-            <a:spLocks noGrp="1"/>
-          </p:cNvSpPr>
-          <p:nvPr>
-            <p:ph type="title"/>
-          </p:nvPr>
-        </p:nvSpPr>
-        <p:spPr/>
-        <p:txBody>
-          <a:bodyPr>
-            <a:normAutofit/>
-          </a:bodyPr>
-          <a:lstStyle/>
-          <a:p>
-            <a:r>
-              <a:rPr lang="en-GB" dirty="0" smtClean="0"/>
-              <a:t>Videos...</a:t>
-            </a:r>
-            <a:endParaRPr lang="en-GB" dirty="0"/>
-          </a:p>
-        </p:txBody>
-      </p:sp>
-      <p:sp>
-        <p:nvSpPr>
-          <p:cNvPr id="3" name="Content Placeholder 2"/>
-          <p:cNvSpPr>
-            <a:spLocks noGrp="1"/>
-          </p:cNvSpPr>
-          <p:nvPr>
-            <p:ph idx="1"/>
-          </p:nvPr>
-        </p:nvSpPr>
-        <p:spPr>
-          <a:xfrm>
-            <a:off x="467544" y="987574"/>
-            <a:ext cx="6447501" cy="4111476"/>
-          </a:xfrm>
-          <a:solidFill>
-            <a:schemeClr val="bg1"/>
-          </a:solidFill>
-        </p:spPr>
-        <p:txBody>
-          <a:bodyPr>
-            <a:noAutofit/>
-          </a:bodyPr>
-          <a:lstStyle/>
-          <a:p>
-            <a:pPr marL="180000" indent="-478483">
-              <a:spcBef>
-                <a:spcPts val="300"/>
-              </a:spcBef>
-              <a:buFont typeface="+mj-lt"/>
-              <a:buAutoNum type="arabicPeriod"/>
-            </a:pPr>
-            <a:r>
-              <a:rPr lang="en-GB" sz="1100" dirty="0"/>
-              <a:t>Install the hardware and make the board work – three LED programs</a:t>
-            </a:r>
-          </a:p>
-          <a:p>
-            <a:pPr marL="180000" indent="-478483">
-              <a:spcBef>
-                <a:spcPts val="300"/>
-              </a:spcBef>
-              <a:buFont typeface="+mj-lt"/>
-              <a:buAutoNum type="arabicPeriod"/>
-            </a:pPr>
-            <a:r>
-              <a:rPr lang="en-GB" sz="1100" dirty="0"/>
-              <a:t>Make  four LEDs flash in a sequence</a:t>
-            </a:r>
-          </a:p>
-          <a:p>
-            <a:pPr marL="180000" indent="-478483">
-              <a:spcBef>
-                <a:spcPts val="300"/>
-              </a:spcBef>
-              <a:buFont typeface="+mj-lt"/>
-              <a:buAutoNum type="arabicPeriod"/>
-            </a:pPr>
-            <a:r>
-              <a:rPr lang="en-GB" sz="1100" b="1" dirty="0"/>
-              <a:t>Set the LEDs to represent the value of ADC</a:t>
-            </a:r>
-          </a:p>
-          <a:p>
-            <a:pPr marL="180000" indent="-478483">
-              <a:spcBef>
-                <a:spcPts val="300"/>
-              </a:spcBef>
-              <a:buFont typeface="+mj-lt"/>
-              <a:buAutoNum type="arabicPeriod"/>
-            </a:pPr>
-            <a:r>
-              <a:rPr lang="en-GB" sz="1100" dirty="0"/>
-              <a:t>Sequence the LEDs with a delay using the value of ADC</a:t>
-            </a:r>
-          </a:p>
-          <a:p>
-            <a:pPr marL="180000" indent="-478483">
-              <a:spcBef>
-                <a:spcPts val="300"/>
-              </a:spcBef>
-              <a:buFont typeface="+mj-lt"/>
-              <a:buAutoNum type="arabicPeriod"/>
-            </a:pPr>
-            <a:r>
-              <a:rPr lang="en-GB" sz="1100" dirty="0"/>
-              <a:t>Using an input to set the state of the LEDs</a:t>
-            </a:r>
-          </a:p>
-          <a:p>
-            <a:pPr marL="180000" indent="-478483">
-              <a:spcBef>
-                <a:spcPts val="300"/>
-              </a:spcBef>
-              <a:buFont typeface="+mj-lt"/>
-              <a:buAutoNum type="arabicPeriod"/>
-            </a:pPr>
-            <a:r>
-              <a:rPr lang="en-GB" sz="1100" dirty="0"/>
-              <a:t>Using the reset switch</a:t>
-            </a:r>
-          </a:p>
-          <a:p>
-            <a:pPr marL="180000" indent="-478483">
-              <a:spcBef>
-                <a:spcPts val="300"/>
-              </a:spcBef>
-              <a:buFont typeface="+mj-lt"/>
-              <a:buAutoNum type="arabicPeriod"/>
-            </a:pPr>
-            <a:r>
-              <a:rPr lang="en-GB" sz="1100" dirty="0"/>
-              <a:t>Using the switch, ADC – make the LEDs flash in a sequence with reverse</a:t>
-            </a:r>
-          </a:p>
-          <a:p>
-            <a:pPr marL="180000" indent="-478483">
-              <a:spcBef>
-                <a:spcPts val="300"/>
-              </a:spcBef>
-              <a:buFont typeface="+mj-lt"/>
-              <a:buAutoNum type="arabicPeriod"/>
-            </a:pPr>
-            <a:r>
-              <a:rPr lang="en-GB" sz="1100" dirty="0"/>
-              <a:t>Using the serial to display values</a:t>
-            </a:r>
-          </a:p>
-          <a:p>
-            <a:pPr marL="180000" indent="-478483">
-              <a:spcBef>
-                <a:spcPts val="300"/>
-              </a:spcBef>
-              <a:buFont typeface="+mj-lt"/>
-              <a:buAutoNum type="arabicPeriod"/>
-            </a:pPr>
-            <a:r>
-              <a:rPr lang="en-GB" sz="1100" dirty="0"/>
-              <a:t>Using the timer0 overflow, 8bit timer, 16bit timer to flash the LEDs</a:t>
-            </a:r>
-          </a:p>
-          <a:p>
-            <a:pPr marL="180000" indent="-478483">
-              <a:spcBef>
-                <a:spcPts val="300"/>
-              </a:spcBef>
-              <a:buFont typeface="+mj-lt"/>
-              <a:buAutoNum type="arabicPeriod"/>
-            </a:pPr>
-            <a:r>
-              <a:rPr lang="en-GB" sz="1100" dirty="0"/>
-              <a:t>Using </a:t>
-            </a:r>
-            <a:r>
-              <a:rPr lang="en-GB" sz="1100" dirty="0" err="1"/>
-              <a:t>EEProm</a:t>
-            </a:r>
-            <a:r>
-              <a:rPr lang="en-GB" sz="1100" dirty="0"/>
-              <a:t> – showing values on the serial terminal, and more constants insights</a:t>
-            </a:r>
-          </a:p>
-          <a:p>
-            <a:pPr marL="180000" indent="-478483">
-              <a:spcBef>
-                <a:spcPts val="300"/>
-              </a:spcBef>
-              <a:buFont typeface="+mj-lt"/>
-              <a:buAutoNum type="arabicPeriod"/>
-            </a:pPr>
-            <a:r>
-              <a:rPr lang="en-GB" sz="1100" dirty="0"/>
-              <a:t>Using I2C with serial to discover I2C devices</a:t>
-            </a:r>
-          </a:p>
-          <a:p>
-            <a:pPr marL="180000" indent="-478483">
-              <a:spcBef>
-                <a:spcPts val="300"/>
-              </a:spcBef>
-              <a:buFont typeface="+mj-lt"/>
-              <a:buAutoNum type="arabicPeriod"/>
-            </a:pPr>
-            <a:r>
-              <a:rPr lang="en-GB" sz="1100" dirty="0"/>
-              <a:t>Using an I2C GCLD display</a:t>
-            </a:r>
-          </a:p>
-          <a:p>
-            <a:pPr marL="180000" indent="-478483">
-              <a:spcBef>
-                <a:spcPts val="300"/>
-              </a:spcBef>
-              <a:buFont typeface="+mj-lt"/>
-              <a:buAutoNum type="arabicPeriod"/>
-            </a:pPr>
-            <a:r>
-              <a:rPr lang="en-GB" sz="1100" dirty="0"/>
-              <a:t>Using a SPI GCLD display</a:t>
-            </a:r>
-          </a:p>
-          <a:p>
-            <a:pPr marL="180000" indent="-478483">
-              <a:spcBef>
-                <a:spcPts val="300"/>
-              </a:spcBef>
-              <a:buFont typeface="+mj-lt"/>
-              <a:buAutoNum type="arabicPeriod"/>
-            </a:pPr>
-            <a:r>
-              <a:rPr lang="en-GB" sz="1100" dirty="0"/>
-              <a:t>Using PWM, 7  ways,  to dim the LEDS</a:t>
-            </a:r>
-          </a:p>
-          <a:p>
-            <a:pPr marL="180000" indent="-478483">
-              <a:spcBef>
-                <a:spcPts val="300"/>
-              </a:spcBef>
-              <a:buFont typeface="+mj-lt"/>
-              <a:buAutoNum type="arabicPeriod"/>
-            </a:pPr>
-            <a:r>
-              <a:rPr lang="en-GB" sz="1100" dirty="0"/>
-              <a:t>Using an external interrupt to control an LED</a:t>
-            </a:r>
-          </a:p>
-          <a:p>
-            <a:pPr marL="180000" indent="-478483">
-              <a:spcBef>
-                <a:spcPts val="300"/>
-              </a:spcBef>
-              <a:buFont typeface="+mj-lt"/>
-              <a:buAutoNum type="arabicPeriod"/>
-            </a:pPr>
-            <a:r>
-              <a:rPr lang="en-GB" sz="1100" dirty="0"/>
-              <a:t>Using storage within the chip – </a:t>
-            </a:r>
-            <a:r>
-              <a:rPr lang="en-GB" sz="1100" dirty="0" err="1"/>
-              <a:t>Progmem</a:t>
-            </a:r>
-            <a:r>
-              <a:rPr lang="en-GB" sz="1100" dirty="0"/>
-              <a:t>, SAF memory, EEPROM and DATA blocks</a:t>
-            </a:r>
-          </a:p>
-          <a:p>
-            <a:pPr marL="180000" indent="-478483">
-              <a:spcBef>
-                <a:spcPts val="300"/>
-              </a:spcBef>
-              <a:buFont typeface="+mj-lt"/>
-              <a:buAutoNum type="arabicPeriod"/>
-            </a:pPr>
-            <a:r>
-              <a:rPr lang="en-GB" sz="1100" dirty="0"/>
-              <a:t>Using CLC</a:t>
-            </a:r>
-          </a:p>
-          <a:p>
-            <a:pPr marL="180000" indent="-478483">
-              <a:spcBef>
-                <a:spcPts val="300"/>
-              </a:spcBef>
-              <a:buFont typeface="+mj-lt"/>
-              <a:buAutoNum type="arabicPeriod"/>
-            </a:pPr>
-            <a:r>
-              <a:rPr lang="en-GB" sz="1100" dirty="0"/>
-              <a:t>The GCBASIC tool chain</a:t>
-            </a:r>
-          </a:p>
-          <a:p>
-            <a:pPr marL="180000" indent="-478483">
-              <a:spcBef>
-                <a:spcPts val="300"/>
-              </a:spcBef>
-              <a:buFont typeface="+mj-lt"/>
-              <a:buAutoNum type="arabicPeriod"/>
-            </a:pPr>
-            <a:r>
-              <a:rPr lang="en-GB" sz="1100" dirty="0"/>
-              <a:t>Assembly , alternatives assemblers and MPLAB-X</a:t>
-            </a:r>
-          </a:p>
-          <a:p>
-            <a:pPr marL="180000" indent="-478483">
-              <a:spcBef>
-                <a:spcPts val="300"/>
-              </a:spcBef>
-              <a:buFont typeface="+mj-lt"/>
-              <a:buAutoNum type="arabicPeriod"/>
-            </a:pPr>
-            <a:r>
-              <a:rPr lang="en-GB" sz="1100" dirty="0"/>
-              <a:t>Summary</a:t>
-            </a:r>
-          </a:p>
-          <a:p>
-            <a:pPr marL="180000" indent="-478483">
-              <a:spcBef>
-                <a:spcPts val="300"/>
-              </a:spcBef>
-              <a:buFont typeface="+mj-lt"/>
-              <a:buAutoNum type="arabicPeriod"/>
-            </a:pPr>
-            <a:endParaRPr lang="en-GB" sz="400" dirty="0" smtClean="0">
-              <a:solidFill>
-                <a:schemeClr val="bg1">
-                  <a:lumMod val="75000"/>
-                </a:schemeClr>
-              </a:solidFill>
-            </a:endParaRPr>
-          </a:p>
-          <a:p>
-            <a:pPr marL="180000" indent="-478483">
-              <a:spcBef>
-                <a:spcPts val="300"/>
-              </a:spcBef>
-              <a:buNone/>
-            </a:pPr>
-            <a:endParaRPr lang="en-GB" sz="700" dirty="0" smtClean="0"/>
-          </a:p>
-          <a:p>
-            <a:pPr marL="180000" indent="-478483">
-              <a:spcBef>
-                <a:spcPts val="300"/>
-              </a:spcBef>
-              <a:buFont typeface="+mj-lt"/>
-              <a:buAutoNum type="arabicPeriod"/>
-            </a:pPr>
-            <a:endParaRPr lang="en-GB" sz="700" dirty="0" smtClean="0"/>
-          </a:p>
-          <a:p>
-            <a:pPr marL="180000" indent="-478483">
-              <a:spcBef>
-                <a:spcPts val="300"/>
-              </a:spcBef>
-              <a:buFont typeface="+mj-lt"/>
-              <a:buAutoNum type="arabicPeriod"/>
-            </a:pPr>
-            <a:endParaRPr lang="en-GB" sz="500" dirty="0" smtClean="0"/>
-          </a:p>
-          <a:p>
-            <a:pPr marL="180000" indent="-478483">
-              <a:spcBef>
-                <a:spcPts val="300"/>
-              </a:spcBef>
-              <a:buFont typeface="+mj-lt"/>
-              <a:buAutoNum type="arabicPeriod"/>
-            </a:pPr>
-            <a:endParaRPr lang="en-GB" sz="500" dirty="0" smtClean="0"/>
-          </a:p>
-          <a:p>
-            <a:pPr marL="180000" indent="-478483">
-              <a:spcBef>
-                <a:spcPts val="300"/>
-              </a:spcBef>
-              <a:buFont typeface="+mj-lt"/>
-              <a:buAutoNum type="arabicPeriod"/>
-            </a:pPr>
-            <a:endParaRPr lang="en-GB" sz="500" dirty="0" smtClean="0"/>
-          </a:p>
-          <a:p>
-            <a:pPr marL="180000" indent="-478483">
-              <a:spcBef>
-                <a:spcPts val="300"/>
-              </a:spcBef>
-              <a:buFont typeface="+mj-lt"/>
-              <a:buAutoNum type="arabicPeriod"/>
-            </a:pPr>
-            <a:endParaRPr lang="en-GB" sz="500" dirty="0"/>
-          </a:p>
-        </p:txBody>
-      </p:sp>
-    </p:spTree>
-    <p:extLst>
-      <p:ext uri="{BB962C8B-B14F-4D97-AF65-F5344CB8AC3E}">
-        <p14:creationId xmlns:p14="http://schemas.microsoft.com/office/powerpoint/2010/main" val="2888874992"/>
-      </p:ext>
-    </p:extLst>
-  </p:cSld>
-  <p:clrMapOvr>
-    <a:masterClrMapping/>
-  </p:clrMapOvr>
-  <mc:AlternateContent xmlns:mc="http://schemas.openxmlformats.org/markup-compatibility/2006" xmlns:p14="http://schemas.microsoft.com/office/powerpoint/2010/main">
-    <mc:Choice Requires="p14">
-      <p:transition spd="slow" p14:dur="2000"/>
-    </mc:Choice>
-    <mc:Fallback xmlns="">
-      <p:transition spd="slow"/>
-    </mc:Fallback>
-  </mc:AlternateContent>
-  <p:timing>
-    <p:tnLst>
-      <p:par>
-        <p:cTn id="1" dur="indefinite" restart="never" nodeType="tmRoot"/>
-      </p:par>
-    </p:tnLst>
-  </p:timing>
-</p:sld>
-</file>
-
-<file path=ppt/slides/slide13.xml><?xml version="1.0" encoding="utf-8"?>
-<p:sld xmlns:a="http://schemas.openxmlformats.org/drawingml/2006/main" xmlns:r="http://schemas.openxmlformats.org/officeDocument/2006/relationships" xmlns:p="http://schemas.openxmlformats.org/presentationml/2006/main">
-  <p:cSld>
-    <p:spTree>
-      <p:nvGrpSpPr>
-        <p:cNvPr id="1" name=""/>
-        <p:cNvGrpSpPr/>
-        <p:nvPr/>
-      </p:nvGrpSpPr>
-      <p:grpSpPr>
-        <a:xfrm>
-          <a:off x="0" y="0"/>
-          <a:ext cx="0" cy="0"/>
-          <a:chOff x="0" y="0"/>
-          <a:chExt cx="0" cy="0"/>
-        </a:xfrm>
-      </p:grpSpPr>
-      <p:sp>
-        <p:nvSpPr>
-          <p:cNvPr id="2" name="Title 1"/>
-          <p:cNvSpPr>
-            <a:spLocks noGrp="1"/>
-          </p:cNvSpPr>
-          <p:nvPr>
-            <p:ph type="ctrTitle"/>
-          </p:nvPr>
-        </p:nvSpPr>
-        <p:spPr/>
-        <p:txBody>
-          <a:bodyPr/>
-          <a:lstStyle/>
-          <a:p>
-            <a:r>
-              <a:rPr lang="en-GB" dirty="0" smtClean="0"/>
-              <a:t>GCBASIC</a:t>
-            </a:r>
-            <a:endParaRPr lang="en-GB" dirty="0"/>
-          </a:p>
-        </p:txBody>
-      </p:sp>
-      <p:pic>
-        <p:nvPicPr>
-          <p:cNvPr id="1026" name="Picture 2" descr="D:\Build\AnobiumTransparent.jpg"/>
-          <p:cNvPicPr>
-            <a:picLocks noChangeAspect="1" noChangeArrowheads="1"/>
-          </p:cNvPicPr>
-          <p:nvPr/>
-        </p:nvPicPr>
-        <p:blipFill>
-          <a:blip r:embed="rId2" cstate="print"/>
-          <a:srcRect/>
-          <a:stretch>
-            <a:fillRect/>
-          </a:stretch>
-        </p:blipFill>
-        <p:spPr bwMode="auto">
-          <a:xfrm>
-            <a:off x="5292080" y="911052"/>
-            <a:ext cx="1828859" cy="771550"/>
-          </a:xfrm>
-          <a:prstGeom prst="rect">
-            <a:avLst/>
-          </a:prstGeom>
-          <a:noFill/>
-        </p:spPr>
-      </p:pic>
-      <p:sp>
-        <p:nvSpPr>
-          <p:cNvPr id="4" name="AutoShape 2" descr="ICSP connection"/>
-          <p:cNvSpPr>
-            <a:spLocks noChangeAspect="1" noChangeArrowheads="1"/>
-          </p:cNvSpPr>
-          <p:nvPr/>
-        </p:nvSpPr>
-        <p:spPr bwMode="auto">
-          <a:xfrm>
-            <a:off x="155575" y="-144462"/>
-            <a:ext cx="304800" cy="304801"/>
-          </a:xfrm>
-          <a:prstGeom prst="rect">
-            <a:avLst/>
-          </a:prstGeom>
-          <a:noFill/>
-        </p:spPr>
-        <p:txBody>
-          <a:bodyPr vert="horz" wrap="square" lIns="85064" tIns="42531" rIns="85064" bIns="42531" numCol="1" anchor="t" anchorCtr="0" compatLnSpc="1">
-            <a:prstTxWarp prst="textNoShape">
-              <a:avLst/>
-            </a:prstTxWarp>
-          </a:bodyPr>
-          <a:lstStyle/>
-          <a:p>
-            <a:endParaRPr lang="en-GB" dirty="0"/>
-          </a:p>
-        </p:txBody>
-      </p:sp>
-      <p:sp>
-        <p:nvSpPr>
-          <p:cNvPr id="8" name="Text Placeholder 4"/>
-          <p:cNvSpPr txBox="1">
-            <a:spLocks/>
-          </p:cNvSpPr>
-          <p:nvPr/>
-        </p:nvSpPr>
-        <p:spPr>
-          <a:xfrm>
-            <a:off x="3805512" y="2931790"/>
-            <a:ext cx="3342861" cy="645300"/>
-          </a:xfrm>
-          <a:prstGeom prst="rect">
-            <a:avLst/>
-          </a:prstGeom>
-        </p:spPr>
-        <p:txBody>
-          <a:bodyPr vert="horz" lIns="68580" tIns="34290" rIns="68580" bIns="34290" rtlCol="0" anchor="t">
-            <a:normAutofit/>
-          </a:bodyPr>
-          <a:lstStyle>
-            <a:lvl1pPr marL="0" indent="0" algn="r" defTabSz="342900" rtl="0" eaLnBrk="1" latinLnBrk="0" hangingPunct="1">
-              <a:spcBef>
-                <a:spcPts val="750"/>
-              </a:spcBef>
-              <a:spcAft>
-                <a:spcPts val="0"/>
-              </a:spcAft>
-              <a:buClr>
-                <a:schemeClr val="accent1"/>
-              </a:buClr>
-              <a:buSzPct val="80000"/>
-              <a:buFont typeface="Wingdings 3" charset="2"/>
-              <a:buNone/>
-              <a:defRPr sz="1400" kern="1200">
-                <a:solidFill>
-                  <a:schemeClr val="tx1">
-                    <a:lumMod val="50000"/>
-                    <a:lumOff val="50000"/>
-                  </a:schemeClr>
-                </a:solidFill>
-                <a:latin typeface="+mn-lt"/>
-                <a:ea typeface="+mn-ea"/>
-                <a:cs typeface="+mn-cs"/>
-              </a:defRPr>
-            </a:lvl1pPr>
-            <a:lvl2pPr marL="342900" indent="0" algn="ctr" defTabSz="342900" rtl="0" eaLnBrk="1" latinLnBrk="0" hangingPunct="1">
-              <a:spcBef>
-                <a:spcPts val="750"/>
-              </a:spcBef>
-              <a:spcAft>
-                <a:spcPts val="0"/>
-              </a:spcAft>
-              <a:buClr>
-                <a:schemeClr val="accent1"/>
-              </a:buClr>
-              <a:buSzPct val="80000"/>
-              <a:buFont typeface="Wingdings 3" charset="2"/>
-              <a:buNone/>
-              <a:defRPr sz="1200" kern="1200">
-                <a:solidFill>
-                  <a:schemeClr val="tx1">
-                    <a:tint val="75000"/>
-                  </a:schemeClr>
-                </a:solidFill>
-                <a:latin typeface="+mn-lt"/>
-                <a:ea typeface="+mn-ea"/>
-                <a:cs typeface="+mn-cs"/>
-              </a:defRPr>
-            </a:lvl2pPr>
-            <a:lvl3pPr marL="685800" indent="0" algn="ctr" defTabSz="342900" rtl="0" eaLnBrk="1" latinLnBrk="0" hangingPunct="1">
-              <a:spcBef>
-                <a:spcPts val="750"/>
-              </a:spcBef>
-              <a:spcAft>
-                <a:spcPts val="0"/>
-              </a:spcAft>
-              <a:buClr>
-                <a:schemeClr val="accent1"/>
-              </a:buClr>
-              <a:buSzPct val="80000"/>
-              <a:buFont typeface="Wingdings 3" charset="2"/>
-              <a:buNone/>
-              <a:defRPr sz="1100" kern="1200">
-                <a:solidFill>
-                  <a:schemeClr val="tx1">
-                    <a:tint val="75000"/>
-                  </a:schemeClr>
-                </a:solidFill>
-                <a:latin typeface="+mn-lt"/>
-                <a:ea typeface="+mn-ea"/>
-                <a:cs typeface="+mn-cs"/>
-              </a:defRPr>
-            </a:lvl3pPr>
-            <a:lvl4pPr marL="1028700" indent="0" algn="ctr" defTabSz="342900" rtl="0" eaLnBrk="1" latinLnBrk="0" hangingPunct="1">
-              <a:spcBef>
-                <a:spcPts val="750"/>
-              </a:spcBef>
-              <a:spcAft>
-                <a:spcPts val="0"/>
-              </a:spcAft>
-              <a:buClr>
-                <a:schemeClr val="accent1"/>
-              </a:buClr>
-              <a:buSzPct val="80000"/>
-              <a:buFont typeface="Wingdings 3" charset="2"/>
-              <a:buNone/>
-              <a:defRPr sz="900" kern="1200">
-                <a:solidFill>
-                  <a:schemeClr val="tx1">
-                    <a:tint val="75000"/>
-                  </a:schemeClr>
-                </a:solidFill>
-                <a:latin typeface="+mn-lt"/>
-                <a:ea typeface="+mn-ea"/>
-                <a:cs typeface="+mn-cs"/>
-              </a:defRPr>
-            </a:lvl4pPr>
-            <a:lvl5pPr marL="1371600" indent="0" algn="ctr" defTabSz="342900" rtl="0" eaLnBrk="1" latinLnBrk="0" hangingPunct="1">
-              <a:spcBef>
-                <a:spcPts val="750"/>
-              </a:spcBef>
-              <a:spcAft>
-                <a:spcPts val="0"/>
-              </a:spcAft>
-              <a:buClr>
-                <a:schemeClr val="accent1"/>
-              </a:buClr>
-              <a:buSzPct val="80000"/>
-              <a:buFont typeface="Wingdings 3" charset="2"/>
-              <a:buNone/>
-              <a:defRPr sz="900" kern="1200">
-                <a:solidFill>
-                  <a:schemeClr val="tx1">
-                    <a:tint val="75000"/>
-                  </a:schemeClr>
-                </a:solidFill>
-                <a:latin typeface="+mn-lt"/>
-                <a:ea typeface="+mn-ea"/>
-                <a:cs typeface="+mn-cs"/>
-              </a:defRPr>
-            </a:lvl5pPr>
-            <a:lvl6pPr marL="1714500" indent="0" algn="ctr" defTabSz="342900" rtl="0" eaLnBrk="1" latinLnBrk="0" hangingPunct="1">
-              <a:spcBef>
-                <a:spcPts val="750"/>
-              </a:spcBef>
-              <a:spcAft>
-                <a:spcPts val="0"/>
-              </a:spcAft>
-              <a:buClr>
-                <a:schemeClr val="accent1"/>
-              </a:buClr>
-              <a:buSzPct val="80000"/>
-              <a:buFont typeface="Wingdings 3" charset="2"/>
-              <a:buNone/>
-              <a:defRPr sz="900" kern="1200">
-                <a:solidFill>
-                  <a:schemeClr val="tx1">
-                    <a:tint val="75000"/>
-                  </a:schemeClr>
-                </a:solidFill>
-                <a:latin typeface="+mn-lt"/>
-                <a:ea typeface="+mn-ea"/>
-                <a:cs typeface="+mn-cs"/>
-              </a:defRPr>
-            </a:lvl6pPr>
-            <a:lvl7pPr marL="2057400" indent="0" algn="ctr" defTabSz="342900" rtl="0" eaLnBrk="1" latinLnBrk="0" hangingPunct="1">
-              <a:spcBef>
-                <a:spcPts val="750"/>
-              </a:spcBef>
-              <a:spcAft>
-                <a:spcPts val="0"/>
-              </a:spcAft>
-              <a:buClr>
-                <a:schemeClr val="accent1"/>
-              </a:buClr>
-              <a:buSzPct val="80000"/>
-              <a:buFont typeface="Wingdings 3" charset="2"/>
-              <a:buNone/>
-              <a:defRPr sz="900" kern="1200">
-                <a:solidFill>
-                  <a:schemeClr val="tx1">
-                    <a:tint val="75000"/>
-                  </a:schemeClr>
-                </a:solidFill>
-                <a:latin typeface="+mn-lt"/>
-                <a:ea typeface="+mn-ea"/>
-                <a:cs typeface="+mn-cs"/>
-              </a:defRPr>
-            </a:lvl7pPr>
-            <a:lvl8pPr marL="2400300" indent="0" algn="ctr" defTabSz="342900" rtl="0" eaLnBrk="1" latinLnBrk="0" hangingPunct="1">
-              <a:spcBef>
-                <a:spcPts val="750"/>
-              </a:spcBef>
-              <a:spcAft>
-                <a:spcPts val="0"/>
-              </a:spcAft>
-              <a:buClr>
-                <a:schemeClr val="accent1"/>
-              </a:buClr>
-              <a:buSzPct val="80000"/>
-              <a:buFont typeface="Wingdings 3" charset="2"/>
-              <a:buNone/>
-              <a:defRPr sz="900" kern="1200">
-                <a:solidFill>
-                  <a:schemeClr val="tx1">
-                    <a:tint val="75000"/>
-                  </a:schemeClr>
-                </a:solidFill>
-                <a:latin typeface="+mn-lt"/>
-                <a:ea typeface="+mn-ea"/>
-                <a:cs typeface="+mn-cs"/>
-              </a:defRPr>
-            </a:lvl8pPr>
-            <a:lvl9pPr marL="2743200" indent="0" algn="ctr" defTabSz="342900" rtl="0" eaLnBrk="1" latinLnBrk="0" hangingPunct="1">
-              <a:spcBef>
-                <a:spcPts val="750"/>
-              </a:spcBef>
-              <a:spcAft>
-                <a:spcPts val="0"/>
-              </a:spcAft>
-              <a:buClr>
-                <a:schemeClr val="accent1"/>
-              </a:buClr>
-              <a:buSzPct val="80000"/>
-              <a:buFont typeface="Wingdings 3" charset="2"/>
-              <a:buNone/>
-              <a:defRPr sz="900" kern="1200">
-                <a:solidFill>
-                  <a:schemeClr val="tx1">
-                    <a:tint val="75000"/>
-                  </a:schemeClr>
-                </a:solidFill>
-                <a:latin typeface="+mn-lt"/>
-                <a:ea typeface="+mn-ea"/>
-                <a:cs typeface="+mn-cs"/>
-              </a:defRPr>
-            </a:lvl9pPr>
-          </a:lstStyle>
-          <a:p>
-            <a:r>
-              <a:rPr lang="en-GB" dirty="0" smtClean="0"/>
-              <a:t>PIC18FxxQ24</a:t>
-            </a:r>
-          </a:p>
-          <a:p>
-            <a:r>
-              <a:rPr lang="en-GB" dirty="0" smtClean="0"/>
-              <a:t>Part 2 – </a:t>
-            </a:r>
-            <a:r>
-              <a:rPr lang="en-GB" dirty="0" smtClean="0"/>
-              <a:t>sequence the </a:t>
-            </a:r>
-            <a:r>
-              <a:rPr lang="en-GB" dirty="0" smtClean="0"/>
-              <a:t>LEDs </a:t>
-            </a:r>
-            <a:endParaRPr lang="en-GB" dirty="0"/>
-          </a:p>
-        </p:txBody>
-      </p:sp>
-      <p:pic>
-        <p:nvPicPr>
-          <p:cNvPr id="10" name="Picture 2" descr="PIC18F26Q24"/>
-          <p:cNvPicPr>
-            <a:picLocks noChangeAspect="1" noChangeArrowheads="1"/>
-          </p:cNvPicPr>
-          <p:nvPr/>
-        </p:nvPicPr>
-        <p:blipFill>
-          <a:blip r:embed="rId3" cstate="print">
-            <a:extLst>
-              <a:ext uri="{28A0092B-C50C-407E-A947-70E740481C1C}">
-                <a14:useLocalDpi xmlns:a14="http://schemas.microsoft.com/office/drawing/2010/main" val="0"/>
-              </a:ext>
-            </a:extLst>
-          </a:blip>
-          <a:srcRect/>
-          <a:stretch>
-            <a:fillRect/>
-          </a:stretch>
-        </p:blipFill>
-        <p:spPr bwMode="auto">
-          <a:xfrm>
-            <a:off x="1907705" y="4116163"/>
-            <a:ext cx="1280738" cy="922132"/>
-          </a:xfrm>
-          <a:prstGeom prst="rect">
-            <a:avLst/>
-          </a:prstGeom>
-          <a:noFill/>
-          <a:extLst>
-            <a:ext uri="{909E8E84-426E-40DD-AFC4-6F175D3DCCD1}">
-              <a14:hiddenFill xmlns:a14="http://schemas.microsoft.com/office/drawing/2010/main">
-                <a:solidFill>
-                  <a:srgbClr val="FFFFFF"/>
-                </a:solidFill>
-              </a14:hiddenFill>
-            </a:ext>
-          </a:extLst>
-        </p:spPr>
-      </p:pic>
-    </p:spTree>
-    <p:extLst>
-      <p:ext uri="{BB962C8B-B14F-4D97-AF65-F5344CB8AC3E}">
-        <p14:creationId xmlns:p14="http://schemas.microsoft.com/office/powerpoint/2010/main" val="3989497422"/>
-      </p:ext>
-    </p:extLst>
-  </p:cSld>
-  <p:clrMapOvr>
-    <a:masterClrMapping/>
-  </p:clrMapOvr>
-  <mc:AlternateContent xmlns:mc="http://schemas.openxmlformats.org/markup-compatibility/2006" xmlns:p14="http://schemas.microsoft.com/office/powerpoint/2010/main">
-    <mc:Choice Requires="p14">
-      <p:transition spd="slow" p14:dur="2000"/>
-    </mc:Choice>
-    <mc:Fallback xmlns="">
-      <p:transition spd="slow"/>
-    </mc:Fallback>
-  </mc:AlternateContent>
-  <p:timing>
-    <p:tnLst>
-      <p:par>
-        <p:cTn id="1" dur="indefinite" restart="never" nodeType="tmRoot"/>
-      </p:par>
-    </p:tnLst>
-  </p:timing>
-</p:sld>
-</file>
-
-<file path=ppt/slides/slide2.xml><?xml version="1.0" encoding="utf-8"?>
-<p:sld xmlns:a="http://schemas.openxmlformats.org/drawingml/2006/main" xmlns:r="http://schemas.openxmlformats.org/officeDocument/2006/relationships" xmlns:p="http://schemas.openxmlformats.org/presentationml/2006/main">
-  <p:cSld>
-    <p:spTree>
-      <p:nvGrpSpPr>
-        <p:cNvPr id="1" name=""/>
-        <p:cNvGrpSpPr/>
-        <p:nvPr/>
-      </p:nvGrpSpPr>
-      <p:grpSpPr>
-        <a:xfrm>
-          <a:off x="0" y="0"/>
-          <a:ext cx="0" cy="0"/>
-          <a:chOff x="0" y="0"/>
-          <a:chExt cx="0" cy="0"/>
-        </a:xfrm>
-      </p:grpSpPr>
-      <p:sp>
-        <p:nvSpPr>
-          <p:cNvPr id="2" name="Title 1"/>
-          <p:cNvSpPr>
-            <a:spLocks noGrp="1"/>
-          </p:cNvSpPr>
-          <p:nvPr>
-            <p:ph type="ctrTitle"/>
-          </p:nvPr>
-        </p:nvSpPr>
-        <p:spPr/>
-        <p:txBody>
-          <a:bodyPr/>
-          <a:lstStyle/>
-          <a:p>
-            <a:r>
-              <a:rPr lang="en-GB" dirty="0" smtClean="0"/>
-              <a:t>GCBASIC</a:t>
-            </a:r>
-            <a:endParaRPr lang="en-GB" dirty="0"/>
-          </a:p>
-        </p:txBody>
-      </p:sp>
-      <p:pic>
-        <p:nvPicPr>
-          <p:cNvPr id="1026" name="Picture 2" descr="D:\Build\AnobiumTransparent.jpg"/>
-          <p:cNvPicPr>
-            <a:picLocks noChangeAspect="1" noChangeArrowheads="1"/>
-          </p:cNvPicPr>
-          <p:nvPr/>
-        </p:nvPicPr>
-        <p:blipFill>
-          <a:blip r:embed="rId2" cstate="print"/>
-          <a:srcRect/>
-          <a:stretch>
-            <a:fillRect/>
-          </a:stretch>
-        </p:blipFill>
-        <p:spPr bwMode="auto">
-          <a:xfrm>
-            <a:off x="5292080" y="911052"/>
-            <a:ext cx="1828859" cy="771550"/>
-          </a:xfrm>
-          <a:prstGeom prst="rect">
-            <a:avLst/>
-          </a:prstGeom>
-          <a:noFill/>
-        </p:spPr>
-      </p:pic>
-      <p:sp>
-        <p:nvSpPr>
-          <p:cNvPr id="4" name="AutoShape 2" descr="ICSP connection"/>
-          <p:cNvSpPr>
-            <a:spLocks noChangeAspect="1" noChangeArrowheads="1"/>
-          </p:cNvSpPr>
-          <p:nvPr/>
-        </p:nvSpPr>
-        <p:spPr bwMode="auto">
-          <a:xfrm>
-            <a:off x="155575" y="-144462"/>
-            <a:ext cx="304800" cy="304801"/>
-          </a:xfrm>
-          <a:prstGeom prst="rect">
-            <a:avLst/>
-          </a:prstGeom>
-          <a:noFill/>
-        </p:spPr>
-        <p:txBody>
-          <a:bodyPr vert="horz" wrap="square" lIns="85064" tIns="42531" rIns="85064" bIns="42531" numCol="1" anchor="t" anchorCtr="0" compatLnSpc="1">
-            <a:prstTxWarp prst="textNoShape">
-              <a:avLst/>
-            </a:prstTxWarp>
-          </a:bodyPr>
-          <a:lstStyle/>
-          <a:p>
-            <a:endParaRPr lang="en-GB" dirty="0"/>
-          </a:p>
-        </p:txBody>
-      </p:sp>
-      <p:sp>
-        <p:nvSpPr>
-          <p:cNvPr id="8" name="Text Placeholder 4"/>
-          <p:cNvSpPr txBox="1">
-            <a:spLocks/>
-          </p:cNvSpPr>
-          <p:nvPr/>
-        </p:nvSpPr>
-        <p:spPr>
-          <a:xfrm>
-            <a:off x="3805512" y="2931790"/>
-            <a:ext cx="3342861" cy="645300"/>
-          </a:xfrm>
-          <a:prstGeom prst="rect">
-            <a:avLst/>
-          </a:prstGeom>
-        </p:spPr>
-        <p:txBody>
-          <a:bodyPr vert="horz" lIns="68580" tIns="34290" rIns="68580" bIns="34290" rtlCol="0" anchor="t">
-            <a:normAutofit/>
-          </a:bodyPr>
-          <a:lstStyle>
-            <a:lvl1pPr marL="0" indent="0" algn="r" defTabSz="342900" rtl="0" eaLnBrk="1" latinLnBrk="0" hangingPunct="1">
-              <a:spcBef>
-                <a:spcPts val="750"/>
-              </a:spcBef>
-              <a:spcAft>
-                <a:spcPts val="0"/>
-              </a:spcAft>
-              <a:buClr>
-                <a:schemeClr val="accent1"/>
-              </a:buClr>
-              <a:buSzPct val="80000"/>
-              <a:buFont typeface="Wingdings 3" charset="2"/>
-              <a:buNone/>
-              <a:defRPr sz="1400" kern="1200">
-                <a:solidFill>
-                  <a:schemeClr val="tx1">
-                    <a:lumMod val="50000"/>
-                    <a:lumOff val="50000"/>
-                  </a:schemeClr>
-                </a:solidFill>
-                <a:latin typeface="+mn-lt"/>
-                <a:ea typeface="+mn-ea"/>
-                <a:cs typeface="+mn-cs"/>
-              </a:defRPr>
-            </a:lvl1pPr>
-            <a:lvl2pPr marL="342900" indent="0" algn="ctr" defTabSz="342900" rtl="0" eaLnBrk="1" latinLnBrk="0" hangingPunct="1">
-              <a:spcBef>
-                <a:spcPts val="750"/>
-              </a:spcBef>
-              <a:spcAft>
-                <a:spcPts val="0"/>
-              </a:spcAft>
-              <a:buClr>
-                <a:schemeClr val="accent1"/>
-              </a:buClr>
-              <a:buSzPct val="80000"/>
-              <a:buFont typeface="Wingdings 3" charset="2"/>
-              <a:buNone/>
-              <a:defRPr sz="1200" kern="1200">
-                <a:solidFill>
-                  <a:schemeClr val="tx1">
-                    <a:tint val="75000"/>
-                  </a:schemeClr>
-                </a:solidFill>
-                <a:latin typeface="+mn-lt"/>
-                <a:ea typeface="+mn-ea"/>
-                <a:cs typeface="+mn-cs"/>
-              </a:defRPr>
-            </a:lvl2pPr>
-            <a:lvl3pPr marL="685800" indent="0" algn="ctr" defTabSz="342900" rtl="0" eaLnBrk="1" latinLnBrk="0" hangingPunct="1">
-              <a:spcBef>
-                <a:spcPts val="750"/>
-              </a:spcBef>
-              <a:spcAft>
-                <a:spcPts val="0"/>
-              </a:spcAft>
-              <a:buClr>
-                <a:schemeClr val="accent1"/>
-              </a:buClr>
-              <a:buSzPct val="80000"/>
-              <a:buFont typeface="Wingdings 3" charset="2"/>
-              <a:buNone/>
-              <a:defRPr sz="1100" kern="1200">
-                <a:solidFill>
-                  <a:schemeClr val="tx1">
-                    <a:tint val="75000"/>
-                  </a:schemeClr>
-                </a:solidFill>
-                <a:latin typeface="+mn-lt"/>
-                <a:ea typeface="+mn-ea"/>
-                <a:cs typeface="+mn-cs"/>
-              </a:defRPr>
-            </a:lvl3pPr>
-            <a:lvl4pPr marL="1028700" indent="0" algn="ctr" defTabSz="342900" rtl="0" eaLnBrk="1" latinLnBrk="0" hangingPunct="1">
-              <a:spcBef>
-                <a:spcPts val="750"/>
-              </a:spcBef>
-              <a:spcAft>
-                <a:spcPts val="0"/>
-              </a:spcAft>
-              <a:buClr>
-                <a:schemeClr val="accent1"/>
-              </a:buClr>
-              <a:buSzPct val="80000"/>
-              <a:buFont typeface="Wingdings 3" charset="2"/>
-              <a:buNone/>
-              <a:defRPr sz="900" kern="1200">
-                <a:solidFill>
-                  <a:schemeClr val="tx1">
-                    <a:tint val="75000"/>
-                  </a:schemeClr>
-                </a:solidFill>
-                <a:latin typeface="+mn-lt"/>
-                <a:ea typeface="+mn-ea"/>
-                <a:cs typeface="+mn-cs"/>
-              </a:defRPr>
-            </a:lvl4pPr>
-            <a:lvl5pPr marL="1371600" indent="0" algn="ctr" defTabSz="342900" rtl="0" eaLnBrk="1" latinLnBrk="0" hangingPunct="1">
-              <a:spcBef>
-                <a:spcPts val="750"/>
-              </a:spcBef>
-              <a:spcAft>
-                <a:spcPts val="0"/>
-              </a:spcAft>
-              <a:buClr>
-                <a:schemeClr val="accent1"/>
-              </a:buClr>
-              <a:buSzPct val="80000"/>
-              <a:buFont typeface="Wingdings 3" charset="2"/>
-              <a:buNone/>
-              <a:defRPr sz="900" kern="1200">
-                <a:solidFill>
-                  <a:schemeClr val="tx1">
-                    <a:tint val="75000"/>
-                  </a:schemeClr>
-                </a:solidFill>
-                <a:latin typeface="+mn-lt"/>
-                <a:ea typeface="+mn-ea"/>
-                <a:cs typeface="+mn-cs"/>
-              </a:defRPr>
-            </a:lvl5pPr>
-            <a:lvl6pPr marL="1714500" indent="0" algn="ctr" defTabSz="342900" rtl="0" eaLnBrk="1" latinLnBrk="0" hangingPunct="1">
-              <a:spcBef>
-                <a:spcPts val="750"/>
-              </a:spcBef>
-              <a:spcAft>
-                <a:spcPts val="0"/>
-              </a:spcAft>
-              <a:buClr>
-                <a:schemeClr val="accent1"/>
-              </a:buClr>
-              <a:buSzPct val="80000"/>
-              <a:buFont typeface="Wingdings 3" charset="2"/>
-              <a:buNone/>
-              <a:defRPr sz="900" kern="1200">
-                <a:solidFill>
-                  <a:schemeClr val="tx1">
-                    <a:tint val="75000"/>
-                  </a:schemeClr>
-                </a:solidFill>
-                <a:latin typeface="+mn-lt"/>
-                <a:ea typeface="+mn-ea"/>
-                <a:cs typeface="+mn-cs"/>
-              </a:defRPr>
-            </a:lvl6pPr>
-            <a:lvl7pPr marL="2057400" indent="0" algn="ctr" defTabSz="342900" rtl="0" eaLnBrk="1" latinLnBrk="0" hangingPunct="1">
-              <a:spcBef>
-                <a:spcPts val="750"/>
-              </a:spcBef>
-              <a:spcAft>
-                <a:spcPts val="0"/>
-              </a:spcAft>
-              <a:buClr>
-                <a:schemeClr val="accent1"/>
-              </a:buClr>
-              <a:buSzPct val="80000"/>
-              <a:buFont typeface="Wingdings 3" charset="2"/>
-              <a:buNone/>
-              <a:defRPr sz="900" kern="1200">
-                <a:solidFill>
-                  <a:schemeClr val="tx1">
-                    <a:tint val="75000"/>
-                  </a:schemeClr>
-                </a:solidFill>
-                <a:latin typeface="+mn-lt"/>
-                <a:ea typeface="+mn-ea"/>
-                <a:cs typeface="+mn-cs"/>
-              </a:defRPr>
-            </a:lvl7pPr>
-            <a:lvl8pPr marL="2400300" indent="0" algn="ctr" defTabSz="342900" rtl="0" eaLnBrk="1" latinLnBrk="0" hangingPunct="1">
-              <a:spcBef>
-                <a:spcPts val="750"/>
-              </a:spcBef>
-              <a:spcAft>
-                <a:spcPts val="0"/>
-              </a:spcAft>
-              <a:buClr>
-                <a:schemeClr val="accent1"/>
-              </a:buClr>
-              <a:buSzPct val="80000"/>
-              <a:buFont typeface="Wingdings 3" charset="2"/>
-              <a:buNone/>
-              <a:defRPr sz="900" kern="1200">
-                <a:solidFill>
-                  <a:schemeClr val="tx1">
-                    <a:tint val="75000"/>
-                  </a:schemeClr>
-                </a:solidFill>
-                <a:latin typeface="+mn-lt"/>
-                <a:ea typeface="+mn-ea"/>
-                <a:cs typeface="+mn-cs"/>
-              </a:defRPr>
-            </a:lvl8pPr>
-            <a:lvl9pPr marL="2743200" indent="0" algn="ctr" defTabSz="342900" rtl="0" eaLnBrk="1" latinLnBrk="0" hangingPunct="1">
-              <a:spcBef>
-                <a:spcPts val="750"/>
-              </a:spcBef>
-              <a:spcAft>
-                <a:spcPts val="0"/>
-              </a:spcAft>
-              <a:buClr>
-                <a:schemeClr val="accent1"/>
-              </a:buClr>
-              <a:buSzPct val="80000"/>
-              <a:buFont typeface="Wingdings 3" charset="2"/>
-              <a:buNone/>
-              <a:defRPr sz="900" kern="1200">
-                <a:solidFill>
-                  <a:schemeClr val="tx1">
-                    <a:tint val="75000"/>
-                  </a:schemeClr>
-                </a:solidFill>
-                <a:latin typeface="+mn-lt"/>
-                <a:ea typeface="+mn-ea"/>
-                <a:cs typeface="+mn-cs"/>
-              </a:defRPr>
-            </a:lvl9pPr>
-          </a:lstStyle>
-          <a:p>
-            <a:r>
-              <a:rPr lang="en-GB" dirty="0" smtClean="0"/>
-              <a:t>PIC18FxxQ24</a:t>
-            </a:r>
-          </a:p>
-          <a:p>
-            <a:r>
-              <a:rPr lang="en-GB" dirty="0" smtClean="0"/>
-              <a:t>Part 2 – </a:t>
-            </a:r>
-            <a:r>
-              <a:rPr lang="en-GB" dirty="0" smtClean="0"/>
-              <a:t>sequence the </a:t>
-            </a:r>
-            <a:r>
-              <a:rPr lang="en-GB" dirty="0" smtClean="0"/>
-              <a:t>LEDs </a:t>
-            </a:r>
-            <a:endParaRPr lang="en-GB" dirty="0"/>
-          </a:p>
-        </p:txBody>
-      </p:sp>
-      <p:pic>
-        <p:nvPicPr>
-          <p:cNvPr id="10" name="Picture 2" descr="PIC18F26Q24"/>
-          <p:cNvPicPr>
-            <a:picLocks noChangeAspect="1" noChangeArrowheads="1"/>
-          </p:cNvPicPr>
-          <p:nvPr/>
-        </p:nvPicPr>
-        <p:blipFill>
-          <a:blip r:embed="rId3" cstate="print">
-            <a:extLst>
-              <a:ext uri="{28A0092B-C50C-407E-A947-70E740481C1C}">
-                <a14:useLocalDpi xmlns:a14="http://schemas.microsoft.com/office/drawing/2010/main" val="0"/>
-              </a:ext>
-            </a:extLst>
-          </a:blip>
-          <a:srcRect/>
-          <a:stretch>
-            <a:fillRect/>
-          </a:stretch>
-        </p:blipFill>
-        <p:spPr bwMode="auto">
-          <a:xfrm>
-            <a:off x="1907705" y="4116163"/>
-            <a:ext cx="1280738" cy="922132"/>
-          </a:xfrm>
-          <a:prstGeom prst="rect">
-            <a:avLst/>
-          </a:prstGeom>
-          <a:noFill/>
-          <a:extLst>
-            <a:ext uri="{909E8E84-426E-40DD-AFC4-6F175D3DCCD1}">
-              <a14:hiddenFill xmlns:a14="http://schemas.microsoft.com/office/drawing/2010/main">
-                <a:solidFill>
-                  <a:srgbClr val="FFFFFF"/>
-                </a:solidFill>
-              </a14:hiddenFill>
-            </a:ext>
-          </a:extLst>
-        </p:spPr>
-      </p:pic>
-    </p:spTree>
-  </p:cSld>
-  <p:clrMapOvr>
-    <a:masterClrMapping/>
-  </p:clrMapOvr>
-  <mc:AlternateContent xmlns:mc="http://schemas.openxmlformats.org/markup-compatibility/2006" xmlns:p14="http://schemas.microsoft.com/office/powerpoint/2010/main">
-    <mc:Choice Requires="p14">
-      <p:transition spd="slow" p14:dur="2000"/>
-    </mc:Choice>
-    <mc:Fallback xmlns="">
-      <p:transition spd="slow"/>
-    </mc:Fallback>
-  </mc:AlternateContent>
-  <p:timing>
-    <p:tnLst>
-      <p:par>
-        <p:cTn id="1" dur="indefinite" restart="never" nodeType="tmRoot"/>
-      </p:par>
-    </p:tnLst>
-  </p:timing>
-</p:sld>
-</file>
-
-<file path=ppt/slides/slide3.xml><?xml version="1.0" encoding="utf-8"?>
-<p:sld xmlns:a="http://schemas.openxmlformats.org/drawingml/2006/main" xmlns:r="http://schemas.openxmlformats.org/officeDocument/2006/relationships" xmlns:p="http://schemas.openxmlformats.org/presentationml/2006/main">
-  <p:cSld>
-    <p:spTree>
-      <p:nvGrpSpPr>
-        <p:cNvPr id="1" name=""/>
-        <p:cNvGrpSpPr/>
-        <p:nvPr/>
-      </p:nvGrpSpPr>
-      <p:grpSpPr>
-        <a:xfrm>
-          <a:off x="0" y="0"/>
-          <a:ext cx="0" cy="0"/>
-          <a:chOff x="0" y="0"/>
-          <a:chExt cx="0" cy="0"/>
-        </a:xfrm>
-      </p:grpSpPr>
-      <p:sp>
-        <p:nvSpPr>
-          <p:cNvPr id="2" name="Title 1"/>
-          <p:cNvSpPr>
-            <a:spLocks noGrp="1"/>
-          </p:cNvSpPr>
-          <p:nvPr>
-            <p:ph type="title"/>
-          </p:nvPr>
-        </p:nvSpPr>
-        <p:spPr/>
-        <p:txBody>
-          <a:bodyPr/>
-          <a:lstStyle/>
-          <a:p>
-            <a:r>
-              <a:rPr lang="en-GB" dirty="0" smtClean="0"/>
-              <a:t>GCBASIC</a:t>
-            </a:r>
-            <a:endParaRPr lang="en-GB" dirty="0"/>
-          </a:p>
-        </p:txBody>
-      </p:sp>
-      <p:pic>
-        <p:nvPicPr>
-          <p:cNvPr id="1026" name="Picture 2" descr="D:\Build\AnobiumTransparent.jpg"/>
-          <p:cNvPicPr>
-            <a:picLocks noChangeAspect="1" noChangeArrowheads="1"/>
-          </p:cNvPicPr>
-          <p:nvPr/>
-        </p:nvPicPr>
-        <p:blipFill>
-          <a:blip r:embed="rId2" cstate="print"/>
-          <a:srcRect/>
-          <a:stretch>
-            <a:fillRect/>
-          </a:stretch>
-        </p:blipFill>
-        <p:spPr bwMode="auto">
-          <a:xfrm>
-            <a:off x="5292080" y="911052"/>
-            <a:ext cx="1828859" cy="771550"/>
-          </a:xfrm>
-          <a:prstGeom prst="rect">
-            <a:avLst/>
-          </a:prstGeom>
-          <a:noFill/>
-        </p:spPr>
-      </p:pic>
-      <p:sp>
-        <p:nvSpPr>
-          <p:cNvPr id="4" name="AutoShape 2" descr="ICSP connection"/>
-          <p:cNvSpPr>
-            <a:spLocks noChangeAspect="1" noChangeArrowheads="1"/>
-          </p:cNvSpPr>
-          <p:nvPr/>
-        </p:nvSpPr>
-        <p:spPr bwMode="auto">
-          <a:xfrm>
-            <a:off x="155575" y="-144462"/>
-            <a:ext cx="304800" cy="304801"/>
-          </a:xfrm>
-          <a:prstGeom prst="rect">
-            <a:avLst/>
-          </a:prstGeom>
-          <a:noFill/>
-        </p:spPr>
-        <p:txBody>
-          <a:bodyPr vert="horz" wrap="square" lIns="85064" tIns="42531" rIns="85064" bIns="42531" numCol="1" anchor="t" anchorCtr="0" compatLnSpc="1">
-            <a:prstTxWarp prst="textNoShape">
-              <a:avLst/>
-            </a:prstTxWarp>
-          </a:bodyPr>
-          <a:lstStyle/>
-          <a:p>
-            <a:endParaRPr lang="en-GB" dirty="0"/>
-          </a:p>
-        </p:txBody>
-      </p:sp>
-      <p:sp>
-        <p:nvSpPr>
-          <p:cNvPr id="7" name="Rectangle 6"/>
-          <p:cNvSpPr/>
-          <p:nvPr/>
-        </p:nvSpPr>
-        <p:spPr>
-          <a:xfrm>
-            <a:off x="539552" y="2067694"/>
-            <a:ext cx="7367888" cy="707886"/>
-          </a:xfrm>
-          <a:prstGeom prst="rect">
-            <a:avLst/>
-          </a:prstGeom>
-          <a:noFill/>
-        </p:spPr>
-        <p:txBody>
-          <a:bodyPr wrap="square" lIns="91440" tIns="45720" rIns="91440" bIns="45720">
-            <a:spAutoFit/>
-          </a:bodyPr>
-          <a:lstStyle/>
-          <a:p>
-            <a:pPr algn="ctr"/>
-            <a:r>
-              <a:rPr lang="en-US" sz="4000" b="1" dirty="0" smtClean="0">
-                <a:ln w="10541" cmpd="sng">
-                  <a:solidFill>
-                    <a:srgbClr val="7D7D7D">
-                      <a:tint val="100000"/>
-                      <a:shade val="100000"/>
-                      <a:satMod val="110000"/>
-                    </a:srgbClr>
-                  </a:solidFill>
-                  <a:prstDash val="solid"/>
-                </a:ln>
-                <a:solidFill>
-                  <a:srgbClr val="FF0000"/>
-                </a:solidFill>
-              </a:rPr>
-              <a:t>Like and subscribe</a:t>
-            </a:r>
-            <a:r>
-              <a:rPr lang="en-US" sz="4000" b="1" dirty="0">
-                <a:ln w="10541" cmpd="sng">
-                  <a:solidFill>
-                    <a:srgbClr val="7D7D7D">
-                      <a:tint val="100000"/>
-                      <a:shade val="100000"/>
-                      <a:satMod val="110000"/>
-                    </a:srgbClr>
-                  </a:solidFill>
-                  <a:prstDash val="solid"/>
-                </a:ln>
-                <a:solidFill>
-                  <a:srgbClr val="FF0000"/>
-                </a:solidFill>
-              </a:rPr>
-              <a:t>!</a:t>
-            </a:r>
-            <a:endParaRPr lang="en-US" sz="4000" b="1" dirty="0" smtClean="0">
-              <a:ln w="10541" cmpd="sng">
-                <a:solidFill>
-                  <a:srgbClr val="7D7D7D">
-                    <a:tint val="100000"/>
-                    <a:shade val="100000"/>
-                    <a:satMod val="110000"/>
-                  </a:srgbClr>
-                </a:solidFill>
-                <a:prstDash val="solid"/>
-              </a:ln>
-              <a:solidFill>
-                <a:srgbClr val="FF0000"/>
-              </a:solidFill>
-            </a:endParaRPr>
-          </a:p>
-        </p:txBody>
-      </p:sp>
-      <p:pic>
-        <p:nvPicPr>
-          <p:cNvPr id="8" name="Picture 2" descr="PIC18F26Q24"/>
-          <p:cNvPicPr>
-            <a:picLocks noChangeAspect="1" noChangeArrowheads="1"/>
-          </p:cNvPicPr>
-          <p:nvPr/>
-        </p:nvPicPr>
-        <p:blipFill>
-          <a:blip r:embed="rId3" cstate="print">
-            <a:extLst>
-              <a:ext uri="{28A0092B-C50C-407E-A947-70E740481C1C}">
-                <a14:useLocalDpi xmlns:a14="http://schemas.microsoft.com/office/drawing/2010/main" val="0"/>
-              </a:ext>
-            </a:extLst>
-          </a:blip>
-          <a:srcRect/>
-          <a:stretch>
-            <a:fillRect/>
-          </a:stretch>
-        </p:blipFill>
-        <p:spPr bwMode="auto">
-          <a:xfrm>
-            <a:off x="1907705" y="4116163"/>
-            <a:ext cx="1280738" cy="922132"/>
-          </a:xfrm>
-          <a:prstGeom prst="rect">
-            <a:avLst/>
-          </a:prstGeom>
-          <a:noFill/>
-          <a:extLst>
-            <a:ext uri="{909E8E84-426E-40DD-AFC4-6F175D3DCCD1}">
-              <a14:hiddenFill xmlns:a14="http://schemas.microsoft.com/office/drawing/2010/main">
-                <a:solidFill>
-                  <a:srgbClr val="FFFFFF"/>
-                </a:solidFill>
-              </a14:hiddenFill>
-            </a:ext>
-          </a:extLst>
-        </p:spPr>
-      </p:pic>
-      <p:pic>
-        <p:nvPicPr>
-          <p:cNvPr id="10" name="Picture 8" descr="C:\Users\admin\OneDrive\Desktop\Picture1.jpg"/>
-          <p:cNvPicPr>
-            <a:picLocks noChangeAspect="1" noChangeArrowheads="1"/>
-          </p:cNvPicPr>
-          <p:nvPr/>
-        </p:nvPicPr>
-        <p:blipFill>
-          <a:blip r:embed="rId4">
-            <a:extLst>
-              <a:ext uri="{28A0092B-C50C-407E-A947-70E740481C1C}">
-                <a14:useLocalDpi xmlns:a14="http://schemas.microsoft.com/office/drawing/2010/main" val="0"/>
-              </a:ext>
-            </a:extLst>
-          </a:blip>
-          <a:srcRect/>
-          <a:stretch>
-            <a:fillRect/>
-          </a:stretch>
-        </p:blipFill>
-        <p:spPr bwMode="auto">
-          <a:xfrm>
-            <a:off x="3995936" y="3937587"/>
-            <a:ext cx="2320300" cy="1129258"/>
-          </a:xfrm>
-          <a:prstGeom prst="rect">
-            <a:avLst/>
-          </a:prstGeom>
-          <a:noFill/>
-          <a:extLst>
-            <a:ext uri="{909E8E84-426E-40DD-AFC4-6F175D3DCCD1}">
-              <a14:hiddenFill xmlns:a14="http://schemas.microsoft.com/office/drawing/2010/main">
-                <a:solidFill>
-                  <a:srgbClr val="FFFFFF"/>
-                </a:solidFill>
-              </a14:hiddenFill>
-            </a:ext>
-          </a:extLst>
-        </p:spPr>
-      </p:pic>
-      <p:sp>
-        <p:nvSpPr>
-          <p:cNvPr id="11" name="Date Placeholder 3"/>
-          <p:cNvSpPr>
-            <a:spLocks noGrp="1"/>
-          </p:cNvSpPr>
-          <p:nvPr>
-            <p:ph type="dt" sz="half" idx="10"/>
-          </p:nvPr>
-        </p:nvSpPr>
-        <p:spPr>
-          <a:xfrm>
-            <a:off x="6113182" y="4384422"/>
-            <a:ext cx="354882" cy="305233"/>
-          </a:xfrm>
-        </p:spPr>
-        <p:txBody>
-          <a:bodyPr/>
-          <a:lstStyle/>
-          <a:p>
-            <a:fld id="{1E700B27-DE4C-4B9E-BB11-B9027034A00F}" type="datetimeFigureOut">
-              <a:rPr lang="en-US" smtClean="0"/>
-              <a:pPr/>
-              <a:t>11/16/2024</a:t>
-            </a:fld>
-            <a:endParaRPr lang="en-US" dirty="0"/>
-          </a:p>
-        </p:txBody>
-      </p:sp>
-    </p:spTree>
-    <p:extLst>
-      <p:ext uri="{BB962C8B-B14F-4D97-AF65-F5344CB8AC3E}">
-        <p14:creationId xmlns:p14="http://schemas.microsoft.com/office/powerpoint/2010/main" val="2553573428"/>
-      </p:ext>
-    </p:extLst>
-  </p:cSld>
-  <p:clrMapOvr>
-    <a:masterClrMapping/>
-  </p:clrMapOvr>
-  <mc:AlternateContent xmlns:mc="http://schemas.openxmlformats.org/markup-compatibility/2006" xmlns:p14="http://schemas.microsoft.com/office/powerpoint/2010/main">
-    <mc:Choice Requires="p14">
-      <p:transition spd="slow" p14:dur="2000"/>
-    </mc:Choice>
-    <mc:Fallback xmlns="">
-      <p:transition spd="slow"/>
-    </mc:Fallback>
-  </mc:AlternateContent>
-  <p:timing>
-    <p:tnLst>
-      <p:par>
-        <p:cTn id="1" dur="indefinite" restart="never" nodeType="tmRoot"/>
-      </p:par>
-    </p:tnLst>
-  </p:timing>
-</p:sld>
-</file>
-
-<file path=ppt/slides/slide4.xml><?xml version="1.0" encoding="utf-8"?>
-<p:sld xmlns:a="http://schemas.openxmlformats.org/drawingml/2006/main" xmlns:r="http://schemas.openxmlformats.org/officeDocument/2006/relationships" xmlns:p="http://schemas.openxmlformats.org/presentationml/2006/main" show="0">
-  <p:cSld>
-    <p:spTree>
-      <p:nvGrpSpPr>
-        <p:cNvPr id="1" name=""/>
-        <p:cNvGrpSpPr/>
-        <p:nvPr/>
-      </p:nvGrpSpPr>
-      <p:grpSpPr>
-        <a:xfrm>
-          <a:off x="0" y="0"/>
-          <a:ext cx="0" cy="0"/>
-          <a:chOff x="0" y="0"/>
-          <a:chExt cx="0" cy="0"/>
-        </a:xfrm>
-      </p:grpSpPr>
-      <p:sp>
-        <p:nvSpPr>
-          <p:cNvPr id="2" name="Title 1"/>
-          <p:cNvSpPr>
-            <a:spLocks noGrp="1"/>
-          </p:cNvSpPr>
-          <p:nvPr>
-            <p:ph type="title"/>
-          </p:nvPr>
-        </p:nvSpPr>
-        <p:spPr/>
-        <p:txBody>
-          <a:bodyPr/>
-          <a:lstStyle/>
-          <a:p>
-            <a:pPr algn="l"/>
-            <a:r>
-              <a:rPr lang="en-GB" dirty="0" smtClean="0"/>
-              <a:t>PIC18FxxQ24</a:t>
-            </a:r>
-            <a:endParaRPr lang="en-GB" dirty="0"/>
-          </a:p>
-        </p:txBody>
-      </p:sp>
-      <p:sp>
-        <p:nvSpPr>
-          <p:cNvPr id="3" name="Content Placeholder 2"/>
-          <p:cNvSpPr>
-            <a:spLocks noGrp="1"/>
-          </p:cNvSpPr>
-          <p:nvPr>
-            <p:ph idx="1"/>
-          </p:nvPr>
-        </p:nvSpPr>
-        <p:spPr/>
-        <p:txBody>
-          <a:bodyPr>
-            <a:normAutofit fontScale="92500" lnSpcReduction="10000"/>
-          </a:bodyPr>
-          <a:lstStyle/>
-          <a:p>
-            <a:r>
-              <a:rPr lang="en-GB" dirty="0" smtClean="0"/>
-              <a:t>PIC18-Q24 is a high performance PIC18 </a:t>
-            </a:r>
-          </a:p>
-          <a:p>
-            <a:pPr lvl="1"/>
-            <a:r>
-              <a:rPr lang="en-GB" dirty="0" smtClean="0"/>
-              <a:t>Digital and </a:t>
-            </a:r>
-            <a:r>
-              <a:rPr lang="en-GB" dirty="0" err="1" smtClean="0"/>
-              <a:t>Analog</a:t>
-            </a:r>
-            <a:r>
-              <a:rPr lang="en-GB" dirty="0" smtClean="0"/>
-              <a:t> peripherals </a:t>
-            </a:r>
-          </a:p>
-          <a:p>
-            <a:pPr lvl="1"/>
-            <a:r>
-              <a:rPr lang="en-GB" dirty="0" smtClean="0"/>
-              <a:t>10-bit ADC</a:t>
-            </a:r>
-          </a:p>
-          <a:p>
-            <a:pPr lvl="1"/>
-            <a:r>
-              <a:rPr lang="en-GB" dirty="0" smtClean="0"/>
-              <a:t>Multiple communication interfaces</a:t>
-            </a:r>
-          </a:p>
-          <a:p>
-            <a:pPr lvl="2"/>
-            <a:r>
-              <a:rPr lang="en-GB" dirty="0" smtClean="0"/>
-              <a:t>Serial, I2C and  SPI </a:t>
-            </a:r>
-          </a:p>
-          <a:p>
-            <a:pPr lvl="2"/>
-            <a:r>
-              <a:rPr lang="en-GB" dirty="0" smtClean="0"/>
-              <a:t>PWM – CCP/PWM and 16Bit</a:t>
-            </a:r>
-          </a:p>
-          <a:p>
-            <a:pPr lvl="1"/>
-            <a:r>
-              <a:rPr lang="en-GB" dirty="0" smtClean="0"/>
-              <a:t>Configurable Logic Cells</a:t>
-            </a:r>
-          </a:p>
-          <a:p>
-            <a:pPr lvl="1"/>
-            <a:r>
-              <a:rPr lang="en-GB" dirty="0" smtClean="0"/>
-              <a:t>Multi voltage domains</a:t>
-            </a:r>
-          </a:p>
-          <a:p>
-            <a:endParaRPr lang="en-GB" dirty="0" smtClean="0"/>
-          </a:p>
-          <a:p>
-            <a:r>
-              <a:rPr lang="en-GB" dirty="0" smtClean="0"/>
-              <a:t>The PIC18xxQ24 offers 28, 40 and 48-pin products in small footprint packages to support customers in a wide variety of applications. </a:t>
-            </a:r>
-          </a:p>
-          <a:p>
-            <a:endParaRPr lang="en-GB" dirty="0"/>
-          </a:p>
-        </p:txBody>
-      </p:sp>
-    </p:spTree>
-  </p:cSld>
-  <p:clrMapOvr>
-    <a:masterClrMapping/>
-  </p:clrMapOvr>
-  <mc:AlternateContent xmlns:mc="http://schemas.openxmlformats.org/markup-compatibility/2006" xmlns:p14="http://schemas.microsoft.com/office/powerpoint/2010/main">
-    <mc:Choice Requires="p14">
-      <p:transition spd="slow" p14:dur="2000"/>
-    </mc:Choice>
-    <mc:Fallback xmlns="">
-      <p:transition spd="slow"/>
-    </mc:Fallback>
-  </mc:AlternateContent>
-  <p:timing>
-    <p:tnLst>
-      <p:par>
-        <p:cTn id="1" dur="indefinite" restart="never" nodeType="tmRoot"/>
-      </p:par>
-    </p:tnLst>
-  </p:timing>
-</p:sld>
-</file>
-
-<file path=ppt/slides/slide5.xml><?xml version="1.0" encoding="utf-8"?>
-<p:sld xmlns:a="http://schemas.openxmlformats.org/drawingml/2006/main" xmlns:r="http://schemas.openxmlformats.org/officeDocument/2006/relationships" xmlns:p="http://schemas.openxmlformats.org/presentationml/2006/main">
-  <p:cSld>
-    <p:spTree>
-      <p:nvGrpSpPr>
-        <p:cNvPr id="1" name=""/>
-        <p:cNvGrpSpPr/>
-        <p:nvPr/>
-      </p:nvGrpSpPr>
-      <p:grpSpPr>
-        <a:xfrm>
-          <a:off x="0" y="0"/>
-          <a:ext cx="0" cy="0"/>
-          <a:chOff x="0" y="0"/>
-          <a:chExt cx="0" cy="0"/>
-        </a:xfrm>
-      </p:grpSpPr>
-      <p:sp>
-        <p:nvSpPr>
-          <p:cNvPr id="2" name="Title 1"/>
-          <p:cNvSpPr>
-            <a:spLocks noGrp="1"/>
-          </p:cNvSpPr>
-          <p:nvPr>
-            <p:ph type="title"/>
-          </p:nvPr>
-        </p:nvSpPr>
-        <p:spPr/>
-        <p:txBody>
-          <a:bodyPr>
-            <a:normAutofit/>
-          </a:bodyPr>
-          <a:lstStyle/>
-          <a:p>
-            <a:r>
-              <a:rPr lang="en-GB" dirty="0" smtClean="0"/>
-              <a:t>Videos...</a:t>
-            </a:r>
-            <a:endParaRPr lang="en-GB" dirty="0"/>
-          </a:p>
-        </p:txBody>
-      </p:sp>
-      <p:sp>
-        <p:nvSpPr>
-          <p:cNvPr id="3" name="Content Placeholder 2"/>
-          <p:cNvSpPr>
-            <a:spLocks noGrp="1"/>
-          </p:cNvSpPr>
-          <p:nvPr>
-            <p:ph idx="1"/>
-          </p:nvPr>
-        </p:nvSpPr>
-        <p:spPr>
-          <a:xfrm>
-            <a:off x="467544" y="987574"/>
-            <a:ext cx="6447501" cy="4111476"/>
-          </a:xfrm>
-          <a:solidFill>
-            <a:schemeClr val="bg1"/>
-          </a:solidFill>
-        </p:spPr>
-        <p:txBody>
-          <a:bodyPr>
-            <a:noAutofit/>
-          </a:bodyPr>
-          <a:lstStyle/>
-          <a:p>
-            <a:pPr marL="180000" indent="-478483">
-              <a:spcBef>
-                <a:spcPts val="300"/>
-              </a:spcBef>
-              <a:buFont typeface="+mj-lt"/>
-              <a:buAutoNum type="arabicPeriod"/>
-            </a:pPr>
-            <a:r>
-              <a:rPr lang="en-GB" sz="1100" dirty="0"/>
-              <a:t>Install the hardware and make the board work – three LED programs</a:t>
-            </a:r>
-          </a:p>
-          <a:p>
-            <a:pPr marL="180000" indent="-478483">
-              <a:spcBef>
-                <a:spcPts val="300"/>
-              </a:spcBef>
-              <a:buFont typeface="+mj-lt"/>
-              <a:buAutoNum type="arabicPeriod"/>
-            </a:pPr>
-            <a:r>
-              <a:rPr lang="en-GB" sz="1100" b="1" dirty="0"/>
-              <a:t>Make  four LEDs flash in a sequence</a:t>
-            </a:r>
-          </a:p>
-          <a:p>
-            <a:pPr marL="180000" indent="-478483">
-              <a:spcBef>
-                <a:spcPts val="300"/>
-              </a:spcBef>
-              <a:buFont typeface="+mj-lt"/>
-              <a:buAutoNum type="arabicPeriod"/>
-            </a:pPr>
-            <a:r>
-              <a:rPr lang="en-GB" sz="1100" dirty="0"/>
-              <a:t>Set the LEDs to represent the value of ADC</a:t>
-            </a:r>
-          </a:p>
-          <a:p>
-            <a:pPr marL="180000" indent="-478483">
-              <a:spcBef>
-                <a:spcPts val="300"/>
-              </a:spcBef>
-              <a:buFont typeface="+mj-lt"/>
-              <a:buAutoNum type="arabicPeriod"/>
-            </a:pPr>
-            <a:r>
-              <a:rPr lang="en-GB" sz="1100" dirty="0"/>
-              <a:t>Sequence the LEDs with a delay using the value of ADC</a:t>
-            </a:r>
-          </a:p>
-          <a:p>
-            <a:pPr marL="180000" indent="-478483">
-              <a:spcBef>
-                <a:spcPts val="300"/>
-              </a:spcBef>
-              <a:buFont typeface="+mj-lt"/>
-              <a:buAutoNum type="arabicPeriod"/>
-            </a:pPr>
-            <a:r>
-              <a:rPr lang="en-GB" sz="1100" dirty="0"/>
-              <a:t>Using an input to set the state of the LEDs</a:t>
-            </a:r>
-          </a:p>
-          <a:p>
-            <a:pPr marL="180000" indent="-478483">
-              <a:spcBef>
-                <a:spcPts val="300"/>
-              </a:spcBef>
-              <a:buFont typeface="+mj-lt"/>
-              <a:buAutoNum type="arabicPeriod"/>
-            </a:pPr>
-            <a:r>
-              <a:rPr lang="en-GB" sz="1100" dirty="0"/>
-              <a:t>Using the reset switch</a:t>
-            </a:r>
-          </a:p>
-          <a:p>
-            <a:pPr marL="180000" indent="-478483">
-              <a:spcBef>
-                <a:spcPts val="300"/>
-              </a:spcBef>
-              <a:buFont typeface="+mj-lt"/>
-              <a:buAutoNum type="arabicPeriod"/>
-            </a:pPr>
-            <a:r>
-              <a:rPr lang="en-GB" sz="1100" dirty="0"/>
-              <a:t>Using the switch, ADC – make the LEDs flash in a sequence with reverse</a:t>
-            </a:r>
-          </a:p>
-          <a:p>
-            <a:pPr marL="180000" indent="-478483">
-              <a:spcBef>
-                <a:spcPts val="300"/>
-              </a:spcBef>
-              <a:buFont typeface="+mj-lt"/>
-              <a:buAutoNum type="arabicPeriod"/>
-            </a:pPr>
-            <a:r>
-              <a:rPr lang="en-GB" sz="1100" dirty="0"/>
-              <a:t>Using the serial to display values</a:t>
-            </a:r>
-          </a:p>
-          <a:p>
-            <a:pPr marL="180000" indent="-478483">
-              <a:spcBef>
-                <a:spcPts val="300"/>
-              </a:spcBef>
-              <a:buFont typeface="+mj-lt"/>
-              <a:buAutoNum type="arabicPeriod"/>
-            </a:pPr>
-            <a:r>
-              <a:rPr lang="en-GB" sz="1100" dirty="0"/>
-              <a:t>Using the timer0 overflow, 8bit timer, 16bit timer to flash the LEDs</a:t>
-            </a:r>
-          </a:p>
-          <a:p>
-            <a:pPr marL="180000" indent="-478483">
-              <a:spcBef>
-                <a:spcPts val="300"/>
-              </a:spcBef>
-              <a:buFont typeface="+mj-lt"/>
-              <a:buAutoNum type="arabicPeriod"/>
-            </a:pPr>
-            <a:r>
-              <a:rPr lang="en-GB" sz="1100" dirty="0"/>
-              <a:t>Using </a:t>
-            </a:r>
-            <a:r>
-              <a:rPr lang="en-GB" sz="1100" dirty="0" err="1"/>
-              <a:t>EEProm</a:t>
-            </a:r>
-            <a:r>
-              <a:rPr lang="en-GB" sz="1100" dirty="0"/>
-              <a:t> – showing values on the serial terminal, and more constants insights</a:t>
-            </a:r>
-          </a:p>
-          <a:p>
-            <a:pPr marL="180000" indent="-478483">
-              <a:spcBef>
-                <a:spcPts val="300"/>
-              </a:spcBef>
-              <a:buFont typeface="+mj-lt"/>
-              <a:buAutoNum type="arabicPeriod"/>
-            </a:pPr>
-            <a:r>
-              <a:rPr lang="en-GB" sz="1100" dirty="0"/>
-              <a:t>Using I2C with serial to discover I2C devices</a:t>
-            </a:r>
-          </a:p>
-          <a:p>
-            <a:pPr marL="180000" indent="-478483">
-              <a:spcBef>
-                <a:spcPts val="300"/>
-              </a:spcBef>
-              <a:buFont typeface="+mj-lt"/>
-              <a:buAutoNum type="arabicPeriod"/>
-            </a:pPr>
-            <a:r>
-              <a:rPr lang="en-GB" sz="1100" dirty="0"/>
-              <a:t>Using an I2C GCLD display</a:t>
-            </a:r>
-          </a:p>
-          <a:p>
-            <a:pPr marL="180000" indent="-478483">
-              <a:spcBef>
-                <a:spcPts val="300"/>
-              </a:spcBef>
-              <a:buFont typeface="+mj-lt"/>
-              <a:buAutoNum type="arabicPeriod"/>
-            </a:pPr>
-            <a:r>
-              <a:rPr lang="en-GB" sz="1100" dirty="0"/>
-              <a:t>Using a SPI GCLD display</a:t>
-            </a:r>
-          </a:p>
-          <a:p>
-            <a:pPr marL="180000" indent="-478483">
-              <a:spcBef>
-                <a:spcPts val="300"/>
-              </a:spcBef>
-              <a:buFont typeface="+mj-lt"/>
-              <a:buAutoNum type="arabicPeriod"/>
-            </a:pPr>
-            <a:r>
-              <a:rPr lang="en-GB" sz="1100" dirty="0"/>
-              <a:t>Using PWM, 7  ways,  to dim the LEDS</a:t>
-            </a:r>
-          </a:p>
-          <a:p>
-            <a:pPr marL="180000" indent="-478483">
-              <a:spcBef>
-                <a:spcPts val="300"/>
-              </a:spcBef>
-              <a:buFont typeface="+mj-lt"/>
-              <a:buAutoNum type="arabicPeriod"/>
-            </a:pPr>
-            <a:r>
-              <a:rPr lang="en-GB" sz="1100" dirty="0"/>
-              <a:t>Using an external interrupt to control an LED</a:t>
-            </a:r>
-          </a:p>
-          <a:p>
-            <a:pPr marL="180000" indent="-478483">
-              <a:spcBef>
-                <a:spcPts val="300"/>
-              </a:spcBef>
-              <a:buFont typeface="+mj-lt"/>
-              <a:buAutoNum type="arabicPeriod"/>
-            </a:pPr>
-            <a:r>
-              <a:rPr lang="en-GB" sz="1100" dirty="0"/>
-              <a:t>Using storage within the chip – </a:t>
-            </a:r>
-            <a:r>
-              <a:rPr lang="en-GB" sz="1100" dirty="0" err="1"/>
-              <a:t>Progmem</a:t>
-            </a:r>
-            <a:r>
-              <a:rPr lang="en-GB" sz="1100" dirty="0"/>
-              <a:t>, SAF memory, EEPROM and DATA blocks</a:t>
-            </a:r>
-          </a:p>
-          <a:p>
-            <a:pPr marL="180000" indent="-478483">
-              <a:spcBef>
-                <a:spcPts val="300"/>
-              </a:spcBef>
-              <a:buFont typeface="+mj-lt"/>
-              <a:buAutoNum type="arabicPeriod"/>
-            </a:pPr>
-            <a:r>
-              <a:rPr lang="en-GB" sz="1100" dirty="0"/>
-              <a:t>Using CLC</a:t>
-            </a:r>
-          </a:p>
-          <a:p>
-            <a:pPr marL="180000" indent="-478483">
-              <a:spcBef>
-                <a:spcPts val="300"/>
-              </a:spcBef>
-              <a:buFont typeface="+mj-lt"/>
-              <a:buAutoNum type="arabicPeriod"/>
-            </a:pPr>
-            <a:r>
-              <a:rPr lang="en-GB" sz="1100" dirty="0"/>
-              <a:t>The GCBASIC tool chain</a:t>
-            </a:r>
-          </a:p>
-          <a:p>
-            <a:pPr marL="180000" indent="-478483">
-              <a:spcBef>
-                <a:spcPts val="300"/>
-              </a:spcBef>
-              <a:buFont typeface="+mj-lt"/>
-              <a:buAutoNum type="arabicPeriod"/>
-            </a:pPr>
-            <a:r>
-              <a:rPr lang="en-GB" sz="1100" dirty="0"/>
-              <a:t>Assembly , alternatives assemblers and MPLAB-X</a:t>
-            </a:r>
-          </a:p>
-          <a:p>
-            <a:pPr marL="180000" indent="-478483">
-              <a:spcBef>
-                <a:spcPts val="300"/>
-              </a:spcBef>
-              <a:buFont typeface="+mj-lt"/>
-              <a:buAutoNum type="arabicPeriod"/>
-            </a:pPr>
-            <a:r>
-              <a:rPr lang="en-GB" sz="1100" dirty="0"/>
-              <a:t>Summary</a:t>
-            </a:r>
-          </a:p>
-          <a:p>
-            <a:pPr marL="180000" indent="-478483">
-              <a:spcBef>
-                <a:spcPts val="300"/>
-              </a:spcBef>
-              <a:buFont typeface="+mj-lt"/>
-              <a:buAutoNum type="arabicPeriod"/>
-            </a:pPr>
-            <a:endParaRPr lang="en-GB" sz="400" dirty="0" smtClean="0">
-              <a:solidFill>
-                <a:schemeClr val="bg1">
-                  <a:lumMod val="75000"/>
-                </a:schemeClr>
-              </a:solidFill>
-            </a:endParaRPr>
-          </a:p>
-          <a:p>
-            <a:pPr marL="180000" indent="-478483">
-              <a:spcBef>
-                <a:spcPts val="300"/>
-              </a:spcBef>
-              <a:buNone/>
-            </a:pPr>
-            <a:endParaRPr lang="en-GB" sz="700" dirty="0" smtClean="0"/>
-          </a:p>
-          <a:p>
-            <a:pPr marL="180000" indent="-478483">
-              <a:spcBef>
-                <a:spcPts val="300"/>
-              </a:spcBef>
-              <a:buFont typeface="+mj-lt"/>
-              <a:buAutoNum type="arabicPeriod"/>
-            </a:pPr>
-            <a:endParaRPr lang="en-GB" sz="700" dirty="0" smtClean="0"/>
-          </a:p>
-          <a:p>
-            <a:pPr marL="180000" indent="-478483">
-              <a:spcBef>
-                <a:spcPts val="300"/>
-              </a:spcBef>
-              <a:buFont typeface="+mj-lt"/>
-              <a:buAutoNum type="arabicPeriod"/>
-            </a:pPr>
-            <a:endParaRPr lang="en-GB" sz="500" dirty="0" smtClean="0"/>
-          </a:p>
-          <a:p>
-            <a:pPr marL="180000" indent="-478483">
-              <a:spcBef>
-                <a:spcPts val="300"/>
-              </a:spcBef>
-              <a:buFont typeface="+mj-lt"/>
-              <a:buAutoNum type="arabicPeriod"/>
-            </a:pPr>
-            <a:endParaRPr lang="en-GB" sz="500" dirty="0" smtClean="0"/>
-          </a:p>
-          <a:p>
-            <a:pPr marL="180000" indent="-478483">
-              <a:spcBef>
-                <a:spcPts val="300"/>
-              </a:spcBef>
-              <a:buFont typeface="+mj-lt"/>
-              <a:buAutoNum type="arabicPeriod"/>
-            </a:pPr>
-            <a:endParaRPr lang="en-GB" sz="500" dirty="0" smtClean="0"/>
-          </a:p>
-          <a:p>
-            <a:pPr marL="180000" indent="-478483">
-              <a:spcBef>
-                <a:spcPts val="300"/>
-              </a:spcBef>
-              <a:buFont typeface="+mj-lt"/>
-              <a:buAutoNum type="arabicPeriod"/>
-            </a:pPr>
-            <a:endParaRPr lang="en-GB" sz="500" dirty="0"/>
-          </a:p>
-        </p:txBody>
-      </p:sp>
-    </p:spTree>
-    <p:extLst>
-      <p:ext uri="{BB962C8B-B14F-4D97-AF65-F5344CB8AC3E}">
-        <p14:creationId xmlns:p14="http://schemas.microsoft.com/office/powerpoint/2010/main" val="1947865557"/>
-      </p:ext>
-    </p:extLst>
-  </p:cSld>
-  <p:clrMapOvr>
-    <a:masterClrMapping/>
-  </p:clrMapOvr>
-  <mc:AlternateContent xmlns:mc="http://schemas.openxmlformats.org/markup-compatibility/2006" xmlns:p14="http://schemas.microsoft.com/office/powerpoint/2010/main">
-    <mc:Choice Requires="p14">
-      <p:transition spd="slow" p14:dur="2000"/>
-    </mc:Choice>
-    <mc:Fallback xmlns="">
-      <p:transition spd="slow"/>
-    </mc:Fallback>
-  </mc:AlternateContent>
-  <p:timing>
-    <p:tnLst>
-      <p:par>
-        <p:cTn id="1" dur="indefinite" restart="never" nodeType="tmRoot"/>
-      </p:par>
-    </p:tnLst>
-  </p:timing>
-</p:sld>
-</file>
-
-<file path=ppt/slides/slide6.xml><?xml version="1.0" encoding="utf-8"?>
-<p:sld xmlns:a="http://schemas.openxmlformats.org/drawingml/2006/main" xmlns:r="http://schemas.openxmlformats.org/officeDocument/2006/relationships" xmlns:p="http://schemas.openxmlformats.org/presentationml/2006/main">
-  <p:cSld>
-    <p:spTree>
-      <p:nvGrpSpPr>
-        <p:cNvPr id="1" name=""/>
-        <p:cNvGrpSpPr/>
-        <p:nvPr/>
-      </p:nvGrpSpPr>
-      <p:grpSpPr>
-        <a:xfrm>
-          <a:off x="0" y="0"/>
-          <a:ext cx="0" cy="0"/>
-          <a:chOff x="0" y="0"/>
-          <a:chExt cx="0" cy="0"/>
-        </a:xfrm>
-      </p:grpSpPr>
-      <p:sp>
-        <p:nvSpPr>
-          <p:cNvPr id="4" name="Oval 3"/>
-          <p:cNvSpPr/>
-          <p:nvPr/>
-        </p:nvSpPr>
-        <p:spPr>
-          <a:xfrm>
-            <a:off x="1835697" y="1707656"/>
-            <a:ext cx="1605103" cy="1425217"/>
-          </a:xfrm>
-          <a:prstGeom prst="ellipse">
-            <a:avLst/>
-          </a:prstGeom>
-        </p:spPr>
-        <p:style>
-          <a:lnRef idx="2">
-            <a:schemeClr val="accent1">
-              <a:shade val="50000"/>
-            </a:schemeClr>
-          </a:lnRef>
-          <a:fillRef idx="1">
-            <a:schemeClr val="accent1"/>
-          </a:fillRef>
-          <a:effectRef idx="0">
-            <a:schemeClr val="accent1"/>
-          </a:effectRef>
-          <a:fontRef idx="minor">
-            <a:schemeClr val="lt1"/>
-          </a:fontRef>
-        </p:style>
-        <p:txBody>
-          <a:bodyPr lIns="0" tIns="0" rIns="0" bIns="0" rtlCol="0" anchor="ctr"/>
-          <a:lstStyle/>
-          <a:p>
-            <a:pPr algn="ctr"/>
-            <a:r>
-              <a:rPr lang="en-GB" sz="1100" dirty="0" smtClean="0"/>
-              <a:t>GCBASIC </a:t>
-            </a:r>
-            <a:r>
-              <a:rPr lang="en-GB" sz="1500" dirty="0" smtClean="0"/>
-              <a:t>Compiler</a:t>
-            </a:r>
-            <a:endParaRPr lang="en-GB" sz="1100" dirty="0"/>
-          </a:p>
-        </p:txBody>
-      </p:sp>
-      <p:sp>
-        <p:nvSpPr>
-          <p:cNvPr id="12" name="Title 1"/>
-          <p:cNvSpPr>
-            <a:spLocks noGrp="1"/>
-          </p:cNvSpPr>
-          <p:nvPr>
-            <p:ph type="title"/>
-          </p:nvPr>
-        </p:nvSpPr>
-        <p:spPr/>
-        <p:txBody>
-          <a:bodyPr/>
-          <a:lstStyle/>
-          <a:p>
-            <a:pPr algn="l"/>
-            <a:r>
-              <a:rPr lang="en-GB" dirty="0" smtClean="0"/>
-              <a:t>GCBASIC Compiler</a:t>
-            </a:r>
-            <a:endParaRPr lang="en-GB" dirty="0"/>
-          </a:p>
-        </p:txBody>
-      </p:sp>
-      <p:sp>
-        <p:nvSpPr>
-          <p:cNvPr id="13" name="TextBox 12"/>
-          <p:cNvSpPr txBox="1"/>
-          <p:nvPr/>
-        </p:nvSpPr>
-        <p:spPr>
-          <a:xfrm>
-            <a:off x="3563888" y="2643758"/>
-            <a:ext cx="3528392" cy="1393943"/>
-          </a:xfrm>
-          <a:prstGeom prst="rect">
-            <a:avLst/>
-          </a:prstGeom>
-          <a:noFill/>
-        </p:spPr>
-        <p:txBody>
-          <a:bodyPr wrap="square" lIns="85064" tIns="42531" rIns="85064" bIns="42531" rtlCol="0">
-            <a:spAutoFit/>
-          </a:bodyPr>
-          <a:lstStyle/>
-          <a:p>
-            <a:r>
-              <a:rPr lang="en-GB" dirty="0" smtClean="0"/>
-              <a:t>GCBASIC is an Open Source compiler for PIC and AVR microcontrollers</a:t>
-            </a:r>
-          </a:p>
-          <a:p>
-            <a:endParaRPr lang="en-GB" dirty="0" smtClean="0"/>
-          </a:p>
-          <a:p>
-            <a:r>
-              <a:rPr lang="en-GB" dirty="0" smtClean="0"/>
-              <a:t>GCBASIC now supports the 18FxxQ24 chip family</a:t>
-            </a:r>
-            <a:endParaRPr lang="en-GB" dirty="0"/>
-          </a:p>
-        </p:txBody>
-      </p:sp>
-    </p:spTree>
-  </p:cSld>
-  <p:clrMapOvr>
-    <a:masterClrMapping/>
-  </p:clrMapOvr>
-  <mc:AlternateContent xmlns:mc="http://schemas.openxmlformats.org/markup-compatibility/2006" xmlns:p14="http://schemas.microsoft.com/office/powerpoint/2010/main">
-    <mc:Choice Requires="p14">
-      <p:transition spd="slow" p14:dur="2000"/>
-    </mc:Choice>
-    <mc:Fallback xmlns="">
-      <p:transition spd="slow"/>
-    </mc:Fallback>
-  </mc:AlternateContent>
-  <p:timing>
-    <p:tnLst>
-      <p:par>
-        <p:cTn id="1" dur="indefinite" restart="never" nodeType="tmRoot"/>
-      </p:par>
-    </p:tnLst>
-  </p:timing>
-</p:sld>
-</file>
-
-<file path=ppt/slides/slide7.xml><?xml version="1.0" encoding="utf-8"?>
-<p:sld xmlns:a="http://schemas.openxmlformats.org/drawingml/2006/main" xmlns:r="http://schemas.openxmlformats.org/officeDocument/2006/relationships" xmlns:p="http://schemas.openxmlformats.org/presentationml/2006/main">
-  <p:cSld>
-    <p:bg>
-      <p:bgPr>
-        <a:solidFill>
-          <a:schemeClr val="bg1"/>
-        </a:solidFill>
-        <a:effectLst/>
-      </p:bgPr>
-    </p:bg>
-    <p:spTree>
-      <p:nvGrpSpPr>
-        <p:cNvPr id="1" name=""/>
-        <p:cNvGrpSpPr/>
-        <p:nvPr/>
-      </p:nvGrpSpPr>
-      <p:grpSpPr>
-        <a:xfrm>
-          <a:off x="0" y="0"/>
-          <a:ext cx="0" cy="0"/>
-          <a:chOff x="0" y="0"/>
-          <a:chExt cx="0" cy="0"/>
-        </a:xfrm>
-      </p:grpSpPr>
-      <p:sp>
-        <p:nvSpPr>
-          <p:cNvPr id="2" name="Title 1"/>
-          <p:cNvSpPr>
-            <a:spLocks noGrp="1"/>
-          </p:cNvSpPr>
-          <p:nvPr>
-            <p:ph type="title"/>
-          </p:nvPr>
-        </p:nvSpPr>
-        <p:spPr/>
-        <p:txBody>
-          <a:bodyPr/>
-          <a:lstStyle/>
-          <a:p>
-            <a:pPr algn="l"/>
-            <a:r>
-              <a:rPr lang="en-GB" dirty="0" smtClean="0"/>
-              <a:t>Prerequisites </a:t>
-            </a:r>
-            <a:endParaRPr lang="en-GB" dirty="0"/>
-          </a:p>
-        </p:txBody>
-      </p:sp>
-      <p:sp>
-        <p:nvSpPr>
-          <p:cNvPr id="3" name="Content Placeholder 2"/>
-          <p:cNvSpPr>
-            <a:spLocks noGrp="1"/>
-          </p:cNvSpPr>
-          <p:nvPr>
-            <p:ph idx="1"/>
-          </p:nvPr>
-        </p:nvSpPr>
-        <p:spPr/>
-        <p:txBody>
-          <a:bodyPr/>
-          <a:lstStyle/>
-          <a:p>
-            <a:r>
-              <a:rPr lang="en-GB" dirty="0" smtClean="0"/>
-              <a:t>Assumes you have </a:t>
-            </a:r>
-          </a:p>
-          <a:p>
-            <a:pPr marL="778521" lvl="1" indent="-478483"/>
-            <a:r>
-              <a:rPr lang="en-GB" dirty="0" smtClean="0"/>
-              <a:t>Installed the GCBASIC software</a:t>
-            </a:r>
-          </a:p>
-          <a:p>
-            <a:pPr marL="778521" lvl="1" indent="-478483"/>
-            <a:r>
-              <a:rPr lang="en-GB" dirty="0" smtClean="0"/>
-              <a:t>Installed your programmer software</a:t>
-            </a:r>
-          </a:p>
-          <a:p>
-            <a:pPr marL="778521" lvl="1" indent="-478483"/>
-            <a:r>
-              <a:rPr lang="en-GB" dirty="0" smtClean="0"/>
-              <a:t>Test that you have the 18FxxQ24 attached</a:t>
-            </a:r>
-          </a:p>
-          <a:p>
-            <a:pPr marL="0" indent="0">
-              <a:buNone/>
-            </a:pPr>
-            <a:endParaRPr lang="en-GB" dirty="0" smtClean="0"/>
-          </a:p>
-          <a:p>
-            <a:pPr marL="0" indent="0">
-              <a:buNone/>
-            </a:pPr>
-            <a:endParaRPr lang="en-GB" dirty="0"/>
-          </a:p>
-        </p:txBody>
-      </p:sp>
-    </p:spTree>
-  </p:cSld>
-  <p:clrMapOvr>
-    <a:overrideClrMapping bg1="lt1" tx1="dk1" bg2="lt2" tx2="dk2" accent1="accent1" accent2="accent2" accent3="accent3" accent4="accent4" accent5="accent5" accent6="accent6" hlink="hlink" folHlink="folHlink"/>
-  </p:clrMapOvr>
-  <mc:AlternateContent xmlns:mc="http://schemas.openxmlformats.org/markup-compatibility/2006" xmlns:p14="http://schemas.microsoft.com/office/powerpoint/2010/main">
-    <mc:Choice Requires="p14">
-      <p:transition spd="slow" p14:dur="2000"/>
-    </mc:Choice>
-    <mc:Fallback xmlns="">
-      <p:transition spd="slow"/>
-    </mc:Fallback>
-  </mc:AlternateContent>
-  <p:timing>
-    <p:tnLst>
-      <p:par>
-        <p:cTn id="1" dur="indefinite" restart="never" nodeType="tmRoot"/>
-      </p:par>
-    </p:tnLst>
-  </p:timing>
-</p:sld>
-</file>
-
-<file path=ppt/slides/slide8.xml><?xml version="1.0" encoding="utf-8"?>
-<p:sld xmlns:a="http://schemas.openxmlformats.org/drawingml/2006/main" xmlns:r="http://schemas.openxmlformats.org/officeDocument/2006/relationships" xmlns:p="http://schemas.openxmlformats.org/presentationml/2006/main">
-  <p:cSld>
-    <p:spTree>
-      <p:nvGrpSpPr>
-        <p:cNvPr id="1" name=""/>
-        <p:cNvGrpSpPr/>
-        <p:nvPr/>
-      </p:nvGrpSpPr>
-      <p:grpSpPr>
-        <a:xfrm>
-          <a:off x="0" y="0"/>
-          <a:ext cx="0" cy="0"/>
-          <a:chOff x="0" y="0"/>
-          <a:chExt cx="0" cy="0"/>
-        </a:xfrm>
-      </p:grpSpPr>
-      <p:sp>
-        <p:nvSpPr>
-          <p:cNvPr id="2" name="Title 1"/>
-          <p:cNvSpPr>
-            <a:spLocks noGrp="1"/>
-          </p:cNvSpPr>
-          <p:nvPr>
-            <p:ph type="title"/>
-          </p:nvPr>
-        </p:nvSpPr>
-        <p:spPr/>
-        <p:txBody>
-          <a:bodyPr/>
-          <a:lstStyle/>
-          <a:p>
-            <a:pPr algn="l"/>
-            <a:r>
-              <a:rPr lang="en-GB" dirty="0" smtClean="0"/>
-              <a:t>Hardware</a:t>
-            </a:r>
-            <a:endParaRPr lang="en-GB" dirty="0"/>
-          </a:p>
-        </p:txBody>
-      </p:sp>
-      <p:sp>
-        <p:nvSpPr>
-          <p:cNvPr id="3" name="Content Placeholder 2"/>
-          <p:cNvSpPr>
-            <a:spLocks noGrp="1"/>
-          </p:cNvSpPr>
-          <p:nvPr>
-            <p:ph idx="1"/>
-          </p:nvPr>
-        </p:nvSpPr>
-        <p:spPr/>
-        <p:txBody>
-          <a:bodyPr/>
-          <a:lstStyle/>
-          <a:p>
-            <a:r>
-              <a:rPr lang="en-GB" dirty="0" smtClean="0"/>
-              <a:t>Prototype Board</a:t>
-            </a:r>
-            <a:endParaRPr lang="en-GB" dirty="0"/>
-          </a:p>
-          <a:p>
-            <a:r>
-              <a:rPr lang="en-GB" dirty="0" smtClean="0"/>
-              <a:t>Power 5v0</a:t>
-            </a:r>
-          </a:p>
-          <a:p>
-            <a:r>
-              <a:rPr lang="en-GB" dirty="0" smtClean="0"/>
-              <a:t>Programmer</a:t>
-            </a:r>
-          </a:p>
-          <a:p>
-            <a:r>
-              <a:rPr lang="en-GB" dirty="0" smtClean="0"/>
-              <a:t>LEDs &amp; resistors</a:t>
-            </a:r>
-          </a:p>
-          <a:p>
-            <a:endParaRPr lang="en-GB" dirty="0"/>
-          </a:p>
-        </p:txBody>
-      </p:sp>
-      <p:sp>
-        <p:nvSpPr>
-          <p:cNvPr id="4" name="TextBox 3"/>
-          <p:cNvSpPr txBox="1"/>
-          <p:nvPr/>
-        </p:nvSpPr>
-        <p:spPr>
-          <a:xfrm>
-            <a:off x="2123728" y="1635646"/>
-            <a:ext cx="5328592" cy="3416320"/>
-          </a:xfrm>
-          <a:prstGeom prst="rect">
-            <a:avLst/>
-          </a:prstGeom>
-          <a:noFill/>
-        </p:spPr>
-        <p:txBody>
-          <a:bodyPr wrap="square" rtlCol="0">
-            <a:spAutoFit/>
-          </a:bodyPr>
-          <a:lstStyle/>
-          <a:p>
-            <a:r>
-              <a:rPr lang="en-GB" sz="1200" b="1" dirty="0">
-                <a:latin typeface="Courier New" panose="02070309020205020404" pitchFamily="49" charset="0"/>
-                <a:cs typeface="Courier New" panose="02070309020205020404" pitchFamily="49" charset="0"/>
-              </a:rPr>
-              <a:t>    Hardware</a:t>
-            </a:r>
-          </a:p>
-          <a:p>
-            <a:r>
-              <a:rPr lang="en-GB" sz="1200" b="1" dirty="0">
-                <a:latin typeface="Courier New" panose="02070309020205020404" pitchFamily="49" charset="0"/>
-                <a:cs typeface="Courier New" panose="02070309020205020404" pitchFamily="49" charset="0"/>
-              </a:rPr>
-              <a:t>    -------------------PORTA----------------</a:t>
-            </a:r>
-          </a:p>
-          <a:p>
-            <a:r>
-              <a:rPr lang="en-GB" sz="1200" b="1" dirty="0">
-                <a:latin typeface="Courier New" panose="02070309020205020404" pitchFamily="49" charset="0"/>
-                <a:cs typeface="Courier New" panose="02070309020205020404" pitchFamily="49" charset="0"/>
-              </a:rPr>
-              <a:t>    Bit#:  -7---6---5---4---3---2---1---0---</a:t>
-            </a:r>
-          </a:p>
-          <a:p>
-            <a:r>
-              <a:rPr lang="en-GB" sz="1200" b="1" dirty="0">
-                <a:latin typeface="Courier New" panose="02070309020205020404" pitchFamily="49" charset="0"/>
-                <a:cs typeface="Courier New" panose="02070309020205020404" pitchFamily="49" charset="0"/>
-              </a:rPr>
-              <a:t>    IO:    --------------------------------- </a:t>
-            </a:r>
-          </a:p>
-          <a:p>
-            <a:r>
-              <a:rPr lang="en-GB" sz="1200" b="1" dirty="0">
-                <a:latin typeface="Courier New" panose="02070309020205020404" pitchFamily="49" charset="0"/>
-                <a:cs typeface="Courier New" panose="02070309020205020404" pitchFamily="49" charset="0"/>
-              </a:rPr>
-              <a:t>    ----------------------------------------</a:t>
-            </a:r>
-          </a:p>
-          <a:p>
-            <a:r>
-              <a:rPr lang="en-GB" sz="1200" b="1" dirty="0">
-                <a:latin typeface="Courier New" panose="02070309020205020404" pitchFamily="49" charset="0"/>
-                <a:cs typeface="Courier New" panose="02070309020205020404" pitchFamily="49" charset="0"/>
-              </a:rPr>
-              <a:t/>
-            </a:r>
-            <a:br>
-              <a:rPr lang="en-GB" sz="1200" b="1" dirty="0">
-                <a:latin typeface="Courier New" panose="02070309020205020404" pitchFamily="49" charset="0"/>
-                <a:cs typeface="Courier New" panose="02070309020205020404" pitchFamily="49" charset="0"/>
-              </a:rPr>
-            </a:br>
-            <a:r>
-              <a:rPr lang="en-GB" sz="1200" b="1" dirty="0">
-                <a:latin typeface="Courier New" panose="02070309020205020404" pitchFamily="49" charset="0"/>
-                <a:cs typeface="Courier New" panose="02070309020205020404" pitchFamily="49" charset="0"/>
-              </a:rPr>
-              <a:t>    -------------------PORTB----------------</a:t>
-            </a:r>
-          </a:p>
-          <a:p>
-            <a:r>
-              <a:rPr lang="en-GB" sz="1200" b="1" dirty="0">
-                <a:latin typeface="Courier New" panose="02070309020205020404" pitchFamily="49" charset="0"/>
-                <a:cs typeface="Courier New" panose="02070309020205020404" pitchFamily="49" charset="0"/>
-              </a:rPr>
-              <a:t>    Bit#:  -7---6---5---4---3---2---1---0---</a:t>
-            </a:r>
-          </a:p>
-          <a:p>
-            <a:r>
-              <a:rPr lang="en-GB" sz="1200" b="1" dirty="0">
-                <a:latin typeface="Courier New" panose="02070309020205020404" pitchFamily="49" charset="0"/>
-                <a:cs typeface="Courier New" panose="02070309020205020404" pitchFamily="49" charset="0"/>
-              </a:rPr>
-              <a:t>    IO:    ----------------LED-LED-LED-LED--</a:t>
-            </a:r>
-          </a:p>
-          <a:p>
-            <a:r>
-              <a:rPr lang="en-GB" sz="1200" b="1" dirty="0">
-                <a:latin typeface="Courier New" panose="02070309020205020404" pitchFamily="49" charset="0"/>
-                <a:cs typeface="Courier New" panose="02070309020205020404" pitchFamily="49" charset="0"/>
-              </a:rPr>
-              <a:t>    ----------------------------------------</a:t>
-            </a:r>
-          </a:p>
-          <a:p>
-            <a:r>
-              <a:rPr lang="en-GB" sz="1200" b="1" dirty="0">
-                <a:latin typeface="Courier New" panose="02070309020205020404" pitchFamily="49" charset="0"/>
-                <a:cs typeface="Courier New" panose="02070309020205020404" pitchFamily="49" charset="0"/>
-              </a:rPr>
-              <a:t>    </a:t>
-            </a:r>
-          </a:p>
-          <a:p>
-            <a:r>
-              <a:rPr lang="en-GB" sz="1200" b="1" dirty="0">
-                <a:latin typeface="Courier New" panose="02070309020205020404" pitchFamily="49" charset="0"/>
-                <a:cs typeface="Courier New" panose="02070309020205020404" pitchFamily="49" charset="0"/>
-              </a:rPr>
-              <a:t>    ------------------PORTC-----------------</a:t>
-            </a:r>
-          </a:p>
-          <a:p>
-            <a:r>
-              <a:rPr lang="en-GB" sz="1200" b="1" dirty="0">
-                <a:latin typeface="Courier New" panose="02070309020205020404" pitchFamily="49" charset="0"/>
-                <a:cs typeface="Courier New" panose="02070309020205020404" pitchFamily="49" charset="0"/>
-              </a:rPr>
-              <a:t>    Bit#:  -X---6---5---4---3---2---1---0---</a:t>
-            </a:r>
-          </a:p>
-          <a:p>
-            <a:r>
-              <a:rPr lang="en-GB" sz="1200" b="1" dirty="0">
-                <a:latin typeface="Courier New" panose="02070309020205020404" pitchFamily="49" charset="0"/>
-                <a:cs typeface="Courier New" panose="02070309020205020404" pitchFamily="49" charset="0"/>
-              </a:rPr>
-              <a:t>    IO:    -^-------------------------------</a:t>
-            </a:r>
-          </a:p>
-          <a:p>
-            <a:r>
-              <a:rPr lang="en-GB" sz="1200" b="1" dirty="0">
-                <a:latin typeface="Courier New" panose="02070309020205020404" pitchFamily="49" charset="0"/>
-                <a:cs typeface="Courier New" panose="02070309020205020404" pitchFamily="49" charset="0"/>
-              </a:rPr>
-              <a:t>    -----VDDIO2----------------------------- </a:t>
-            </a:r>
-            <a:endParaRPr lang="en-GB" sz="1200" b="1" dirty="0" smtClean="0">
-              <a:latin typeface="Courier New" panose="02070309020205020404" pitchFamily="49" charset="0"/>
-              <a:cs typeface="Courier New" panose="02070309020205020404" pitchFamily="49" charset="0"/>
-            </a:endParaRPr>
-          </a:p>
-          <a:p>
-            <a:r>
-              <a:rPr lang="en-GB" sz="1200" b="1" dirty="0">
-                <a:latin typeface="Courier New" panose="02070309020205020404" pitchFamily="49" charset="0"/>
-                <a:cs typeface="Courier New" panose="02070309020205020404" pitchFamily="49" charset="0"/>
-              </a:rPr>
-              <a:t> </a:t>
-            </a:r>
-            <a:r>
-              <a:rPr lang="en-GB" sz="1200" b="1" dirty="0" smtClean="0">
-                <a:latin typeface="Courier New" panose="02070309020205020404" pitchFamily="49" charset="0"/>
-                <a:cs typeface="Courier New" panose="02070309020205020404" pitchFamily="49" charset="0"/>
-              </a:rPr>
-              <a:t>   You </a:t>
-            </a:r>
-            <a:r>
-              <a:rPr lang="en-GB" sz="1200" b="1" dirty="0">
-                <a:latin typeface="Courier New" panose="02070309020205020404" pitchFamily="49" charset="0"/>
-                <a:cs typeface="Courier New" panose="02070309020205020404" pitchFamily="49" charset="0"/>
-              </a:rPr>
-              <a:t>must apply correct Voltage</a:t>
-            </a:r>
-          </a:p>
-          <a:p>
-            <a:r>
-              <a:rPr lang="en-GB" sz="1200" b="1" dirty="0">
-                <a:latin typeface="Courier New" panose="02070309020205020404" pitchFamily="49" charset="0"/>
-                <a:cs typeface="Courier New" panose="02070309020205020404" pitchFamily="49" charset="0"/>
-              </a:rPr>
-              <a:t/>
-            </a:r>
-            <a:br>
-              <a:rPr lang="en-GB" sz="1200" b="1" dirty="0">
-                <a:latin typeface="Courier New" panose="02070309020205020404" pitchFamily="49" charset="0"/>
-                <a:cs typeface="Courier New" panose="02070309020205020404" pitchFamily="49" charset="0"/>
-              </a:rPr>
-            </a:br>
-            <a:endParaRPr lang="en-GB" sz="1200" b="1" dirty="0">
-              <a:latin typeface="Courier New" panose="02070309020205020404" pitchFamily="49" charset="0"/>
-              <a:cs typeface="Courier New" panose="02070309020205020404" pitchFamily="49" charset="0"/>
-            </a:endParaRPr>
-          </a:p>
-        </p:txBody>
-      </p:sp>
-    </p:spTree>
-  </p:cSld>
-  <p:clrMapOvr>
-    <a:masterClrMapping/>
-  </p:clrMapOvr>
-  <mc:AlternateContent xmlns:mc="http://schemas.openxmlformats.org/markup-compatibility/2006" xmlns:p14="http://schemas.microsoft.com/office/powerpoint/2010/main">
-    <mc:Choice Requires="p14">
-      <p:transition spd="slow" p14:dur="2000"/>
-    </mc:Choice>
-    <mc:Fallback xmlns="">
-      <p:transition spd="slow"/>
-    </mc:Fallback>
-  </mc:AlternateContent>
-  <p:timing>
-    <p:tnLst>
-      <p:par>
-        <p:cTn id="1" dur="indefinite" restart="never" nodeType="tmRoot"/>
-      </p:par>
-    </p:tnLst>
-  </p:timing>
-</p:sld>
-</file>
-
-<file path=ppt/slides/slide9.xml><?xml version="1.0" encoding="utf-8"?>
 <p:sld xmlns:a="http://schemas.openxmlformats.org/drawingml/2006/main" xmlns:r="http://schemas.openxmlformats.org/officeDocument/2006/relationships" xmlns:p="http://schemas.openxmlformats.org/presentationml/2006/main">
   <p:cSld>
     <p:spTree>
@@ -11560,11 +8530,6 @@
                 </a:rPr>
                 <a:t>Reset</a:t>
               </a:r>
-              <a:endParaRPr lang="en-GB" sz="1000" dirty="0" smtClean="0">
-                <a:solidFill>
-                  <a:schemeClr val="tx1"/>
-                </a:solidFill>
-              </a:endParaRPr>
             </a:p>
           </p:txBody>
         </p:sp>
@@ -11608,14 +8573,30 @@
             <a:p>
               <a:pPr algn="ctr"/>
               <a:r>
-                <a:rPr lang="en-GB" sz="1000" dirty="0" smtClean="0">
+                <a:rPr lang="en-GB" sz="900" dirty="0">
                   <a:solidFill>
                     <a:schemeClr val="tx1"/>
                   </a:solidFill>
                 </a:rPr>
-                <a:t>Counter  = 4 ?</a:t>
+                <a:t>LEDPORT = </a:t>
               </a:r>
-              <a:endParaRPr lang="en-GB" sz="1000" dirty="0">
+              <a:r>
+                <a:rPr lang="en-GB" sz="900" dirty="0" smtClean="0">
+                  <a:solidFill>
+                    <a:schemeClr val="tx1"/>
+                  </a:solidFill>
+                </a:rPr>
+                <a:t>O </a:t>
+              </a:r>
+              <a:r>
+                <a:rPr lang="en-GB" sz="900" dirty="0" smtClean="0">
+                  <a:solidFill>
+                    <a:schemeClr val="tx1"/>
+                  </a:solidFill>
+                </a:rPr>
+                <a:t>?</a:t>
+              </a:r>
+              <a:endParaRPr lang="en-GB" sz="900" dirty="0">
                 <a:solidFill>
                   <a:schemeClr val="tx1"/>
                 </a:solidFill>
@@ -11839,7 +8820,15 @@
                     <a:schemeClr val="tx1"/>
                   </a:solidFill>
                 </a:rPr>
-                <a:t>Rotate the LEDs</a:t>
+                <a:t>Rotate the </a:t>
+              </a:r>
+              <a:r>
+                <a:rPr lang="en-GB" sz="1000" dirty="0" smtClean="0">
+                  <a:solidFill>
+                    <a:schemeClr val="tx1"/>
+                  </a:solidFill>
+                </a:rPr>
+                <a:t>LEDPORT</a:t>
               </a:r>
               <a:endParaRPr lang="en-GB" sz="1000" dirty="0">
                 <a:solidFill>
@@ -11986,12 +8975,3361 @@
   <p:clrMapOvr>
     <a:masterClrMapping/>
   </p:clrMapOvr>
-  <mc:AlternateContent xmlns:mc="http://schemas.openxmlformats.org/markup-compatibility/2006">
-    <mc:Choice xmlns:p14="http://schemas.microsoft.com/office/powerpoint/2010/main" Requires="p14">
+  <mc:AlternateContent xmlns:mc="http://schemas.openxmlformats.org/markup-compatibility/2006" xmlns:p14="http://schemas.microsoft.com/office/powerpoint/2010/main">
+    <mc:Choice Requires="p14">
       <p:transition spd="slow" p14:dur="2000" advClick="0"/>
     </mc:Choice>
-    <mc:Fallback>
+    <mc:Fallback xmlns="">
       <p:transition spd="slow" advClick="0"/>
+    </mc:Fallback>
+  </mc:AlternateContent>
+  <p:timing>
+    <p:tnLst>
+      <p:par>
+        <p:cTn id="1" dur="indefinite" restart="never" nodeType="tmRoot"/>
+      </p:par>
+    </p:tnLst>
+  </p:timing>
+</p:sld>
+</file>
+
+<file path=ppt/slides/slide11.xml><?xml version="1.0" encoding="utf-8"?>
+<p:sld xmlns:a="http://schemas.openxmlformats.org/drawingml/2006/main" xmlns:r="http://schemas.openxmlformats.org/officeDocument/2006/relationships" xmlns:p="http://schemas.openxmlformats.org/presentationml/2006/main">
+  <p:cSld>
+    <p:spTree>
+      <p:nvGrpSpPr>
+        <p:cNvPr id="1" name=""/>
+        <p:cNvGrpSpPr/>
+        <p:nvPr/>
+      </p:nvGrpSpPr>
+      <p:grpSpPr>
+        <a:xfrm>
+          <a:off x="0" y="0"/>
+          <a:ext cx="0" cy="0"/>
+          <a:chOff x="0" y="0"/>
+          <a:chExt cx="0" cy="0"/>
+        </a:xfrm>
+      </p:grpSpPr>
+      <p:sp>
+        <p:nvSpPr>
+          <p:cNvPr id="2" name="Title 1"/>
+          <p:cNvSpPr>
+            <a:spLocks noGrp="1"/>
+          </p:cNvSpPr>
+          <p:nvPr>
+            <p:ph type="title"/>
+          </p:nvPr>
+        </p:nvSpPr>
+        <p:spPr/>
+        <p:txBody>
+          <a:bodyPr/>
+          <a:lstStyle/>
+          <a:p>
+            <a:pPr algn="l"/>
+            <a:r>
+              <a:rPr lang="en-GB" dirty="0" smtClean="0"/>
+              <a:t>Workshop</a:t>
+            </a:r>
+            <a:endParaRPr lang="en-GB" dirty="0"/>
+          </a:p>
+        </p:txBody>
+      </p:sp>
+      <p:sp>
+        <p:nvSpPr>
+          <p:cNvPr id="3" name="Content Placeholder 2"/>
+          <p:cNvSpPr>
+            <a:spLocks noGrp="1"/>
+          </p:cNvSpPr>
+          <p:nvPr>
+            <p:ph idx="1"/>
+          </p:nvPr>
+        </p:nvSpPr>
+        <p:spPr>
+          <a:xfrm>
+            <a:off x="572771" y="1786855"/>
+            <a:ext cx="6447501" cy="2744167"/>
+          </a:xfrm>
+        </p:spPr>
+        <p:txBody>
+          <a:bodyPr/>
+          <a:lstStyle/>
+          <a:p>
+            <a:r>
+              <a:rPr lang="en-GB" dirty="0" smtClean="0"/>
+              <a:t>Rotate  the LEDs with a delay</a:t>
+            </a:r>
+          </a:p>
+          <a:p>
+            <a:endParaRPr lang="en-GB" dirty="0"/>
+          </a:p>
+          <a:p>
+            <a:r>
+              <a:rPr lang="en-GB" dirty="0" smtClean="0"/>
+              <a:t>Uses</a:t>
+            </a:r>
+          </a:p>
+          <a:p>
+            <a:pPr lvl="1"/>
+            <a:r>
+              <a:rPr lang="en-GB" dirty="0" smtClean="0"/>
+              <a:t>The register PORTC </a:t>
+            </a:r>
+            <a:r>
+              <a:rPr lang="en-GB" dirty="0" smtClean="0"/>
+              <a:t>LEDs via a constant</a:t>
+            </a:r>
+            <a:endParaRPr lang="en-GB" dirty="0" smtClean="0"/>
+          </a:p>
+          <a:p>
+            <a:pPr lvl="1"/>
+            <a:r>
+              <a:rPr lang="en-GB" dirty="0" smtClean="0"/>
+              <a:t>Rotate command()</a:t>
+            </a:r>
+          </a:p>
+          <a:p>
+            <a:pPr lvl="1"/>
+            <a:r>
+              <a:rPr lang="en-GB" dirty="0" smtClean="0"/>
+              <a:t>Simple logic</a:t>
+            </a:r>
+          </a:p>
+          <a:p>
+            <a:pPr lvl="1"/>
+            <a:endParaRPr lang="en-GB" dirty="0" smtClean="0"/>
+          </a:p>
+          <a:p>
+            <a:pPr lvl="2"/>
+            <a:endParaRPr lang="en-GB" dirty="0" smtClean="0"/>
+          </a:p>
+          <a:p>
+            <a:pPr lvl="2"/>
+            <a:endParaRPr lang="en-GB" dirty="0" smtClean="0"/>
+          </a:p>
+          <a:p>
+            <a:pPr lvl="1"/>
+            <a:endParaRPr lang="en-GB" dirty="0" smtClean="0"/>
+          </a:p>
+        </p:txBody>
+      </p:sp>
+    </p:spTree>
+  </p:cSld>
+  <p:clrMapOvr>
+    <a:masterClrMapping/>
+  </p:clrMapOvr>
+  <mc:AlternateContent xmlns:mc="http://schemas.openxmlformats.org/markup-compatibility/2006" xmlns:p14="http://schemas.microsoft.com/office/powerpoint/2010/main">
+    <mc:Choice Requires="p14">
+      <p:transition spd="slow" p14:dur="2000"/>
+    </mc:Choice>
+    <mc:Fallback xmlns="">
+      <p:transition spd="slow"/>
+    </mc:Fallback>
+  </mc:AlternateContent>
+  <p:timing>
+    <p:tnLst>
+      <p:par>
+        <p:cTn id="1" dur="indefinite" restart="never" nodeType="tmRoot"/>
+      </p:par>
+    </p:tnLst>
+  </p:timing>
+</p:sld>
+</file>
+
+<file path=ppt/slides/slide12.xml><?xml version="1.0" encoding="utf-8"?>
+<p:sld xmlns:a="http://schemas.openxmlformats.org/drawingml/2006/main" xmlns:r="http://schemas.openxmlformats.org/officeDocument/2006/relationships" xmlns:p="http://schemas.openxmlformats.org/presentationml/2006/main">
+  <p:cSld>
+    <p:spTree>
+      <p:nvGrpSpPr>
+        <p:cNvPr id="1" name=""/>
+        <p:cNvGrpSpPr/>
+        <p:nvPr/>
+      </p:nvGrpSpPr>
+      <p:grpSpPr>
+        <a:xfrm>
+          <a:off x="0" y="0"/>
+          <a:ext cx="0" cy="0"/>
+          <a:chOff x="0" y="0"/>
+          <a:chExt cx="0" cy="0"/>
+        </a:xfrm>
+      </p:grpSpPr>
+      <p:sp>
+        <p:nvSpPr>
+          <p:cNvPr id="2" name="Title 1"/>
+          <p:cNvSpPr>
+            <a:spLocks noGrp="1"/>
+          </p:cNvSpPr>
+          <p:nvPr>
+            <p:ph type="title"/>
+          </p:nvPr>
+        </p:nvSpPr>
+        <p:spPr/>
+        <p:txBody>
+          <a:bodyPr/>
+          <a:lstStyle/>
+          <a:p>
+            <a:endParaRPr lang="en-GB"/>
+          </a:p>
+        </p:txBody>
+      </p:sp>
+      <p:sp>
+        <p:nvSpPr>
+          <p:cNvPr id="3" name="Content Placeholder 2"/>
+          <p:cNvSpPr>
+            <a:spLocks noGrp="1"/>
+          </p:cNvSpPr>
+          <p:nvPr>
+            <p:ph idx="1"/>
+          </p:nvPr>
+        </p:nvSpPr>
+        <p:spPr/>
+        <p:txBody>
+          <a:bodyPr/>
+          <a:lstStyle/>
+          <a:p>
+            <a:endParaRPr lang="en-GB"/>
+          </a:p>
+        </p:txBody>
+      </p:sp>
+    </p:spTree>
+  </p:cSld>
+  <p:clrMapOvr>
+    <a:masterClrMapping/>
+  </p:clrMapOvr>
+  <mc:AlternateContent xmlns:mc="http://schemas.openxmlformats.org/markup-compatibility/2006" xmlns:p14="http://schemas.microsoft.com/office/powerpoint/2010/main">
+    <mc:Choice Requires="p14">
+      <p:transition spd="slow" p14:dur="2000"/>
+    </mc:Choice>
+    <mc:Fallback xmlns="">
+      <p:transition spd="slow"/>
+    </mc:Fallback>
+  </mc:AlternateContent>
+  <p:timing>
+    <p:tnLst>
+      <p:par>
+        <p:cTn id="1" dur="indefinite" restart="never" nodeType="tmRoot"/>
+      </p:par>
+    </p:tnLst>
+  </p:timing>
+</p:sld>
+</file>
+
+<file path=ppt/slides/slide13.xml><?xml version="1.0" encoding="utf-8"?>
+<p:sld xmlns:a="http://schemas.openxmlformats.org/drawingml/2006/main" xmlns:r="http://schemas.openxmlformats.org/officeDocument/2006/relationships" xmlns:p="http://schemas.openxmlformats.org/presentationml/2006/main">
+  <p:cSld>
+    <p:spTree>
+      <p:nvGrpSpPr>
+        <p:cNvPr id="1" name=""/>
+        <p:cNvGrpSpPr/>
+        <p:nvPr/>
+      </p:nvGrpSpPr>
+      <p:grpSpPr>
+        <a:xfrm>
+          <a:off x="0" y="0"/>
+          <a:ext cx="0" cy="0"/>
+          <a:chOff x="0" y="0"/>
+          <a:chExt cx="0" cy="0"/>
+        </a:xfrm>
+      </p:grpSpPr>
+      <p:sp>
+        <p:nvSpPr>
+          <p:cNvPr id="2" name="Title 1"/>
+          <p:cNvSpPr>
+            <a:spLocks noGrp="1"/>
+          </p:cNvSpPr>
+          <p:nvPr>
+            <p:ph type="title"/>
+          </p:nvPr>
+        </p:nvSpPr>
+        <p:spPr/>
+        <p:txBody>
+          <a:bodyPr>
+            <a:normAutofit/>
+          </a:bodyPr>
+          <a:lstStyle/>
+          <a:p>
+            <a:r>
+              <a:rPr lang="en-GB" dirty="0" smtClean="0"/>
+              <a:t>Videos...</a:t>
+            </a:r>
+            <a:endParaRPr lang="en-GB" dirty="0"/>
+          </a:p>
+        </p:txBody>
+      </p:sp>
+      <p:sp>
+        <p:nvSpPr>
+          <p:cNvPr id="3" name="Content Placeholder 2"/>
+          <p:cNvSpPr>
+            <a:spLocks noGrp="1"/>
+          </p:cNvSpPr>
+          <p:nvPr>
+            <p:ph idx="1"/>
+          </p:nvPr>
+        </p:nvSpPr>
+        <p:spPr>
+          <a:xfrm>
+            <a:off x="467544" y="987574"/>
+            <a:ext cx="6447501" cy="4111476"/>
+          </a:xfrm>
+          <a:solidFill>
+            <a:schemeClr val="bg1"/>
+          </a:solidFill>
+        </p:spPr>
+        <p:txBody>
+          <a:bodyPr>
+            <a:noAutofit/>
+          </a:bodyPr>
+          <a:lstStyle/>
+          <a:p>
+            <a:pPr marL="180000" indent="-478483">
+              <a:spcBef>
+                <a:spcPts val="300"/>
+              </a:spcBef>
+              <a:buFont typeface="+mj-lt"/>
+              <a:buAutoNum type="arabicPeriod"/>
+            </a:pPr>
+            <a:r>
+              <a:rPr lang="en-GB" sz="1100" dirty="0"/>
+              <a:t>Install the hardware and make the board work – three LED programs</a:t>
+            </a:r>
+          </a:p>
+          <a:p>
+            <a:pPr marL="180000" indent="-478483">
+              <a:spcBef>
+                <a:spcPts val="300"/>
+              </a:spcBef>
+              <a:buFont typeface="+mj-lt"/>
+              <a:buAutoNum type="arabicPeriod"/>
+            </a:pPr>
+            <a:r>
+              <a:rPr lang="en-GB" sz="1100" dirty="0"/>
+              <a:t>Make  four LEDs flash in a sequence</a:t>
+            </a:r>
+          </a:p>
+          <a:p>
+            <a:pPr marL="180000" indent="-478483">
+              <a:spcBef>
+                <a:spcPts val="300"/>
+              </a:spcBef>
+              <a:buFont typeface="+mj-lt"/>
+              <a:buAutoNum type="arabicPeriod"/>
+            </a:pPr>
+            <a:r>
+              <a:rPr lang="en-GB" sz="1100" b="1" dirty="0"/>
+              <a:t>Set the LEDs to represent the value of ADC</a:t>
+            </a:r>
+          </a:p>
+          <a:p>
+            <a:pPr marL="180000" indent="-478483">
+              <a:spcBef>
+                <a:spcPts val="300"/>
+              </a:spcBef>
+              <a:buFont typeface="+mj-lt"/>
+              <a:buAutoNum type="arabicPeriod"/>
+            </a:pPr>
+            <a:r>
+              <a:rPr lang="en-GB" sz="1100" dirty="0"/>
+              <a:t>Sequence the LEDs with a delay using the value of ADC</a:t>
+            </a:r>
+          </a:p>
+          <a:p>
+            <a:pPr marL="180000" indent="-478483">
+              <a:spcBef>
+                <a:spcPts val="300"/>
+              </a:spcBef>
+              <a:buFont typeface="+mj-lt"/>
+              <a:buAutoNum type="arabicPeriod"/>
+            </a:pPr>
+            <a:r>
+              <a:rPr lang="en-GB" sz="1100" dirty="0"/>
+              <a:t>Using an input to set the state of the LEDs</a:t>
+            </a:r>
+          </a:p>
+          <a:p>
+            <a:pPr marL="180000" indent="-478483">
+              <a:spcBef>
+                <a:spcPts val="300"/>
+              </a:spcBef>
+              <a:buFont typeface="+mj-lt"/>
+              <a:buAutoNum type="arabicPeriod"/>
+            </a:pPr>
+            <a:r>
+              <a:rPr lang="en-GB" sz="1100" dirty="0"/>
+              <a:t>Using the reset switch</a:t>
+            </a:r>
+          </a:p>
+          <a:p>
+            <a:pPr marL="180000" indent="-478483">
+              <a:spcBef>
+                <a:spcPts val="300"/>
+              </a:spcBef>
+              <a:buFont typeface="+mj-lt"/>
+              <a:buAutoNum type="arabicPeriod"/>
+            </a:pPr>
+            <a:r>
+              <a:rPr lang="en-GB" sz="1100" dirty="0"/>
+              <a:t>Using the switch, ADC – make the LEDs flash in a sequence with reverse</a:t>
+            </a:r>
+          </a:p>
+          <a:p>
+            <a:pPr marL="180000" indent="-478483">
+              <a:spcBef>
+                <a:spcPts val="300"/>
+              </a:spcBef>
+              <a:buFont typeface="+mj-lt"/>
+              <a:buAutoNum type="arabicPeriod"/>
+            </a:pPr>
+            <a:r>
+              <a:rPr lang="en-GB" sz="1100" dirty="0"/>
+              <a:t>Using the serial to display values</a:t>
+            </a:r>
+          </a:p>
+          <a:p>
+            <a:pPr marL="180000" indent="-478483">
+              <a:spcBef>
+                <a:spcPts val="300"/>
+              </a:spcBef>
+              <a:buFont typeface="+mj-lt"/>
+              <a:buAutoNum type="arabicPeriod"/>
+            </a:pPr>
+            <a:r>
+              <a:rPr lang="en-GB" sz="1100" dirty="0"/>
+              <a:t>Using the timer0 overflow, 8bit timer, 16bit timer to flash the LEDs</a:t>
+            </a:r>
+          </a:p>
+          <a:p>
+            <a:pPr marL="180000" indent="-478483">
+              <a:spcBef>
+                <a:spcPts val="300"/>
+              </a:spcBef>
+              <a:buFont typeface="+mj-lt"/>
+              <a:buAutoNum type="arabicPeriod"/>
+            </a:pPr>
+            <a:r>
+              <a:rPr lang="en-GB" sz="1100" dirty="0"/>
+              <a:t>Using </a:t>
+            </a:r>
+            <a:r>
+              <a:rPr lang="en-GB" sz="1100" dirty="0" err="1"/>
+              <a:t>EEProm</a:t>
+            </a:r>
+            <a:r>
+              <a:rPr lang="en-GB" sz="1100" dirty="0"/>
+              <a:t> – showing values on the serial terminal, and more constants insights</a:t>
+            </a:r>
+          </a:p>
+          <a:p>
+            <a:pPr marL="180000" indent="-478483">
+              <a:spcBef>
+                <a:spcPts val="300"/>
+              </a:spcBef>
+              <a:buFont typeface="+mj-lt"/>
+              <a:buAutoNum type="arabicPeriod"/>
+            </a:pPr>
+            <a:r>
+              <a:rPr lang="en-GB" sz="1100" dirty="0"/>
+              <a:t>Using I2C with serial to discover I2C devices</a:t>
+            </a:r>
+          </a:p>
+          <a:p>
+            <a:pPr marL="180000" indent="-478483">
+              <a:spcBef>
+                <a:spcPts val="300"/>
+              </a:spcBef>
+              <a:buFont typeface="+mj-lt"/>
+              <a:buAutoNum type="arabicPeriod"/>
+            </a:pPr>
+            <a:r>
+              <a:rPr lang="en-GB" sz="1100" dirty="0"/>
+              <a:t>Using an I2C GCLD display</a:t>
+            </a:r>
+          </a:p>
+          <a:p>
+            <a:pPr marL="180000" indent="-478483">
+              <a:spcBef>
+                <a:spcPts val="300"/>
+              </a:spcBef>
+              <a:buFont typeface="+mj-lt"/>
+              <a:buAutoNum type="arabicPeriod"/>
+            </a:pPr>
+            <a:r>
+              <a:rPr lang="en-GB" sz="1100" dirty="0"/>
+              <a:t>Using a SPI GCLD display</a:t>
+            </a:r>
+          </a:p>
+          <a:p>
+            <a:pPr marL="180000" indent="-478483">
+              <a:spcBef>
+                <a:spcPts val="300"/>
+              </a:spcBef>
+              <a:buFont typeface="+mj-lt"/>
+              <a:buAutoNum type="arabicPeriod"/>
+            </a:pPr>
+            <a:r>
+              <a:rPr lang="en-GB" sz="1100" dirty="0"/>
+              <a:t>Using PWM, 7  ways,  to dim the LEDS</a:t>
+            </a:r>
+          </a:p>
+          <a:p>
+            <a:pPr marL="180000" indent="-478483">
+              <a:spcBef>
+                <a:spcPts val="300"/>
+              </a:spcBef>
+              <a:buFont typeface="+mj-lt"/>
+              <a:buAutoNum type="arabicPeriod"/>
+            </a:pPr>
+            <a:r>
+              <a:rPr lang="en-GB" sz="1100" dirty="0"/>
+              <a:t>Using an external interrupt to control an LED</a:t>
+            </a:r>
+          </a:p>
+          <a:p>
+            <a:pPr marL="180000" indent="-478483">
+              <a:spcBef>
+                <a:spcPts val="300"/>
+              </a:spcBef>
+              <a:buFont typeface="+mj-lt"/>
+              <a:buAutoNum type="arabicPeriod"/>
+            </a:pPr>
+            <a:r>
+              <a:rPr lang="en-GB" sz="1100" dirty="0"/>
+              <a:t>Using storage within the chip – </a:t>
+            </a:r>
+            <a:r>
+              <a:rPr lang="en-GB" sz="1100" dirty="0" err="1"/>
+              <a:t>Progmem</a:t>
+            </a:r>
+            <a:r>
+              <a:rPr lang="en-GB" sz="1100" dirty="0"/>
+              <a:t>, SAF memory, EEPROM and DATA blocks</a:t>
+            </a:r>
+          </a:p>
+          <a:p>
+            <a:pPr marL="180000" indent="-478483">
+              <a:spcBef>
+                <a:spcPts val="300"/>
+              </a:spcBef>
+              <a:buFont typeface="+mj-lt"/>
+              <a:buAutoNum type="arabicPeriod"/>
+            </a:pPr>
+            <a:r>
+              <a:rPr lang="en-GB" sz="1100" dirty="0"/>
+              <a:t>Using CLC</a:t>
+            </a:r>
+          </a:p>
+          <a:p>
+            <a:pPr marL="180000" indent="-478483">
+              <a:spcBef>
+                <a:spcPts val="300"/>
+              </a:spcBef>
+              <a:buFont typeface="+mj-lt"/>
+              <a:buAutoNum type="arabicPeriod"/>
+            </a:pPr>
+            <a:r>
+              <a:rPr lang="en-GB" sz="1100" dirty="0"/>
+              <a:t>The GCBASIC tool chain</a:t>
+            </a:r>
+          </a:p>
+          <a:p>
+            <a:pPr marL="180000" indent="-478483">
+              <a:spcBef>
+                <a:spcPts val="300"/>
+              </a:spcBef>
+              <a:buFont typeface="+mj-lt"/>
+              <a:buAutoNum type="arabicPeriod"/>
+            </a:pPr>
+            <a:r>
+              <a:rPr lang="en-GB" sz="1100" dirty="0"/>
+              <a:t>Assembly , alternatives assemblers and MPLAB-X</a:t>
+            </a:r>
+          </a:p>
+          <a:p>
+            <a:pPr marL="180000" indent="-478483">
+              <a:spcBef>
+                <a:spcPts val="300"/>
+              </a:spcBef>
+              <a:buFont typeface="+mj-lt"/>
+              <a:buAutoNum type="arabicPeriod"/>
+            </a:pPr>
+            <a:r>
+              <a:rPr lang="en-GB" sz="1100" dirty="0"/>
+              <a:t>Summary</a:t>
+            </a:r>
+          </a:p>
+          <a:p>
+            <a:pPr marL="180000" indent="-478483">
+              <a:spcBef>
+                <a:spcPts val="300"/>
+              </a:spcBef>
+              <a:buFont typeface="+mj-lt"/>
+              <a:buAutoNum type="arabicPeriod"/>
+            </a:pPr>
+            <a:endParaRPr lang="en-GB" sz="400" dirty="0" smtClean="0">
+              <a:solidFill>
+                <a:schemeClr val="bg1">
+                  <a:lumMod val="75000"/>
+                </a:schemeClr>
+              </a:solidFill>
+            </a:endParaRPr>
+          </a:p>
+          <a:p>
+            <a:pPr marL="180000" indent="-478483">
+              <a:spcBef>
+                <a:spcPts val="300"/>
+              </a:spcBef>
+              <a:buNone/>
+            </a:pPr>
+            <a:endParaRPr lang="en-GB" sz="700" dirty="0" smtClean="0"/>
+          </a:p>
+          <a:p>
+            <a:pPr marL="180000" indent="-478483">
+              <a:spcBef>
+                <a:spcPts val="300"/>
+              </a:spcBef>
+              <a:buFont typeface="+mj-lt"/>
+              <a:buAutoNum type="arabicPeriod"/>
+            </a:pPr>
+            <a:endParaRPr lang="en-GB" sz="700" dirty="0" smtClean="0"/>
+          </a:p>
+          <a:p>
+            <a:pPr marL="180000" indent="-478483">
+              <a:spcBef>
+                <a:spcPts val="300"/>
+              </a:spcBef>
+              <a:buFont typeface="+mj-lt"/>
+              <a:buAutoNum type="arabicPeriod"/>
+            </a:pPr>
+            <a:endParaRPr lang="en-GB" sz="500" dirty="0" smtClean="0"/>
+          </a:p>
+          <a:p>
+            <a:pPr marL="180000" indent="-478483">
+              <a:spcBef>
+                <a:spcPts val="300"/>
+              </a:spcBef>
+              <a:buFont typeface="+mj-lt"/>
+              <a:buAutoNum type="arabicPeriod"/>
+            </a:pPr>
+            <a:endParaRPr lang="en-GB" sz="500" dirty="0" smtClean="0"/>
+          </a:p>
+          <a:p>
+            <a:pPr marL="180000" indent="-478483">
+              <a:spcBef>
+                <a:spcPts val="300"/>
+              </a:spcBef>
+              <a:buFont typeface="+mj-lt"/>
+              <a:buAutoNum type="arabicPeriod"/>
+            </a:pPr>
+            <a:endParaRPr lang="en-GB" sz="500" dirty="0" smtClean="0"/>
+          </a:p>
+          <a:p>
+            <a:pPr marL="180000" indent="-478483">
+              <a:spcBef>
+                <a:spcPts val="300"/>
+              </a:spcBef>
+              <a:buFont typeface="+mj-lt"/>
+              <a:buAutoNum type="arabicPeriod"/>
+            </a:pPr>
+            <a:endParaRPr lang="en-GB" sz="500" dirty="0"/>
+          </a:p>
+        </p:txBody>
+      </p:sp>
+    </p:spTree>
+    <p:extLst>
+      <p:ext uri="{BB962C8B-B14F-4D97-AF65-F5344CB8AC3E}">
+        <p14:creationId xmlns:p14="http://schemas.microsoft.com/office/powerpoint/2010/main" val="2888874992"/>
+      </p:ext>
+    </p:extLst>
+  </p:cSld>
+  <p:clrMapOvr>
+    <a:masterClrMapping/>
+  </p:clrMapOvr>
+  <mc:AlternateContent xmlns:mc="http://schemas.openxmlformats.org/markup-compatibility/2006" xmlns:p14="http://schemas.microsoft.com/office/powerpoint/2010/main">
+    <mc:Choice Requires="p14">
+      <p:transition spd="slow" p14:dur="2000"/>
+    </mc:Choice>
+    <mc:Fallback xmlns="">
+      <p:transition spd="slow"/>
+    </mc:Fallback>
+  </mc:AlternateContent>
+  <p:timing>
+    <p:tnLst>
+      <p:par>
+        <p:cTn id="1" dur="indefinite" restart="never" nodeType="tmRoot"/>
+      </p:par>
+    </p:tnLst>
+  </p:timing>
+</p:sld>
+</file>
+
+<file path=ppt/slides/slide14.xml><?xml version="1.0" encoding="utf-8"?>
+<p:sld xmlns:a="http://schemas.openxmlformats.org/drawingml/2006/main" xmlns:r="http://schemas.openxmlformats.org/officeDocument/2006/relationships" xmlns:p="http://schemas.openxmlformats.org/presentationml/2006/main">
+  <p:cSld>
+    <p:spTree>
+      <p:nvGrpSpPr>
+        <p:cNvPr id="1" name=""/>
+        <p:cNvGrpSpPr/>
+        <p:nvPr/>
+      </p:nvGrpSpPr>
+      <p:grpSpPr>
+        <a:xfrm>
+          <a:off x="0" y="0"/>
+          <a:ext cx="0" cy="0"/>
+          <a:chOff x="0" y="0"/>
+          <a:chExt cx="0" cy="0"/>
+        </a:xfrm>
+      </p:grpSpPr>
+      <p:sp>
+        <p:nvSpPr>
+          <p:cNvPr id="2" name="Title 1"/>
+          <p:cNvSpPr>
+            <a:spLocks noGrp="1"/>
+          </p:cNvSpPr>
+          <p:nvPr>
+            <p:ph type="ctrTitle"/>
+          </p:nvPr>
+        </p:nvSpPr>
+        <p:spPr/>
+        <p:txBody>
+          <a:bodyPr/>
+          <a:lstStyle/>
+          <a:p>
+            <a:r>
+              <a:rPr lang="en-GB" dirty="0" smtClean="0"/>
+              <a:t>GCBASIC</a:t>
+            </a:r>
+            <a:endParaRPr lang="en-GB" dirty="0"/>
+          </a:p>
+        </p:txBody>
+      </p:sp>
+      <p:pic>
+        <p:nvPicPr>
+          <p:cNvPr id="1026" name="Picture 2" descr="D:\Build\AnobiumTransparent.jpg"/>
+          <p:cNvPicPr>
+            <a:picLocks noChangeAspect="1" noChangeArrowheads="1"/>
+          </p:cNvPicPr>
+          <p:nvPr/>
+        </p:nvPicPr>
+        <p:blipFill>
+          <a:blip r:embed="rId2" cstate="print"/>
+          <a:srcRect/>
+          <a:stretch>
+            <a:fillRect/>
+          </a:stretch>
+        </p:blipFill>
+        <p:spPr bwMode="auto">
+          <a:xfrm>
+            <a:off x="5292080" y="911052"/>
+            <a:ext cx="1828859" cy="771550"/>
+          </a:xfrm>
+          <a:prstGeom prst="rect">
+            <a:avLst/>
+          </a:prstGeom>
+          <a:noFill/>
+        </p:spPr>
+      </p:pic>
+      <p:sp>
+        <p:nvSpPr>
+          <p:cNvPr id="4" name="AutoShape 2" descr="ICSP connection"/>
+          <p:cNvSpPr>
+            <a:spLocks noChangeAspect="1" noChangeArrowheads="1"/>
+          </p:cNvSpPr>
+          <p:nvPr/>
+        </p:nvSpPr>
+        <p:spPr bwMode="auto">
+          <a:xfrm>
+            <a:off x="155575" y="-144462"/>
+            <a:ext cx="304800" cy="304801"/>
+          </a:xfrm>
+          <a:prstGeom prst="rect">
+            <a:avLst/>
+          </a:prstGeom>
+          <a:noFill/>
+        </p:spPr>
+        <p:txBody>
+          <a:bodyPr vert="horz" wrap="square" lIns="85064" tIns="42531" rIns="85064" bIns="42531" numCol="1" anchor="t" anchorCtr="0" compatLnSpc="1">
+            <a:prstTxWarp prst="textNoShape">
+              <a:avLst/>
+            </a:prstTxWarp>
+          </a:bodyPr>
+          <a:lstStyle/>
+          <a:p>
+            <a:endParaRPr lang="en-GB" dirty="0"/>
+          </a:p>
+        </p:txBody>
+      </p:sp>
+      <p:sp>
+        <p:nvSpPr>
+          <p:cNvPr id="8" name="Text Placeholder 4"/>
+          <p:cNvSpPr txBox="1">
+            <a:spLocks/>
+          </p:cNvSpPr>
+          <p:nvPr/>
+        </p:nvSpPr>
+        <p:spPr>
+          <a:xfrm>
+            <a:off x="3805512" y="2931790"/>
+            <a:ext cx="3342861" cy="645300"/>
+          </a:xfrm>
+          <a:prstGeom prst="rect">
+            <a:avLst/>
+          </a:prstGeom>
+        </p:spPr>
+        <p:txBody>
+          <a:bodyPr vert="horz" lIns="68580" tIns="34290" rIns="68580" bIns="34290" rtlCol="0" anchor="t">
+            <a:normAutofit/>
+          </a:bodyPr>
+          <a:lstStyle>
+            <a:lvl1pPr marL="0" indent="0" algn="r" defTabSz="342900" rtl="0" eaLnBrk="1" latinLnBrk="0" hangingPunct="1">
+              <a:spcBef>
+                <a:spcPts val="750"/>
+              </a:spcBef>
+              <a:spcAft>
+                <a:spcPts val="0"/>
+              </a:spcAft>
+              <a:buClr>
+                <a:schemeClr val="accent1"/>
+              </a:buClr>
+              <a:buSzPct val="80000"/>
+              <a:buFont typeface="Wingdings 3" charset="2"/>
+              <a:buNone/>
+              <a:defRPr sz="1400" kern="1200">
+                <a:solidFill>
+                  <a:schemeClr val="tx1">
+                    <a:lumMod val="50000"/>
+                    <a:lumOff val="50000"/>
+                  </a:schemeClr>
+                </a:solidFill>
+                <a:latin typeface="+mn-lt"/>
+                <a:ea typeface="+mn-ea"/>
+                <a:cs typeface="+mn-cs"/>
+              </a:defRPr>
+            </a:lvl1pPr>
+            <a:lvl2pPr marL="342900" indent="0" algn="ctr" defTabSz="342900" rtl="0" eaLnBrk="1" latinLnBrk="0" hangingPunct="1">
+              <a:spcBef>
+                <a:spcPts val="750"/>
+              </a:spcBef>
+              <a:spcAft>
+                <a:spcPts val="0"/>
+              </a:spcAft>
+              <a:buClr>
+                <a:schemeClr val="accent1"/>
+              </a:buClr>
+              <a:buSzPct val="80000"/>
+              <a:buFont typeface="Wingdings 3" charset="2"/>
+              <a:buNone/>
+              <a:defRPr sz="1200" kern="1200">
+                <a:solidFill>
+                  <a:schemeClr val="tx1">
+                    <a:tint val="75000"/>
+                  </a:schemeClr>
+                </a:solidFill>
+                <a:latin typeface="+mn-lt"/>
+                <a:ea typeface="+mn-ea"/>
+                <a:cs typeface="+mn-cs"/>
+              </a:defRPr>
+            </a:lvl2pPr>
+            <a:lvl3pPr marL="685800" indent="0" algn="ctr" defTabSz="342900" rtl="0" eaLnBrk="1" latinLnBrk="0" hangingPunct="1">
+              <a:spcBef>
+                <a:spcPts val="750"/>
+              </a:spcBef>
+              <a:spcAft>
+                <a:spcPts val="0"/>
+              </a:spcAft>
+              <a:buClr>
+                <a:schemeClr val="accent1"/>
+              </a:buClr>
+              <a:buSzPct val="80000"/>
+              <a:buFont typeface="Wingdings 3" charset="2"/>
+              <a:buNone/>
+              <a:defRPr sz="1100" kern="1200">
+                <a:solidFill>
+                  <a:schemeClr val="tx1">
+                    <a:tint val="75000"/>
+                  </a:schemeClr>
+                </a:solidFill>
+                <a:latin typeface="+mn-lt"/>
+                <a:ea typeface="+mn-ea"/>
+                <a:cs typeface="+mn-cs"/>
+              </a:defRPr>
+            </a:lvl3pPr>
+            <a:lvl4pPr marL="1028700" indent="0" algn="ctr" defTabSz="342900" rtl="0" eaLnBrk="1" latinLnBrk="0" hangingPunct="1">
+              <a:spcBef>
+                <a:spcPts val="750"/>
+              </a:spcBef>
+              <a:spcAft>
+                <a:spcPts val="0"/>
+              </a:spcAft>
+              <a:buClr>
+                <a:schemeClr val="accent1"/>
+              </a:buClr>
+              <a:buSzPct val="80000"/>
+              <a:buFont typeface="Wingdings 3" charset="2"/>
+              <a:buNone/>
+              <a:defRPr sz="900" kern="1200">
+                <a:solidFill>
+                  <a:schemeClr val="tx1">
+                    <a:tint val="75000"/>
+                  </a:schemeClr>
+                </a:solidFill>
+                <a:latin typeface="+mn-lt"/>
+                <a:ea typeface="+mn-ea"/>
+                <a:cs typeface="+mn-cs"/>
+              </a:defRPr>
+            </a:lvl4pPr>
+            <a:lvl5pPr marL="1371600" indent="0" algn="ctr" defTabSz="342900" rtl="0" eaLnBrk="1" latinLnBrk="0" hangingPunct="1">
+              <a:spcBef>
+                <a:spcPts val="750"/>
+              </a:spcBef>
+              <a:spcAft>
+                <a:spcPts val="0"/>
+              </a:spcAft>
+              <a:buClr>
+                <a:schemeClr val="accent1"/>
+              </a:buClr>
+              <a:buSzPct val="80000"/>
+              <a:buFont typeface="Wingdings 3" charset="2"/>
+              <a:buNone/>
+              <a:defRPr sz="900" kern="1200">
+                <a:solidFill>
+                  <a:schemeClr val="tx1">
+                    <a:tint val="75000"/>
+                  </a:schemeClr>
+                </a:solidFill>
+                <a:latin typeface="+mn-lt"/>
+                <a:ea typeface="+mn-ea"/>
+                <a:cs typeface="+mn-cs"/>
+              </a:defRPr>
+            </a:lvl5pPr>
+            <a:lvl6pPr marL="1714500" indent="0" algn="ctr" defTabSz="342900" rtl="0" eaLnBrk="1" latinLnBrk="0" hangingPunct="1">
+              <a:spcBef>
+                <a:spcPts val="750"/>
+              </a:spcBef>
+              <a:spcAft>
+                <a:spcPts val="0"/>
+              </a:spcAft>
+              <a:buClr>
+                <a:schemeClr val="accent1"/>
+              </a:buClr>
+              <a:buSzPct val="80000"/>
+              <a:buFont typeface="Wingdings 3" charset="2"/>
+              <a:buNone/>
+              <a:defRPr sz="900" kern="1200">
+                <a:solidFill>
+                  <a:schemeClr val="tx1">
+                    <a:tint val="75000"/>
+                  </a:schemeClr>
+                </a:solidFill>
+                <a:latin typeface="+mn-lt"/>
+                <a:ea typeface="+mn-ea"/>
+                <a:cs typeface="+mn-cs"/>
+              </a:defRPr>
+            </a:lvl6pPr>
+            <a:lvl7pPr marL="2057400" indent="0" algn="ctr" defTabSz="342900" rtl="0" eaLnBrk="1" latinLnBrk="0" hangingPunct="1">
+              <a:spcBef>
+                <a:spcPts val="750"/>
+              </a:spcBef>
+              <a:spcAft>
+                <a:spcPts val="0"/>
+              </a:spcAft>
+              <a:buClr>
+                <a:schemeClr val="accent1"/>
+              </a:buClr>
+              <a:buSzPct val="80000"/>
+              <a:buFont typeface="Wingdings 3" charset="2"/>
+              <a:buNone/>
+              <a:defRPr sz="900" kern="1200">
+                <a:solidFill>
+                  <a:schemeClr val="tx1">
+                    <a:tint val="75000"/>
+                  </a:schemeClr>
+                </a:solidFill>
+                <a:latin typeface="+mn-lt"/>
+                <a:ea typeface="+mn-ea"/>
+                <a:cs typeface="+mn-cs"/>
+              </a:defRPr>
+            </a:lvl7pPr>
+            <a:lvl8pPr marL="2400300" indent="0" algn="ctr" defTabSz="342900" rtl="0" eaLnBrk="1" latinLnBrk="0" hangingPunct="1">
+              <a:spcBef>
+                <a:spcPts val="750"/>
+              </a:spcBef>
+              <a:spcAft>
+                <a:spcPts val="0"/>
+              </a:spcAft>
+              <a:buClr>
+                <a:schemeClr val="accent1"/>
+              </a:buClr>
+              <a:buSzPct val="80000"/>
+              <a:buFont typeface="Wingdings 3" charset="2"/>
+              <a:buNone/>
+              <a:defRPr sz="900" kern="1200">
+                <a:solidFill>
+                  <a:schemeClr val="tx1">
+                    <a:tint val="75000"/>
+                  </a:schemeClr>
+                </a:solidFill>
+                <a:latin typeface="+mn-lt"/>
+                <a:ea typeface="+mn-ea"/>
+                <a:cs typeface="+mn-cs"/>
+              </a:defRPr>
+            </a:lvl8pPr>
+            <a:lvl9pPr marL="2743200" indent="0" algn="ctr" defTabSz="342900" rtl="0" eaLnBrk="1" latinLnBrk="0" hangingPunct="1">
+              <a:spcBef>
+                <a:spcPts val="750"/>
+              </a:spcBef>
+              <a:spcAft>
+                <a:spcPts val="0"/>
+              </a:spcAft>
+              <a:buClr>
+                <a:schemeClr val="accent1"/>
+              </a:buClr>
+              <a:buSzPct val="80000"/>
+              <a:buFont typeface="Wingdings 3" charset="2"/>
+              <a:buNone/>
+              <a:defRPr sz="900" kern="1200">
+                <a:solidFill>
+                  <a:schemeClr val="tx1">
+                    <a:tint val="75000"/>
+                  </a:schemeClr>
+                </a:solidFill>
+                <a:latin typeface="+mn-lt"/>
+                <a:ea typeface="+mn-ea"/>
+                <a:cs typeface="+mn-cs"/>
+              </a:defRPr>
+            </a:lvl9pPr>
+          </a:lstStyle>
+          <a:p>
+            <a:r>
+              <a:rPr lang="en-GB" dirty="0" smtClean="0"/>
+              <a:t>PIC16F175xx</a:t>
+            </a:r>
+            <a:endParaRPr lang="en-GB" dirty="0" smtClean="0"/>
+          </a:p>
+          <a:p>
+            <a:r>
+              <a:rPr lang="en-GB" dirty="0" smtClean="0"/>
+              <a:t>Part 2 – sequence the LEDs </a:t>
+            </a:r>
+            <a:endParaRPr lang="en-GB" dirty="0"/>
+          </a:p>
+        </p:txBody>
+      </p:sp>
+      <p:pic>
+        <p:nvPicPr>
+          <p:cNvPr id="7" name="Picture 4" descr="PIC16F17556 | Microchip Technology"/>
+          <p:cNvPicPr>
+            <a:picLocks noChangeAspect="1" noChangeArrowheads="1"/>
+          </p:cNvPicPr>
+          <p:nvPr/>
+        </p:nvPicPr>
+        <p:blipFill>
+          <a:blip r:embed="rId3" cstate="print">
+            <a:extLst>
+              <a:ext uri="{28A0092B-C50C-407E-A947-70E740481C1C}">
+                <a14:useLocalDpi xmlns:a14="http://schemas.microsoft.com/office/drawing/2010/main" val="0"/>
+              </a:ext>
+            </a:extLst>
+          </a:blip>
+          <a:srcRect/>
+          <a:stretch>
+            <a:fillRect/>
+          </a:stretch>
+        </p:blipFill>
+        <p:spPr bwMode="auto">
+          <a:xfrm>
+            <a:off x="6721801" y="3974993"/>
+            <a:ext cx="2415427" cy="1178257"/>
+          </a:xfrm>
+          <a:prstGeom prst="rect">
+            <a:avLst/>
+          </a:prstGeom>
+          <a:noFill/>
+          <a:extLst>
+            <a:ext uri="{909E8E84-426E-40DD-AFC4-6F175D3DCCD1}">
+              <a14:hiddenFill xmlns:a14="http://schemas.microsoft.com/office/drawing/2010/main">
+                <a:solidFill>
+                  <a:srgbClr val="FFFFFF"/>
+                </a:solidFill>
+              </a14:hiddenFill>
+            </a:ext>
+          </a:extLst>
+        </p:spPr>
+      </p:pic>
+      <p:pic>
+        <p:nvPicPr>
+          <p:cNvPr id="9" name="Picture 6" descr="PIC16F19175 | Microchip Technology"/>
+          <p:cNvPicPr>
+            <a:picLocks noChangeAspect="1" noChangeArrowheads="1"/>
+          </p:cNvPicPr>
+          <p:nvPr/>
+        </p:nvPicPr>
+        <p:blipFill>
+          <a:blip r:embed="rId4" cstate="print">
+            <a:extLst>
+              <a:ext uri="{28A0092B-C50C-407E-A947-70E740481C1C}">
+                <a14:useLocalDpi xmlns:a14="http://schemas.microsoft.com/office/drawing/2010/main" val="0"/>
+              </a:ext>
+            </a:extLst>
+          </a:blip>
+          <a:srcRect/>
+          <a:stretch>
+            <a:fillRect/>
+          </a:stretch>
+        </p:blipFill>
+        <p:spPr bwMode="auto">
+          <a:xfrm>
+            <a:off x="2615057" y="3943142"/>
+            <a:ext cx="1384038" cy="1192111"/>
+          </a:xfrm>
+          <a:prstGeom prst="rect">
+            <a:avLst/>
+          </a:prstGeom>
+          <a:noFill/>
+          <a:extLst>
+            <a:ext uri="{909E8E84-426E-40DD-AFC4-6F175D3DCCD1}">
+              <a14:hiddenFill xmlns:a14="http://schemas.microsoft.com/office/drawing/2010/main">
+                <a:solidFill>
+                  <a:srgbClr val="FFFFFF"/>
+                </a:solidFill>
+              </a14:hiddenFill>
+            </a:ext>
+          </a:extLst>
+        </p:spPr>
+      </p:pic>
+    </p:spTree>
+    <p:extLst>
+      <p:ext uri="{BB962C8B-B14F-4D97-AF65-F5344CB8AC3E}">
+        <p14:creationId xmlns:p14="http://schemas.microsoft.com/office/powerpoint/2010/main" val="3989497422"/>
+      </p:ext>
+    </p:extLst>
+  </p:cSld>
+  <p:clrMapOvr>
+    <a:masterClrMapping/>
+  </p:clrMapOvr>
+  <mc:AlternateContent xmlns:mc="http://schemas.openxmlformats.org/markup-compatibility/2006" xmlns:p14="http://schemas.microsoft.com/office/powerpoint/2010/main">
+    <mc:Choice Requires="p14">
+      <p:transition spd="slow" p14:dur="2000"/>
+    </mc:Choice>
+    <mc:Fallback xmlns="">
+      <p:transition spd="slow"/>
+    </mc:Fallback>
+  </mc:AlternateContent>
+  <p:timing>
+    <p:tnLst>
+      <p:par>
+        <p:cTn id="1" dur="indefinite" restart="never" nodeType="tmRoot"/>
+      </p:par>
+    </p:tnLst>
+  </p:timing>
+</p:sld>
+</file>
+
+<file path=ppt/slides/slide2.xml><?xml version="1.0" encoding="utf-8"?>
+<p:sld xmlns:a="http://schemas.openxmlformats.org/drawingml/2006/main" xmlns:r="http://schemas.openxmlformats.org/officeDocument/2006/relationships" xmlns:p="http://schemas.openxmlformats.org/presentationml/2006/main">
+  <p:cSld>
+    <p:spTree>
+      <p:nvGrpSpPr>
+        <p:cNvPr id="1" name=""/>
+        <p:cNvGrpSpPr/>
+        <p:nvPr/>
+      </p:nvGrpSpPr>
+      <p:grpSpPr>
+        <a:xfrm>
+          <a:off x="0" y="0"/>
+          <a:ext cx="0" cy="0"/>
+          <a:chOff x="0" y="0"/>
+          <a:chExt cx="0" cy="0"/>
+        </a:xfrm>
+      </p:grpSpPr>
+      <p:sp>
+        <p:nvSpPr>
+          <p:cNvPr id="2" name="Title 1"/>
+          <p:cNvSpPr>
+            <a:spLocks noGrp="1"/>
+          </p:cNvSpPr>
+          <p:nvPr>
+            <p:ph type="ctrTitle"/>
+          </p:nvPr>
+        </p:nvSpPr>
+        <p:spPr/>
+        <p:txBody>
+          <a:bodyPr/>
+          <a:lstStyle/>
+          <a:p>
+            <a:r>
+              <a:rPr lang="en-GB" dirty="0" smtClean="0"/>
+              <a:t>GCBASIC</a:t>
+            </a:r>
+            <a:endParaRPr lang="en-GB" dirty="0"/>
+          </a:p>
+        </p:txBody>
+      </p:sp>
+      <p:pic>
+        <p:nvPicPr>
+          <p:cNvPr id="1026" name="Picture 2" descr="D:\Build\AnobiumTransparent.jpg"/>
+          <p:cNvPicPr>
+            <a:picLocks noChangeAspect="1" noChangeArrowheads="1"/>
+          </p:cNvPicPr>
+          <p:nvPr/>
+        </p:nvPicPr>
+        <p:blipFill>
+          <a:blip r:embed="rId2" cstate="print"/>
+          <a:srcRect/>
+          <a:stretch>
+            <a:fillRect/>
+          </a:stretch>
+        </p:blipFill>
+        <p:spPr bwMode="auto">
+          <a:xfrm>
+            <a:off x="5292080" y="911052"/>
+            <a:ext cx="1828859" cy="771550"/>
+          </a:xfrm>
+          <a:prstGeom prst="rect">
+            <a:avLst/>
+          </a:prstGeom>
+          <a:noFill/>
+        </p:spPr>
+      </p:pic>
+      <p:sp>
+        <p:nvSpPr>
+          <p:cNvPr id="4" name="AutoShape 2" descr="ICSP connection"/>
+          <p:cNvSpPr>
+            <a:spLocks noChangeAspect="1" noChangeArrowheads="1"/>
+          </p:cNvSpPr>
+          <p:nvPr/>
+        </p:nvSpPr>
+        <p:spPr bwMode="auto">
+          <a:xfrm>
+            <a:off x="155575" y="-144462"/>
+            <a:ext cx="304800" cy="304801"/>
+          </a:xfrm>
+          <a:prstGeom prst="rect">
+            <a:avLst/>
+          </a:prstGeom>
+          <a:noFill/>
+        </p:spPr>
+        <p:txBody>
+          <a:bodyPr vert="horz" wrap="square" lIns="85064" tIns="42531" rIns="85064" bIns="42531" numCol="1" anchor="t" anchorCtr="0" compatLnSpc="1">
+            <a:prstTxWarp prst="textNoShape">
+              <a:avLst/>
+            </a:prstTxWarp>
+          </a:bodyPr>
+          <a:lstStyle/>
+          <a:p>
+            <a:endParaRPr lang="en-GB" dirty="0"/>
+          </a:p>
+        </p:txBody>
+      </p:sp>
+      <p:sp>
+        <p:nvSpPr>
+          <p:cNvPr id="8" name="Text Placeholder 4"/>
+          <p:cNvSpPr txBox="1">
+            <a:spLocks/>
+          </p:cNvSpPr>
+          <p:nvPr/>
+        </p:nvSpPr>
+        <p:spPr>
+          <a:xfrm>
+            <a:off x="3805512" y="2931790"/>
+            <a:ext cx="3342861" cy="645300"/>
+          </a:xfrm>
+          <a:prstGeom prst="rect">
+            <a:avLst/>
+          </a:prstGeom>
+        </p:spPr>
+        <p:txBody>
+          <a:bodyPr vert="horz" lIns="68580" tIns="34290" rIns="68580" bIns="34290" rtlCol="0" anchor="t">
+            <a:normAutofit/>
+          </a:bodyPr>
+          <a:lstStyle>
+            <a:lvl1pPr marL="0" indent="0" algn="r" defTabSz="342900" rtl="0" eaLnBrk="1" latinLnBrk="0" hangingPunct="1">
+              <a:spcBef>
+                <a:spcPts val="750"/>
+              </a:spcBef>
+              <a:spcAft>
+                <a:spcPts val="0"/>
+              </a:spcAft>
+              <a:buClr>
+                <a:schemeClr val="accent1"/>
+              </a:buClr>
+              <a:buSzPct val="80000"/>
+              <a:buFont typeface="Wingdings 3" charset="2"/>
+              <a:buNone/>
+              <a:defRPr sz="1400" kern="1200">
+                <a:solidFill>
+                  <a:schemeClr val="tx1">
+                    <a:lumMod val="50000"/>
+                    <a:lumOff val="50000"/>
+                  </a:schemeClr>
+                </a:solidFill>
+                <a:latin typeface="+mn-lt"/>
+                <a:ea typeface="+mn-ea"/>
+                <a:cs typeface="+mn-cs"/>
+              </a:defRPr>
+            </a:lvl1pPr>
+            <a:lvl2pPr marL="342900" indent="0" algn="ctr" defTabSz="342900" rtl="0" eaLnBrk="1" latinLnBrk="0" hangingPunct="1">
+              <a:spcBef>
+                <a:spcPts val="750"/>
+              </a:spcBef>
+              <a:spcAft>
+                <a:spcPts val="0"/>
+              </a:spcAft>
+              <a:buClr>
+                <a:schemeClr val="accent1"/>
+              </a:buClr>
+              <a:buSzPct val="80000"/>
+              <a:buFont typeface="Wingdings 3" charset="2"/>
+              <a:buNone/>
+              <a:defRPr sz="1200" kern="1200">
+                <a:solidFill>
+                  <a:schemeClr val="tx1">
+                    <a:tint val="75000"/>
+                  </a:schemeClr>
+                </a:solidFill>
+                <a:latin typeface="+mn-lt"/>
+                <a:ea typeface="+mn-ea"/>
+                <a:cs typeface="+mn-cs"/>
+              </a:defRPr>
+            </a:lvl2pPr>
+            <a:lvl3pPr marL="685800" indent="0" algn="ctr" defTabSz="342900" rtl="0" eaLnBrk="1" latinLnBrk="0" hangingPunct="1">
+              <a:spcBef>
+                <a:spcPts val="750"/>
+              </a:spcBef>
+              <a:spcAft>
+                <a:spcPts val="0"/>
+              </a:spcAft>
+              <a:buClr>
+                <a:schemeClr val="accent1"/>
+              </a:buClr>
+              <a:buSzPct val="80000"/>
+              <a:buFont typeface="Wingdings 3" charset="2"/>
+              <a:buNone/>
+              <a:defRPr sz="1100" kern="1200">
+                <a:solidFill>
+                  <a:schemeClr val="tx1">
+                    <a:tint val="75000"/>
+                  </a:schemeClr>
+                </a:solidFill>
+                <a:latin typeface="+mn-lt"/>
+                <a:ea typeface="+mn-ea"/>
+                <a:cs typeface="+mn-cs"/>
+              </a:defRPr>
+            </a:lvl3pPr>
+            <a:lvl4pPr marL="1028700" indent="0" algn="ctr" defTabSz="342900" rtl="0" eaLnBrk="1" latinLnBrk="0" hangingPunct="1">
+              <a:spcBef>
+                <a:spcPts val="750"/>
+              </a:spcBef>
+              <a:spcAft>
+                <a:spcPts val="0"/>
+              </a:spcAft>
+              <a:buClr>
+                <a:schemeClr val="accent1"/>
+              </a:buClr>
+              <a:buSzPct val="80000"/>
+              <a:buFont typeface="Wingdings 3" charset="2"/>
+              <a:buNone/>
+              <a:defRPr sz="900" kern="1200">
+                <a:solidFill>
+                  <a:schemeClr val="tx1">
+                    <a:tint val="75000"/>
+                  </a:schemeClr>
+                </a:solidFill>
+                <a:latin typeface="+mn-lt"/>
+                <a:ea typeface="+mn-ea"/>
+                <a:cs typeface="+mn-cs"/>
+              </a:defRPr>
+            </a:lvl4pPr>
+            <a:lvl5pPr marL="1371600" indent="0" algn="ctr" defTabSz="342900" rtl="0" eaLnBrk="1" latinLnBrk="0" hangingPunct="1">
+              <a:spcBef>
+                <a:spcPts val="750"/>
+              </a:spcBef>
+              <a:spcAft>
+                <a:spcPts val="0"/>
+              </a:spcAft>
+              <a:buClr>
+                <a:schemeClr val="accent1"/>
+              </a:buClr>
+              <a:buSzPct val="80000"/>
+              <a:buFont typeface="Wingdings 3" charset="2"/>
+              <a:buNone/>
+              <a:defRPr sz="900" kern="1200">
+                <a:solidFill>
+                  <a:schemeClr val="tx1">
+                    <a:tint val="75000"/>
+                  </a:schemeClr>
+                </a:solidFill>
+                <a:latin typeface="+mn-lt"/>
+                <a:ea typeface="+mn-ea"/>
+                <a:cs typeface="+mn-cs"/>
+              </a:defRPr>
+            </a:lvl5pPr>
+            <a:lvl6pPr marL="1714500" indent="0" algn="ctr" defTabSz="342900" rtl="0" eaLnBrk="1" latinLnBrk="0" hangingPunct="1">
+              <a:spcBef>
+                <a:spcPts val="750"/>
+              </a:spcBef>
+              <a:spcAft>
+                <a:spcPts val="0"/>
+              </a:spcAft>
+              <a:buClr>
+                <a:schemeClr val="accent1"/>
+              </a:buClr>
+              <a:buSzPct val="80000"/>
+              <a:buFont typeface="Wingdings 3" charset="2"/>
+              <a:buNone/>
+              <a:defRPr sz="900" kern="1200">
+                <a:solidFill>
+                  <a:schemeClr val="tx1">
+                    <a:tint val="75000"/>
+                  </a:schemeClr>
+                </a:solidFill>
+                <a:latin typeface="+mn-lt"/>
+                <a:ea typeface="+mn-ea"/>
+                <a:cs typeface="+mn-cs"/>
+              </a:defRPr>
+            </a:lvl6pPr>
+            <a:lvl7pPr marL="2057400" indent="0" algn="ctr" defTabSz="342900" rtl="0" eaLnBrk="1" latinLnBrk="0" hangingPunct="1">
+              <a:spcBef>
+                <a:spcPts val="750"/>
+              </a:spcBef>
+              <a:spcAft>
+                <a:spcPts val="0"/>
+              </a:spcAft>
+              <a:buClr>
+                <a:schemeClr val="accent1"/>
+              </a:buClr>
+              <a:buSzPct val="80000"/>
+              <a:buFont typeface="Wingdings 3" charset="2"/>
+              <a:buNone/>
+              <a:defRPr sz="900" kern="1200">
+                <a:solidFill>
+                  <a:schemeClr val="tx1">
+                    <a:tint val="75000"/>
+                  </a:schemeClr>
+                </a:solidFill>
+                <a:latin typeface="+mn-lt"/>
+                <a:ea typeface="+mn-ea"/>
+                <a:cs typeface="+mn-cs"/>
+              </a:defRPr>
+            </a:lvl7pPr>
+            <a:lvl8pPr marL="2400300" indent="0" algn="ctr" defTabSz="342900" rtl="0" eaLnBrk="1" latinLnBrk="0" hangingPunct="1">
+              <a:spcBef>
+                <a:spcPts val="750"/>
+              </a:spcBef>
+              <a:spcAft>
+                <a:spcPts val="0"/>
+              </a:spcAft>
+              <a:buClr>
+                <a:schemeClr val="accent1"/>
+              </a:buClr>
+              <a:buSzPct val="80000"/>
+              <a:buFont typeface="Wingdings 3" charset="2"/>
+              <a:buNone/>
+              <a:defRPr sz="900" kern="1200">
+                <a:solidFill>
+                  <a:schemeClr val="tx1">
+                    <a:tint val="75000"/>
+                  </a:schemeClr>
+                </a:solidFill>
+                <a:latin typeface="+mn-lt"/>
+                <a:ea typeface="+mn-ea"/>
+                <a:cs typeface="+mn-cs"/>
+              </a:defRPr>
+            </a:lvl8pPr>
+            <a:lvl9pPr marL="2743200" indent="0" algn="ctr" defTabSz="342900" rtl="0" eaLnBrk="1" latinLnBrk="0" hangingPunct="1">
+              <a:spcBef>
+                <a:spcPts val="750"/>
+              </a:spcBef>
+              <a:spcAft>
+                <a:spcPts val="0"/>
+              </a:spcAft>
+              <a:buClr>
+                <a:schemeClr val="accent1"/>
+              </a:buClr>
+              <a:buSzPct val="80000"/>
+              <a:buFont typeface="Wingdings 3" charset="2"/>
+              <a:buNone/>
+              <a:defRPr sz="900" kern="1200">
+                <a:solidFill>
+                  <a:schemeClr val="tx1">
+                    <a:tint val="75000"/>
+                  </a:schemeClr>
+                </a:solidFill>
+                <a:latin typeface="+mn-lt"/>
+                <a:ea typeface="+mn-ea"/>
+                <a:cs typeface="+mn-cs"/>
+              </a:defRPr>
+            </a:lvl9pPr>
+          </a:lstStyle>
+          <a:p>
+            <a:r>
+              <a:rPr lang="en-GB" dirty="0" smtClean="0"/>
+              <a:t>PIC16F175xx</a:t>
+            </a:r>
+            <a:endParaRPr lang="en-GB" dirty="0" smtClean="0"/>
+          </a:p>
+          <a:p>
+            <a:r>
+              <a:rPr lang="en-GB" dirty="0" smtClean="0"/>
+              <a:t>Part 2 – sequence the LEDs </a:t>
+            </a:r>
+            <a:endParaRPr lang="en-GB" dirty="0"/>
+          </a:p>
+        </p:txBody>
+      </p:sp>
+      <p:pic>
+        <p:nvPicPr>
+          <p:cNvPr id="7" name="Picture 4" descr="PIC16F17556 | Microchip Technology"/>
+          <p:cNvPicPr>
+            <a:picLocks noChangeAspect="1" noChangeArrowheads="1"/>
+          </p:cNvPicPr>
+          <p:nvPr/>
+        </p:nvPicPr>
+        <p:blipFill>
+          <a:blip r:embed="rId3" cstate="print">
+            <a:extLst>
+              <a:ext uri="{28A0092B-C50C-407E-A947-70E740481C1C}">
+                <a14:useLocalDpi xmlns:a14="http://schemas.microsoft.com/office/drawing/2010/main" val="0"/>
+              </a:ext>
+            </a:extLst>
+          </a:blip>
+          <a:srcRect/>
+          <a:stretch>
+            <a:fillRect/>
+          </a:stretch>
+        </p:blipFill>
+        <p:spPr bwMode="auto">
+          <a:xfrm>
+            <a:off x="6721801" y="3974993"/>
+            <a:ext cx="2415427" cy="1178257"/>
+          </a:xfrm>
+          <a:prstGeom prst="rect">
+            <a:avLst/>
+          </a:prstGeom>
+          <a:noFill/>
+          <a:extLst>
+            <a:ext uri="{909E8E84-426E-40DD-AFC4-6F175D3DCCD1}">
+              <a14:hiddenFill xmlns:a14="http://schemas.microsoft.com/office/drawing/2010/main">
+                <a:solidFill>
+                  <a:srgbClr val="FFFFFF"/>
+                </a:solidFill>
+              </a14:hiddenFill>
+            </a:ext>
+          </a:extLst>
+        </p:spPr>
+      </p:pic>
+      <p:pic>
+        <p:nvPicPr>
+          <p:cNvPr id="9" name="Picture 6" descr="PIC16F19175 | Microchip Technology"/>
+          <p:cNvPicPr>
+            <a:picLocks noChangeAspect="1" noChangeArrowheads="1"/>
+          </p:cNvPicPr>
+          <p:nvPr/>
+        </p:nvPicPr>
+        <p:blipFill>
+          <a:blip r:embed="rId4" cstate="print">
+            <a:extLst>
+              <a:ext uri="{28A0092B-C50C-407E-A947-70E740481C1C}">
+                <a14:useLocalDpi xmlns:a14="http://schemas.microsoft.com/office/drawing/2010/main" val="0"/>
+              </a:ext>
+            </a:extLst>
+          </a:blip>
+          <a:srcRect/>
+          <a:stretch>
+            <a:fillRect/>
+          </a:stretch>
+        </p:blipFill>
+        <p:spPr bwMode="auto">
+          <a:xfrm>
+            <a:off x="2615057" y="3943142"/>
+            <a:ext cx="1384038" cy="1192111"/>
+          </a:xfrm>
+          <a:prstGeom prst="rect">
+            <a:avLst/>
+          </a:prstGeom>
+          <a:noFill/>
+          <a:extLst>
+            <a:ext uri="{909E8E84-426E-40DD-AFC4-6F175D3DCCD1}">
+              <a14:hiddenFill xmlns:a14="http://schemas.microsoft.com/office/drawing/2010/main">
+                <a:solidFill>
+                  <a:srgbClr val="FFFFFF"/>
+                </a:solidFill>
+              </a14:hiddenFill>
+            </a:ext>
+          </a:extLst>
+        </p:spPr>
+      </p:pic>
+    </p:spTree>
+  </p:cSld>
+  <p:clrMapOvr>
+    <a:masterClrMapping/>
+  </p:clrMapOvr>
+  <mc:AlternateContent xmlns:mc="http://schemas.openxmlformats.org/markup-compatibility/2006" xmlns:p14="http://schemas.microsoft.com/office/powerpoint/2010/main">
+    <mc:Choice Requires="p14">
+      <p:transition spd="slow" p14:dur="2000"/>
+    </mc:Choice>
+    <mc:Fallback xmlns="">
+      <p:transition spd="slow"/>
+    </mc:Fallback>
+  </mc:AlternateContent>
+  <p:timing>
+    <p:tnLst>
+      <p:par>
+        <p:cTn id="1" dur="indefinite" restart="never" nodeType="tmRoot"/>
+      </p:par>
+    </p:tnLst>
+  </p:timing>
+</p:sld>
+</file>
+
+<file path=ppt/slides/slide3.xml><?xml version="1.0" encoding="utf-8"?>
+<p:sld xmlns:a="http://schemas.openxmlformats.org/drawingml/2006/main" xmlns:r="http://schemas.openxmlformats.org/officeDocument/2006/relationships" xmlns:p="http://schemas.openxmlformats.org/presentationml/2006/main">
+  <p:cSld>
+    <p:spTree>
+      <p:nvGrpSpPr>
+        <p:cNvPr id="1" name=""/>
+        <p:cNvGrpSpPr/>
+        <p:nvPr/>
+      </p:nvGrpSpPr>
+      <p:grpSpPr>
+        <a:xfrm>
+          <a:off x="0" y="0"/>
+          <a:ext cx="0" cy="0"/>
+          <a:chOff x="0" y="0"/>
+          <a:chExt cx="0" cy="0"/>
+        </a:xfrm>
+      </p:grpSpPr>
+      <p:sp>
+        <p:nvSpPr>
+          <p:cNvPr id="2" name="Title 1"/>
+          <p:cNvSpPr>
+            <a:spLocks noGrp="1"/>
+          </p:cNvSpPr>
+          <p:nvPr>
+            <p:ph type="title"/>
+          </p:nvPr>
+        </p:nvSpPr>
+        <p:spPr/>
+        <p:txBody>
+          <a:bodyPr/>
+          <a:lstStyle/>
+          <a:p>
+            <a:r>
+              <a:rPr lang="en-GB" dirty="0" smtClean="0"/>
+              <a:t>GCBASIC</a:t>
+            </a:r>
+            <a:endParaRPr lang="en-GB" dirty="0"/>
+          </a:p>
+        </p:txBody>
+      </p:sp>
+      <p:pic>
+        <p:nvPicPr>
+          <p:cNvPr id="1026" name="Picture 2" descr="D:\Build\AnobiumTransparent.jpg"/>
+          <p:cNvPicPr>
+            <a:picLocks noChangeAspect="1" noChangeArrowheads="1"/>
+          </p:cNvPicPr>
+          <p:nvPr/>
+        </p:nvPicPr>
+        <p:blipFill>
+          <a:blip r:embed="rId2" cstate="print"/>
+          <a:srcRect/>
+          <a:stretch>
+            <a:fillRect/>
+          </a:stretch>
+        </p:blipFill>
+        <p:spPr bwMode="auto">
+          <a:xfrm>
+            <a:off x="5292080" y="911052"/>
+            <a:ext cx="1828859" cy="771550"/>
+          </a:xfrm>
+          <a:prstGeom prst="rect">
+            <a:avLst/>
+          </a:prstGeom>
+          <a:noFill/>
+        </p:spPr>
+      </p:pic>
+      <p:sp>
+        <p:nvSpPr>
+          <p:cNvPr id="4" name="AutoShape 2" descr="ICSP connection"/>
+          <p:cNvSpPr>
+            <a:spLocks noChangeAspect="1" noChangeArrowheads="1"/>
+          </p:cNvSpPr>
+          <p:nvPr/>
+        </p:nvSpPr>
+        <p:spPr bwMode="auto">
+          <a:xfrm>
+            <a:off x="155575" y="-144462"/>
+            <a:ext cx="304800" cy="304801"/>
+          </a:xfrm>
+          <a:prstGeom prst="rect">
+            <a:avLst/>
+          </a:prstGeom>
+          <a:noFill/>
+        </p:spPr>
+        <p:txBody>
+          <a:bodyPr vert="horz" wrap="square" lIns="85064" tIns="42531" rIns="85064" bIns="42531" numCol="1" anchor="t" anchorCtr="0" compatLnSpc="1">
+            <a:prstTxWarp prst="textNoShape">
+              <a:avLst/>
+            </a:prstTxWarp>
+          </a:bodyPr>
+          <a:lstStyle/>
+          <a:p>
+            <a:endParaRPr lang="en-GB" dirty="0"/>
+          </a:p>
+        </p:txBody>
+      </p:sp>
+      <p:sp>
+        <p:nvSpPr>
+          <p:cNvPr id="7" name="Rectangle 6"/>
+          <p:cNvSpPr/>
+          <p:nvPr/>
+        </p:nvSpPr>
+        <p:spPr>
+          <a:xfrm>
+            <a:off x="539552" y="2067694"/>
+            <a:ext cx="7367888" cy="707886"/>
+          </a:xfrm>
+          <a:prstGeom prst="rect">
+            <a:avLst/>
+          </a:prstGeom>
+          <a:noFill/>
+        </p:spPr>
+        <p:txBody>
+          <a:bodyPr wrap="square" lIns="91440" tIns="45720" rIns="91440" bIns="45720">
+            <a:spAutoFit/>
+          </a:bodyPr>
+          <a:lstStyle/>
+          <a:p>
+            <a:pPr algn="ctr"/>
+            <a:r>
+              <a:rPr lang="en-US" sz="4000" b="1" dirty="0" smtClean="0">
+                <a:ln w="10541" cmpd="sng">
+                  <a:solidFill>
+                    <a:srgbClr val="7D7D7D">
+                      <a:tint val="100000"/>
+                      <a:shade val="100000"/>
+                      <a:satMod val="110000"/>
+                    </a:srgbClr>
+                  </a:solidFill>
+                  <a:prstDash val="solid"/>
+                </a:ln>
+                <a:solidFill>
+                  <a:srgbClr val="FF0000"/>
+                </a:solidFill>
+              </a:rPr>
+              <a:t>Like and subscribe</a:t>
+            </a:r>
+            <a:r>
+              <a:rPr lang="en-US" sz="4000" b="1" dirty="0">
+                <a:ln w="10541" cmpd="sng">
+                  <a:solidFill>
+                    <a:srgbClr val="7D7D7D">
+                      <a:tint val="100000"/>
+                      <a:shade val="100000"/>
+                      <a:satMod val="110000"/>
+                    </a:srgbClr>
+                  </a:solidFill>
+                  <a:prstDash val="solid"/>
+                </a:ln>
+                <a:solidFill>
+                  <a:srgbClr val="FF0000"/>
+                </a:solidFill>
+              </a:rPr>
+              <a:t>!</a:t>
+            </a:r>
+            <a:endParaRPr lang="en-US" sz="4000" b="1" dirty="0" smtClean="0">
+              <a:ln w="10541" cmpd="sng">
+                <a:solidFill>
+                  <a:srgbClr val="7D7D7D">
+                    <a:tint val="100000"/>
+                    <a:shade val="100000"/>
+                    <a:satMod val="110000"/>
+                  </a:srgbClr>
+                </a:solidFill>
+                <a:prstDash val="solid"/>
+              </a:ln>
+              <a:solidFill>
+                <a:srgbClr val="FF0000"/>
+              </a:solidFill>
+            </a:endParaRPr>
+          </a:p>
+        </p:txBody>
+      </p:sp>
+      <p:sp>
+        <p:nvSpPr>
+          <p:cNvPr id="11" name="Date Placeholder 3"/>
+          <p:cNvSpPr>
+            <a:spLocks noGrp="1"/>
+          </p:cNvSpPr>
+          <p:nvPr>
+            <p:ph type="dt" sz="half" idx="10"/>
+          </p:nvPr>
+        </p:nvSpPr>
+        <p:spPr>
+          <a:xfrm>
+            <a:off x="6113182" y="4384422"/>
+            <a:ext cx="354882" cy="305233"/>
+          </a:xfrm>
+        </p:spPr>
+        <p:txBody>
+          <a:bodyPr/>
+          <a:lstStyle/>
+          <a:p>
+            <a:fld id="{1E700B27-DE4C-4B9E-BB11-B9027034A00F}" type="datetimeFigureOut">
+              <a:rPr lang="en-US" smtClean="0"/>
+              <a:pPr/>
+              <a:t>11/14/2025</a:t>
+            </a:fld>
+            <a:endParaRPr lang="en-US" dirty="0"/>
+          </a:p>
+        </p:txBody>
+      </p:sp>
+      <p:pic>
+        <p:nvPicPr>
+          <p:cNvPr id="9" name="Picture 4" descr="PIC16F17556 | Microchip Technology"/>
+          <p:cNvPicPr>
+            <a:picLocks noChangeAspect="1" noChangeArrowheads="1"/>
+          </p:cNvPicPr>
+          <p:nvPr/>
+        </p:nvPicPr>
+        <p:blipFill>
+          <a:blip r:embed="rId3" cstate="print">
+            <a:extLst>
+              <a:ext uri="{28A0092B-C50C-407E-A947-70E740481C1C}">
+                <a14:useLocalDpi xmlns:a14="http://schemas.microsoft.com/office/drawing/2010/main" val="0"/>
+              </a:ext>
+            </a:extLst>
+          </a:blip>
+          <a:srcRect/>
+          <a:stretch>
+            <a:fillRect/>
+          </a:stretch>
+        </p:blipFill>
+        <p:spPr bwMode="auto">
+          <a:xfrm>
+            <a:off x="6721801" y="3974993"/>
+            <a:ext cx="2415427" cy="1178257"/>
+          </a:xfrm>
+          <a:prstGeom prst="rect">
+            <a:avLst/>
+          </a:prstGeom>
+          <a:noFill/>
+          <a:extLst>
+            <a:ext uri="{909E8E84-426E-40DD-AFC4-6F175D3DCCD1}">
+              <a14:hiddenFill xmlns:a14="http://schemas.microsoft.com/office/drawing/2010/main">
+                <a:solidFill>
+                  <a:srgbClr val="FFFFFF"/>
+                </a:solidFill>
+              </a14:hiddenFill>
+            </a:ext>
+          </a:extLst>
+        </p:spPr>
+      </p:pic>
+      <p:pic>
+        <p:nvPicPr>
+          <p:cNvPr id="12" name="Picture 6" descr="PIC16F19175 | Microchip Technology"/>
+          <p:cNvPicPr>
+            <a:picLocks noChangeAspect="1" noChangeArrowheads="1"/>
+          </p:cNvPicPr>
+          <p:nvPr/>
+        </p:nvPicPr>
+        <p:blipFill>
+          <a:blip r:embed="rId4" cstate="print">
+            <a:extLst>
+              <a:ext uri="{28A0092B-C50C-407E-A947-70E740481C1C}">
+                <a14:useLocalDpi xmlns:a14="http://schemas.microsoft.com/office/drawing/2010/main" val="0"/>
+              </a:ext>
+            </a:extLst>
+          </a:blip>
+          <a:srcRect/>
+          <a:stretch>
+            <a:fillRect/>
+          </a:stretch>
+        </p:blipFill>
+        <p:spPr bwMode="auto">
+          <a:xfrm>
+            <a:off x="2615057" y="3943142"/>
+            <a:ext cx="1384038" cy="1192111"/>
+          </a:xfrm>
+          <a:prstGeom prst="rect">
+            <a:avLst/>
+          </a:prstGeom>
+          <a:noFill/>
+          <a:extLst>
+            <a:ext uri="{909E8E84-426E-40DD-AFC4-6F175D3DCCD1}">
+              <a14:hiddenFill xmlns:a14="http://schemas.microsoft.com/office/drawing/2010/main">
+                <a:solidFill>
+                  <a:srgbClr val="FFFFFF"/>
+                </a:solidFill>
+              </a14:hiddenFill>
+            </a:ext>
+          </a:extLst>
+        </p:spPr>
+      </p:pic>
+    </p:spTree>
+    <p:extLst>
+      <p:ext uri="{BB962C8B-B14F-4D97-AF65-F5344CB8AC3E}">
+        <p14:creationId xmlns:p14="http://schemas.microsoft.com/office/powerpoint/2010/main" val="2553573428"/>
+      </p:ext>
+    </p:extLst>
+  </p:cSld>
+  <p:clrMapOvr>
+    <a:masterClrMapping/>
+  </p:clrMapOvr>
+  <mc:AlternateContent xmlns:mc="http://schemas.openxmlformats.org/markup-compatibility/2006" xmlns:p14="http://schemas.microsoft.com/office/powerpoint/2010/main">
+    <mc:Choice Requires="p14">
+      <p:transition spd="slow" p14:dur="2000"/>
+    </mc:Choice>
+    <mc:Fallback xmlns="">
+      <p:transition spd="slow"/>
+    </mc:Fallback>
+  </mc:AlternateContent>
+  <p:timing>
+    <p:tnLst>
+      <p:par>
+        <p:cTn id="1" dur="indefinite" restart="never" nodeType="tmRoot"/>
+      </p:par>
+    </p:tnLst>
+  </p:timing>
+</p:sld>
+</file>
+
+<file path=ppt/slides/slide4.xml><?xml version="1.0" encoding="utf-8"?>
+<p:sld xmlns:a="http://schemas.openxmlformats.org/drawingml/2006/main" xmlns:r="http://schemas.openxmlformats.org/officeDocument/2006/relationships" xmlns:p="http://schemas.openxmlformats.org/presentationml/2006/main">
+  <p:cSld>
+    <p:spTree>
+      <p:nvGrpSpPr>
+        <p:cNvPr id="1" name=""/>
+        <p:cNvGrpSpPr/>
+        <p:nvPr/>
+      </p:nvGrpSpPr>
+      <p:grpSpPr>
+        <a:xfrm>
+          <a:off x="0" y="0"/>
+          <a:ext cx="0" cy="0"/>
+          <a:chOff x="0" y="0"/>
+          <a:chExt cx="0" cy="0"/>
+        </a:xfrm>
+      </p:grpSpPr>
+      <p:sp>
+        <p:nvSpPr>
+          <p:cNvPr id="2" name="Title 1"/>
+          <p:cNvSpPr>
+            <a:spLocks noGrp="1"/>
+          </p:cNvSpPr>
+          <p:nvPr>
+            <p:ph type="title"/>
+          </p:nvPr>
+        </p:nvSpPr>
+        <p:spPr/>
+        <p:txBody>
+          <a:bodyPr/>
+          <a:lstStyle/>
+          <a:p>
+            <a:pPr algn="l"/>
+            <a:r>
+              <a:rPr lang="en-GB" dirty="0" smtClean="0"/>
+              <a:t>PIC16F175xx</a:t>
+            </a:r>
+            <a:endParaRPr lang="en-GB" dirty="0"/>
+          </a:p>
+        </p:txBody>
+      </p:sp>
+      <p:sp>
+        <p:nvSpPr>
+          <p:cNvPr id="3" name="Content Placeholder 2"/>
+          <p:cNvSpPr>
+            <a:spLocks noGrp="1"/>
+          </p:cNvSpPr>
+          <p:nvPr>
+            <p:ph idx="1"/>
+          </p:nvPr>
+        </p:nvSpPr>
+        <p:spPr/>
+        <p:txBody>
+          <a:bodyPr>
+            <a:normAutofit fontScale="92500"/>
+          </a:bodyPr>
+          <a:lstStyle/>
+          <a:p>
+            <a:r>
+              <a:rPr lang="en-GB" dirty="0" smtClean="0"/>
+              <a:t>PIC16165xx  is a high performance PIC16</a:t>
+            </a:r>
+          </a:p>
+          <a:p>
+            <a:pPr lvl="1"/>
+            <a:r>
+              <a:rPr lang="en-GB" b="1" dirty="0"/>
+              <a:t>Digital and </a:t>
+            </a:r>
+            <a:r>
+              <a:rPr lang="en-GB" b="1" dirty="0" err="1"/>
+              <a:t>analog</a:t>
+            </a:r>
+            <a:r>
+              <a:rPr lang="en-GB" b="1" dirty="0"/>
+              <a:t> peripherals</a:t>
+            </a:r>
+            <a:r>
+              <a:rPr lang="en-GB" dirty="0"/>
+              <a:t> for flexible embedded control</a:t>
+            </a:r>
+          </a:p>
+          <a:p>
+            <a:pPr lvl="1"/>
+            <a:r>
+              <a:rPr lang="en-GB" b="1" dirty="0"/>
+              <a:t>10-bit ADC</a:t>
+            </a:r>
+            <a:r>
+              <a:rPr lang="en-GB" dirty="0"/>
+              <a:t> for accurate </a:t>
+            </a:r>
+            <a:r>
+              <a:rPr lang="en-GB" dirty="0" err="1"/>
+              <a:t>analog</a:t>
+            </a:r>
+            <a:r>
+              <a:rPr lang="en-GB" dirty="0"/>
+              <a:t> signal conversion</a:t>
+            </a:r>
+          </a:p>
+          <a:p>
+            <a:pPr lvl="1"/>
+            <a:r>
+              <a:rPr lang="en-GB" b="1" dirty="0"/>
+              <a:t>Multiple communication interfaces</a:t>
+            </a:r>
+            <a:r>
+              <a:rPr lang="en-GB" dirty="0"/>
+              <a:t> including UART (serial), I²C, and SPI</a:t>
+            </a:r>
+          </a:p>
+          <a:p>
+            <a:pPr lvl="1"/>
+            <a:r>
+              <a:rPr lang="en-GB" b="1" dirty="0"/>
+              <a:t>PWM modules</a:t>
+            </a:r>
+            <a:r>
+              <a:rPr lang="en-GB" dirty="0"/>
+              <a:t> with CCP and 16-bit resolution for precise timing and motor control</a:t>
+            </a:r>
+          </a:p>
+          <a:p>
+            <a:pPr lvl="1"/>
+            <a:r>
+              <a:rPr lang="en-GB" b="1" dirty="0"/>
+              <a:t>Configurable Logic Cells (CLCs)</a:t>
+            </a:r>
+            <a:r>
+              <a:rPr lang="en-GB" dirty="0"/>
+              <a:t> for custom hardware-level logic without external components</a:t>
+            </a:r>
+          </a:p>
+          <a:p>
+            <a:pPr lvl="1"/>
+            <a:r>
+              <a:rPr lang="en-GB" b="1" dirty="0"/>
+              <a:t>Integrated op amps</a:t>
+            </a:r>
+            <a:r>
+              <a:rPr lang="en-GB" dirty="0"/>
+              <a:t> for </a:t>
+            </a:r>
+            <a:r>
+              <a:rPr lang="en-GB" dirty="0" err="1"/>
+              <a:t>onboard</a:t>
+            </a:r>
+            <a:r>
+              <a:rPr lang="en-GB" dirty="0"/>
+              <a:t> </a:t>
+            </a:r>
+            <a:r>
+              <a:rPr lang="en-GB" dirty="0" err="1"/>
+              <a:t>analog</a:t>
+            </a:r>
+            <a:r>
+              <a:rPr lang="en-GB" dirty="0"/>
+              <a:t> signal conditioning and amplification</a:t>
+            </a:r>
+          </a:p>
+          <a:p>
+            <a:endParaRPr lang="en-GB" dirty="0" smtClean="0"/>
+          </a:p>
+          <a:p>
+            <a:r>
+              <a:rPr lang="en-GB" dirty="0" smtClean="0"/>
+              <a:t>The PIC16175xx offers 14, 20, 28, 40 and 44-pin products in small footprint packages to support customers in a wide variety of applications. </a:t>
+            </a:r>
+          </a:p>
+          <a:p>
+            <a:endParaRPr lang="en-GB" dirty="0"/>
+          </a:p>
+        </p:txBody>
+      </p:sp>
+    </p:spTree>
+    <p:extLst>
+      <p:ext uri="{BB962C8B-B14F-4D97-AF65-F5344CB8AC3E}">
+        <p14:creationId xmlns:p14="http://schemas.microsoft.com/office/powerpoint/2010/main" val="139902842"/>
+      </p:ext>
+    </p:extLst>
+  </p:cSld>
+  <p:clrMapOvr>
+    <a:masterClrMapping/>
+  </p:clrMapOvr>
+  <mc:AlternateContent xmlns:mc="http://schemas.openxmlformats.org/markup-compatibility/2006" xmlns:p14="http://schemas.microsoft.com/office/powerpoint/2010/main">
+    <mc:Choice Requires="p14">
+      <p:transition spd="slow" p14:dur="2000"/>
+    </mc:Choice>
+    <mc:Fallback xmlns="">
+      <p:transition spd="slow"/>
+    </mc:Fallback>
+  </mc:AlternateContent>
+  <p:timing>
+    <p:tnLst>
+      <p:par>
+        <p:cTn id="1" dur="indefinite" restart="never" nodeType="tmRoot"/>
+      </p:par>
+    </p:tnLst>
+  </p:timing>
+</p:sld>
+</file>
+
+<file path=ppt/slides/slide5.xml><?xml version="1.0" encoding="utf-8"?>
+<p:sld xmlns:a="http://schemas.openxmlformats.org/drawingml/2006/main" xmlns:r="http://schemas.openxmlformats.org/officeDocument/2006/relationships" xmlns:p="http://schemas.openxmlformats.org/presentationml/2006/main">
+  <p:cSld>
+    <p:spTree>
+      <p:nvGrpSpPr>
+        <p:cNvPr id="1" name=""/>
+        <p:cNvGrpSpPr/>
+        <p:nvPr/>
+      </p:nvGrpSpPr>
+      <p:grpSpPr>
+        <a:xfrm>
+          <a:off x="0" y="0"/>
+          <a:ext cx="0" cy="0"/>
+          <a:chOff x="0" y="0"/>
+          <a:chExt cx="0" cy="0"/>
+        </a:xfrm>
+      </p:grpSpPr>
+      <p:sp>
+        <p:nvSpPr>
+          <p:cNvPr id="2" name="Title 1"/>
+          <p:cNvSpPr>
+            <a:spLocks noGrp="1"/>
+          </p:cNvSpPr>
+          <p:nvPr>
+            <p:ph type="title"/>
+          </p:nvPr>
+        </p:nvSpPr>
+        <p:spPr/>
+        <p:txBody>
+          <a:bodyPr>
+            <a:normAutofit/>
+          </a:bodyPr>
+          <a:lstStyle/>
+          <a:p>
+            <a:r>
+              <a:rPr lang="en-GB" dirty="0" smtClean="0"/>
+              <a:t>Videos...</a:t>
+            </a:r>
+            <a:endParaRPr lang="en-GB" dirty="0"/>
+          </a:p>
+        </p:txBody>
+      </p:sp>
+      <p:sp>
+        <p:nvSpPr>
+          <p:cNvPr id="3" name="Content Placeholder 2"/>
+          <p:cNvSpPr>
+            <a:spLocks noGrp="1"/>
+          </p:cNvSpPr>
+          <p:nvPr>
+            <p:ph idx="1"/>
+          </p:nvPr>
+        </p:nvSpPr>
+        <p:spPr>
+          <a:xfrm>
+            <a:off x="467544" y="987574"/>
+            <a:ext cx="6447501" cy="4111476"/>
+          </a:xfrm>
+          <a:solidFill>
+            <a:schemeClr val="bg1"/>
+          </a:solidFill>
+        </p:spPr>
+        <p:txBody>
+          <a:bodyPr>
+            <a:noAutofit/>
+          </a:bodyPr>
+          <a:lstStyle/>
+          <a:p>
+            <a:pPr marL="180000" indent="-478483">
+              <a:spcBef>
+                <a:spcPts val="300"/>
+              </a:spcBef>
+              <a:buFont typeface="+mj-lt"/>
+              <a:buAutoNum type="arabicPeriod"/>
+            </a:pPr>
+            <a:r>
+              <a:rPr lang="en-GB" sz="1100" dirty="0"/>
+              <a:t>Install the hardware and make the board work – three LED programs</a:t>
+            </a:r>
+          </a:p>
+          <a:p>
+            <a:pPr marL="180000" indent="-478483">
+              <a:spcBef>
+                <a:spcPts val="300"/>
+              </a:spcBef>
+              <a:buFont typeface="+mj-lt"/>
+              <a:buAutoNum type="arabicPeriod"/>
+            </a:pPr>
+            <a:r>
+              <a:rPr lang="en-GB" sz="1100" b="1" dirty="0"/>
+              <a:t>Make  four LEDs flash in a sequence</a:t>
+            </a:r>
+          </a:p>
+          <a:p>
+            <a:pPr marL="180000" indent="-478483">
+              <a:spcBef>
+                <a:spcPts val="300"/>
+              </a:spcBef>
+              <a:buFont typeface="+mj-lt"/>
+              <a:buAutoNum type="arabicPeriod"/>
+            </a:pPr>
+            <a:r>
+              <a:rPr lang="en-GB" sz="1100" dirty="0"/>
+              <a:t>Set the LEDs to represent the value of ADC</a:t>
+            </a:r>
+          </a:p>
+          <a:p>
+            <a:pPr marL="180000" indent="-478483">
+              <a:spcBef>
+                <a:spcPts val="300"/>
+              </a:spcBef>
+              <a:buFont typeface="+mj-lt"/>
+              <a:buAutoNum type="arabicPeriod"/>
+            </a:pPr>
+            <a:r>
+              <a:rPr lang="en-GB" sz="1100" dirty="0"/>
+              <a:t>Sequence the LEDs with a delay using the value of ADC</a:t>
+            </a:r>
+          </a:p>
+          <a:p>
+            <a:pPr marL="180000" indent="-478483">
+              <a:spcBef>
+                <a:spcPts val="300"/>
+              </a:spcBef>
+              <a:buFont typeface="+mj-lt"/>
+              <a:buAutoNum type="arabicPeriod"/>
+            </a:pPr>
+            <a:r>
+              <a:rPr lang="en-GB" sz="1100" dirty="0"/>
+              <a:t>Using an input to set the state of the LEDs</a:t>
+            </a:r>
+          </a:p>
+          <a:p>
+            <a:pPr marL="180000" indent="-478483">
+              <a:spcBef>
+                <a:spcPts val="300"/>
+              </a:spcBef>
+              <a:buFont typeface="+mj-lt"/>
+              <a:buAutoNum type="arabicPeriod"/>
+            </a:pPr>
+            <a:r>
+              <a:rPr lang="en-GB" sz="1100" dirty="0"/>
+              <a:t>Using the reset switch</a:t>
+            </a:r>
+          </a:p>
+          <a:p>
+            <a:pPr marL="180000" indent="-478483">
+              <a:spcBef>
+                <a:spcPts val="300"/>
+              </a:spcBef>
+              <a:buFont typeface="+mj-lt"/>
+              <a:buAutoNum type="arabicPeriod"/>
+            </a:pPr>
+            <a:r>
+              <a:rPr lang="en-GB" sz="1100" dirty="0"/>
+              <a:t>Using the switch, ADC – make the LEDs flash in a sequence with reverse</a:t>
+            </a:r>
+          </a:p>
+          <a:p>
+            <a:pPr marL="180000" indent="-478483">
+              <a:spcBef>
+                <a:spcPts val="300"/>
+              </a:spcBef>
+              <a:buFont typeface="+mj-lt"/>
+              <a:buAutoNum type="arabicPeriod"/>
+            </a:pPr>
+            <a:r>
+              <a:rPr lang="en-GB" sz="1100" dirty="0"/>
+              <a:t>Using the serial to display values</a:t>
+            </a:r>
+          </a:p>
+          <a:p>
+            <a:pPr marL="180000" indent="-478483">
+              <a:spcBef>
+                <a:spcPts val="300"/>
+              </a:spcBef>
+              <a:buFont typeface="+mj-lt"/>
+              <a:buAutoNum type="arabicPeriod"/>
+            </a:pPr>
+            <a:r>
+              <a:rPr lang="en-GB" sz="1100" dirty="0"/>
+              <a:t>Using the timer0 overflow, 8bit timer, 16bit timer to flash the LEDs</a:t>
+            </a:r>
+          </a:p>
+          <a:p>
+            <a:pPr marL="180000" indent="-478483">
+              <a:spcBef>
+                <a:spcPts val="300"/>
+              </a:spcBef>
+              <a:buFont typeface="+mj-lt"/>
+              <a:buAutoNum type="arabicPeriod"/>
+            </a:pPr>
+            <a:r>
+              <a:rPr lang="en-GB" sz="1100" dirty="0"/>
+              <a:t>Using </a:t>
+            </a:r>
+            <a:r>
+              <a:rPr lang="en-GB" sz="1100" dirty="0" err="1"/>
+              <a:t>EEProm</a:t>
+            </a:r>
+            <a:r>
+              <a:rPr lang="en-GB" sz="1100" dirty="0"/>
+              <a:t> – showing values on the serial terminal, and more constants insights</a:t>
+            </a:r>
+          </a:p>
+          <a:p>
+            <a:pPr marL="180000" indent="-478483">
+              <a:spcBef>
+                <a:spcPts val="300"/>
+              </a:spcBef>
+              <a:buFont typeface="+mj-lt"/>
+              <a:buAutoNum type="arabicPeriod"/>
+            </a:pPr>
+            <a:r>
+              <a:rPr lang="en-GB" sz="1100" dirty="0"/>
+              <a:t>Using I2C with serial to discover I2C devices</a:t>
+            </a:r>
+          </a:p>
+          <a:p>
+            <a:pPr marL="180000" indent="-478483">
+              <a:spcBef>
+                <a:spcPts val="300"/>
+              </a:spcBef>
+              <a:buFont typeface="+mj-lt"/>
+              <a:buAutoNum type="arabicPeriod"/>
+            </a:pPr>
+            <a:r>
+              <a:rPr lang="en-GB" sz="1100" dirty="0"/>
+              <a:t>Using an I2C GCLD display</a:t>
+            </a:r>
+          </a:p>
+          <a:p>
+            <a:pPr marL="180000" indent="-478483">
+              <a:spcBef>
+                <a:spcPts val="300"/>
+              </a:spcBef>
+              <a:buFont typeface="+mj-lt"/>
+              <a:buAutoNum type="arabicPeriod"/>
+            </a:pPr>
+            <a:r>
+              <a:rPr lang="en-GB" sz="1100" dirty="0"/>
+              <a:t>Using a SPI GCLD display</a:t>
+            </a:r>
+          </a:p>
+          <a:p>
+            <a:pPr marL="180000" indent="-478483">
+              <a:spcBef>
+                <a:spcPts val="300"/>
+              </a:spcBef>
+              <a:buFont typeface="+mj-lt"/>
+              <a:buAutoNum type="arabicPeriod"/>
+            </a:pPr>
+            <a:r>
+              <a:rPr lang="en-GB" sz="1100" dirty="0"/>
+              <a:t>Using PWM, 7  ways,  to dim the LEDS</a:t>
+            </a:r>
+          </a:p>
+          <a:p>
+            <a:pPr marL="180000" indent="-478483">
+              <a:spcBef>
+                <a:spcPts val="300"/>
+              </a:spcBef>
+              <a:buFont typeface="+mj-lt"/>
+              <a:buAutoNum type="arabicPeriod"/>
+            </a:pPr>
+            <a:r>
+              <a:rPr lang="en-GB" sz="1100" dirty="0"/>
+              <a:t>Using an external interrupt to control an LED</a:t>
+            </a:r>
+          </a:p>
+          <a:p>
+            <a:pPr marL="180000" indent="-478483">
+              <a:spcBef>
+                <a:spcPts val="300"/>
+              </a:spcBef>
+              <a:buFont typeface="+mj-lt"/>
+              <a:buAutoNum type="arabicPeriod"/>
+            </a:pPr>
+            <a:r>
+              <a:rPr lang="en-GB" sz="1100" dirty="0"/>
+              <a:t>Using storage within the chip – </a:t>
+            </a:r>
+            <a:r>
+              <a:rPr lang="en-GB" sz="1100" dirty="0" err="1"/>
+              <a:t>Progmem</a:t>
+            </a:r>
+            <a:r>
+              <a:rPr lang="en-GB" sz="1100" dirty="0"/>
+              <a:t>, SAF memory, EEPROM and DATA blocks</a:t>
+            </a:r>
+          </a:p>
+          <a:p>
+            <a:pPr marL="180000" indent="-478483">
+              <a:spcBef>
+                <a:spcPts val="300"/>
+              </a:spcBef>
+              <a:buFont typeface="+mj-lt"/>
+              <a:buAutoNum type="arabicPeriod"/>
+            </a:pPr>
+            <a:r>
+              <a:rPr lang="en-GB" sz="1100" dirty="0"/>
+              <a:t>Using CLC</a:t>
+            </a:r>
+          </a:p>
+          <a:p>
+            <a:pPr marL="180000" indent="-478483">
+              <a:spcBef>
+                <a:spcPts val="300"/>
+              </a:spcBef>
+              <a:buFont typeface="+mj-lt"/>
+              <a:buAutoNum type="arabicPeriod"/>
+            </a:pPr>
+            <a:r>
+              <a:rPr lang="en-GB" sz="1100" dirty="0"/>
+              <a:t>The GCBASIC tool chain</a:t>
+            </a:r>
+          </a:p>
+          <a:p>
+            <a:pPr marL="180000" indent="-478483">
+              <a:spcBef>
+                <a:spcPts val="300"/>
+              </a:spcBef>
+              <a:buFont typeface="+mj-lt"/>
+              <a:buAutoNum type="arabicPeriod"/>
+            </a:pPr>
+            <a:r>
+              <a:rPr lang="en-GB" sz="1100" dirty="0"/>
+              <a:t>Assembly , alternatives assemblers and MPLAB-X</a:t>
+            </a:r>
+          </a:p>
+          <a:p>
+            <a:pPr marL="180000" indent="-478483">
+              <a:spcBef>
+                <a:spcPts val="300"/>
+              </a:spcBef>
+              <a:buFont typeface="+mj-lt"/>
+              <a:buAutoNum type="arabicPeriod"/>
+            </a:pPr>
+            <a:r>
+              <a:rPr lang="en-GB" sz="1100" dirty="0"/>
+              <a:t>Summary</a:t>
+            </a:r>
+          </a:p>
+          <a:p>
+            <a:pPr marL="180000" indent="-478483">
+              <a:spcBef>
+                <a:spcPts val="300"/>
+              </a:spcBef>
+              <a:buFont typeface="+mj-lt"/>
+              <a:buAutoNum type="arabicPeriod"/>
+            </a:pPr>
+            <a:endParaRPr lang="en-GB" sz="400" dirty="0" smtClean="0">
+              <a:solidFill>
+                <a:schemeClr val="bg1">
+                  <a:lumMod val="75000"/>
+                </a:schemeClr>
+              </a:solidFill>
+            </a:endParaRPr>
+          </a:p>
+          <a:p>
+            <a:pPr marL="180000" indent="-478483">
+              <a:spcBef>
+                <a:spcPts val="300"/>
+              </a:spcBef>
+              <a:buNone/>
+            </a:pPr>
+            <a:endParaRPr lang="en-GB" sz="700" dirty="0" smtClean="0"/>
+          </a:p>
+          <a:p>
+            <a:pPr marL="180000" indent="-478483">
+              <a:spcBef>
+                <a:spcPts val="300"/>
+              </a:spcBef>
+              <a:buFont typeface="+mj-lt"/>
+              <a:buAutoNum type="arabicPeriod"/>
+            </a:pPr>
+            <a:endParaRPr lang="en-GB" sz="700" dirty="0" smtClean="0"/>
+          </a:p>
+          <a:p>
+            <a:pPr marL="180000" indent="-478483">
+              <a:spcBef>
+                <a:spcPts val="300"/>
+              </a:spcBef>
+              <a:buFont typeface="+mj-lt"/>
+              <a:buAutoNum type="arabicPeriod"/>
+            </a:pPr>
+            <a:endParaRPr lang="en-GB" sz="500" dirty="0" smtClean="0"/>
+          </a:p>
+          <a:p>
+            <a:pPr marL="180000" indent="-478483">
+              <a:spcBef>
+                <a:spcPts val="300"/>
+              </a:spcBef>
+              <a:buFont typeface="+mj-lt"/>
+              <a:buAutoNum type="arabicPeriod"/>
+            </a:pPr>
+            <a:endParaRPr lang="en-GB" sz="500" dirty="0" smtClean="0"/>
+          </a:p>
+          <a:p>
+            <a:pPr marL="180000" indent="-478483">
+              <a:spcBef>
+                <a:spcPts val="300"/>
+              </a:spcBef>
+              <a:buFont typeface="+mj-lt"/>
+              <a:buAutoNum type="arabicPeriod"/>
+            </a:pPr>
+            <a:endParaRPr lang="en-GB" sz="500" dirty="0" smtClean="0"/>
+          </a:p>
+          <a:p>
+            <a:pPr marL="180000" indent="-478483">
+              <a:spcBef>
+                <a:spcPts val="300"/>
+              </a:spcBef>
+              <a:buFont typeface="+mj-lt"/>
+              <a:buAutoNum type="arabicPeriod"/>
+            </a:pPr>
+            <a:endParaRPr lang="en-GB" sz="500" dirty="0"/>
+          </a:p>
+        </p:txBody>
+      </p:sp>
+    </p:spTree>
+    <p:extLst>
+      <p:ext uri="{BB962C8B-B14F-4D97-AF65-F5344CB8AC3E}">
+        <p14:creationId xmlns:p14="http://schemas.microsoft.com/office/powerpoint/2010/main" val="1947865557"/>
+      </p:ext>
+    </p:extLst>
+  </p:cSld>
+  <p:clrMapOvr>
+    <a:masterClrMapping/>
+  </p:clrMapOvr>
+  <mc:AlternateContent xmlns:mc="http://schemas.openxmlformats.org/markup-compatibility/2006" xmlns:p14="http://schemas.microsoft.com/office/powerpoint/2010/main">
+    <mc:Choice Requires="p14">
+      <p:transition spd="slow" p14:dur="2000"/>
+    </mc:Choice>
+    <mc:Fallback xmlns="">
+      <p:transition spd="slow"/>
+    </mc:Fallback>
+  </mc:AlternateContent>
+  <p:timing>
+    <p:tnLst>
+      <p:par>
+        <p:cTn id="1" dur="indefinite" restart="never" nodeType="tmRoot"/>
+      </p:par>
+    </p:tnLst>
+  </p:timing>
+</p:sld>
+</file>
+
+<file path=ppt/slides/slide6.xml><?xml version="1.0" encoding="utf-8"?>
+<p:sld xmlns:a="http://schemas.openxmlformats.org/drawingml/2006/main" xmlns:r="http://schemas.openxmlformats.org/officeDocument/2006/relationships" xmlns:p="http://schemas.openxmlformats.org/presentationml/2006/main">
+  <p:cSld>
+    <p:spTree>
+      <p:nvGrpSpPr>
+        <p:cNvPr id="1" name=""/>
+        <p:cNvGrpSpPr/>
+        <p:nvPr/>
+      </p:nvGrpSpPr>
+      <p:grpSpPr>
+        <a:xfrm>
+          <a:off x="0" y="0"/>
+          <a:ext cx="0" cy="0"/>
+          <a:chOff x="0" y="0"/>
+          <a:chExt cx="0" cy="0"/>
+        </a:xfrm>
+      </p:grpSpPr>
+      <p:sp>
+        <p:nvSpPr>
+          <p:cNvPr id="4" name="Oval 3"/>
+          <p:cNvSpPr/>
+          <p:nvPr/>
+        </p:nvSpPr>
+        <p:spPr>
+          <a:xfrm>
+            <a:off x="1835697" y="1707656"/>
+            <a:ext cx="1605103" cy="1425217"/>
+          </a:xfrm>
+          <a:prstGeom prst="ellipse">
+            <a:avLst/>
+          </a:prstGeom>
+        </p:spPr>
+        <p:style>
+          <a:lnRef idx="2">
+            <a:schemeClr val="accent1">
+              <a:shade val="50000"/>
+            </a:schemeClr>
+          </a:lnRef>
+          <a:fillRef idx="1">
+            <a:schemeClr val="accent1"/>
+          </a:fillRef>
+          <a:effectRef idx="0">
+            <a:schemeClr val="accent1"/>
+          </a:effectRef>
+          <a:fontRef idx="minor">
+            <a:schemeClr val="lt1"/>
+          </a:fontRef>
+        </p:style>
+        <p:txBody>
+          <a:bodyPr lIns="0" tIns="0" rIns="0" bIns="0" rtlCol="0" anchor="ctr"/>
+          <a:lstStyle/>
+          <a:p>
+            <a:pPr algn="ctr"/>
+            <a:r>
+              <a:rPr lang="en-GB" sz="1100" dirty="0" smtClean="0"/>
+              <a:t>GCBASIC </a:t>
+            </a:r>
+            <a:r>
+              <a:rPr lang="en-GB" sz="1500" dirty="0" smtClean="0"/>
+              <a:t>Compiler</a:t>
+            </a:r>
+            <a:endParaRPr lang="en-GB" sz="1100" dirty="0"/>
+          </a:p>
+        </p:txBody>
+      </p:sp>
+      <p:sp>
+        <p:nvSpPr>
+          <p:cNvPr id="12" name="Title 1"/>
+          <p:cNvSpPr>
+            <a:spLocks noGrp="1"/>
+          </p:cNvSpPr>
+          <p:nvPr>
+            <p:ph type="title"/>
+          </p:nvPr>
+        </p:nvSpPr>
+        <p:spPr/>
+        <p:txBody>
+          <a:bodyPr/>
+          <a:lstStyle/>
+          <a:p>
+            <a:pPr algn="l"/>
+            <a:r>
+              <a:rPr lang="en-GB" dirty="0" smtClean="0"/>
+              <a:t>GCBASIC Compiler</a:t>
+            </a:r>
+            <a:endParaRPr lang="en-GB" dirty="0"/>
+          </a:p>
+        </p:txBody>
+      </p:sp>
+      <p:sp>
+        <p:nvSpPr>
+          <p:cNvPr id="13" name="TextBox 12"/>
+          <p:cNvSpPr txBox="1"/>
+          <p:nvPr/>
+        </p:nvSpPr>
+        <p:spPr>
+          <a:xfrm>
+            <a:off x="3563888" y="2643758"/>
+            <a:ext cx="3528392" cy="1655553"/>
+          </a:xfrm>
+          <a:prstGeom prst="rect">
+            <a:avLst/>
+          </a:prstGeom>
+          <a:noFill/>
+        </p:spPr>
+        <p:txBody>
+          <a:bodyPr wrap="square" lIns="85064" tIns="42531" rIns="85064" bIns="42531" rtlCol="0">
+            <a:spAutoFit/>
+          </a:bodyPr>
+          <a:lstStyle/>
+          <a:p>
+            <a:r>
+              <a:rPr lang="en-GB" dirty="0" smtClean="0"/>
+              <a:t>GCBASIC is an Open Source compiler for </a:t>
+            </a:r>
+            <a:r>
+              <a:rPr lang="en-GB" dirty="0" smtClean="0"/>
+              <a:t>PIC, AVR and LGT microcontrollers</a:t>
+            </a:r>
+            <a:endParaRPr lang="en-GB" dirty="0" smtClean="0"/>
+          </a:p>
+          <a:p>
+            <a:endParaRPr lang="en-GB" dirty="0" smtClean="0"/>
+          </a:p>
+          <a:p>
+            <a:r>
+              <a:rPr lang="en-GB" dirty="0" smtClean="0"/>
+              <a:t>GCBASIC now supports the 16F175xx chip family</a:t>
+            </a:r>
+            <a:endParaRPr lang="en-GB" dirty="0"/>
+          </a:p>
+        </p:txBody>
+      </p:sp>
+    </p:spTree>
+    <p:extLst>
+      <p:ext uri="{BB962C8B-B14F-4D97-AF65-F5344CB8AC3E}">
+        <p14:creationId xmlns:p14="http://schemas.microsoft.com/office/powerpoint/2010/main" val="3816939358"/>
+      </p:ext>
+    </p:extLst>
+  </p:cSld>
+  <p:clrMapOvr>
+    <a:masterClrMapping/>
+  </p:clrMapOvr>
+  <mc:AlternateContent xmlns:mc="http://schemas.openxmlformats.org/markup-compatibility/2006" xmlns:p14="http://schemas.microsoft.com/office/powerpoint/2010/main">
+    <mc:Choice Requires="p14">
+      <p:transition spd="slow" p14:dur="2000"/>
+    </mc:Choice>
+    <mc:Fallback xmlns="">
+      <p:transition spd="slow"/>
+    </mc:Fallback>
+  </mc:AlternateContent>
+  <p:timing>
+    <p:tnLst>
+      <p:par>
+        <p:cTn id="1" dur="indefinite" restart="never" nodeType="tmRoot"/>
+      </p:par>
+    </p:tnLst>
+  </p:timing>
+</p:sld>
+</file>
+
+<file path=ppt/slides/slide7.xml><?xml version="1.0" encoding="utf-8"?>
+<p:sld xmlns:a="http://schemas.openxmlformats.org/drawingml/2006/main" xmlns:r="http://schemas.openxmlformats.org/officeDocument/2006/relationships" xmlns:p="http://schemas.openxmlformats.org/presentationml/2006/main">
+  <p:cSld>
+    <p:bg>
+      <p:bgPr>
+        <a:solidFill>
+          <a:schemeClr val="bg1"/>
+        </a:solidFill>
+        <a:effectLst/>
+      </p:bgPr>
+    </p:bg>
+    <p:spTree>
+      <p:nvGrpSpPr>
+        <p:cNvPr id="1" name=""/>
+        <p:cNvGrpSpPr/>
+        <p:nvPr/>
+      </p:nvGrpSpPr>
+      <p:grpSpPr>
+        <a:xfrm>
+          <a:off x="0" y="0"/>
+          <a:ext cx="0" cy="0"/>
+          <a:chOff x="0" y="0"/>
+          <a:chExt cx="0" cy="0"/>
+        </a:xfrm>
+      </p:grpSpPr>
+      <p:sp>
+        <p:nvSpPr>
+          <p:cNvPr id="2" name="Title 1"/>
+          <p:cNvSpPr>
+            <a:spLocks noGrp="1"/>
+          </p:cNvSpPr>
+          <p:nvPr>
+            <p:ph type="title"/>
+          </p:nvPr>
+        </p:nvSpPr>
+        <p:spPr/>
+        <p:txBody>
+          <a:bodyPr/>
+          <a:lstStyle/>
+          <a:p>
+            <a:pPr algn="l"/>
+            <a:r>
+              <a:rPr lang="en-GB" dirty="0" smtClean="0"/>
+              <a:t>Prerequisites </a:t>
+            </a:r>
+            <a:endParaRPr lang="en-GB" dirty="0"/>
+          </a:p>
+        </p:txBody>
+      </p:sp>
+      <p:sp>
+        <p:nvSpPr>
+          <p:cNvPr id="3" name="Content Placeholder 2"/>
+          <p:cNvSpPr>
+            <a:spLocks noGrp="1"/>
+          </p:cNvSpPr>
+          <p:nvPr>
+            <p:ph idx="1"/>
+          </p:nvPr>
+        </p:nvSpPr>
+        <p:spPr/>
+        <p:txBody>
+          <a:bodyPr/>
+          <a:lstStyle/>
+          <a:p>
+            <a:r>
+              <a:rPr lang="en-GB" dirty="0" smtClean="0"/>
+              <a:t>Assumes you have </a:t>
+            </a:r>
+          </a:p>
+          <a:p>
+            <a:pPr marL="778521" lvl="1" indent="-478483"/>
+            <a:r>
+              <a:rPr lang="en-GB" dirty="0" smtClean="0"/>
+              <a:t>Installed the </a:t>
+            </a:r>
+            <a:r>
+              <a:rPr lang="en-GB" dirty="0" smtClean="0"/>
+              <a:t>GCSTUDIO software</a:t>
+            </a:r>
+          </a:p>
+          <a:p>
+            <a:pPr marL="778521" lvl="1" indent="-478483"/>
+            <a:endParaRPr lang="en-GB" dirty="0"/>
+          </a:p>
+          <a:p>
+            <a:pPr marL="778521" lvl="1" indent="-478483"/>
+            <a:endParaRPr lang="en-GB" dirty="0" smtClean="0"/>
+          </a:p>
+          <a:p>
+            <a:pPr marL="778521" lvl="1" indent="-478483"/>
+            <a:endParaRPr lang="en-GB" dirty="0" smtClean="0"/>
+          </a:p>
+          <a:p>
+            <a:pPr marL="778521" lvl="1" indent="-478483"/>
+            <a:r>
+              <a:rPr lang="en-GB" dirty="0" smtClean="0"/>
+              <a:t>Installed your programmer software</a:t>
+            </a:r>
+          </a:p>
+          <a:p>
+            <a:pPr marL="778521" lvl="1" indent="-478483"/>
+            <a:r>
+              <a:rPr lang="en-GB" dirty="0" smtClean="0"/>
+              <a:t>Test that you have the </a:t>
+            </a:r>
+            <a:r>
+              <a:rPr lang="en-GB" dirty="0" smtClean="0"/>
+              <a:t>16F175xx </a:t>
+            </a:r>
+            <a:r>
+              <a:rPr lang="en-GB" dirty="0" smtClean="0"/>
+              <a:t>attached</a:t>
+            </a:r>
+          </a:p>
+          <a:p>
+            <a:pPr marL="0" indent="0">
+              <a:buNone/>
+            </a:pPr>
+            <a:endParaRPr lang="en-GB" dirty="0" smtClean="0"/>
+          </a:p>
+          <a:p>
+            <a:pPr marL="0" indent="0">
+              <a:buNone/>
+            </a:pPr>
+            <a:endParaRPr lang="en-GB" dirty="0"/>
+          </a:p>
+        </p:txBody>
+      </p:sp>
+      <p:pic>
+        <p:nvPicPr>
+          <p:cNvPr id="1026" name="Picture 2"/>
+          <p:cNvPicPr>
+            <a:picLocks noChangeAspect="1" noChangeArrowheads="1"/>
+          </p:cNvPicPr>
+          <p:nvPr/>
+        </p:nvPicPr>
+        <p:blipFill>
+          <a:blip r:embed="rId3">
+            <a:extLst>
+              <a:ext uri="{28A0092B-C50C-407E-A947-70E740481C1C}">
+                <a14:useLocalDpi xmlns:a14="http://schemas.microsoft.com/office/drawing/2010/main" val="0"/>
+              </a:ext>
+            </a:extLst>
+          </a:blip>
+          <a:srcRect/>
+          <a:stretch>
+            <a:fillRect/>
+          </a:stretch>
+        </p:blipFill>
+        <p:spPr bwMode="auto">
+          <a:xfrm>
+            <a:off x="1979712" y="2427734"/>
+            <a:ext cx="4533900" cy="781050"/>
+          </a:xfrm>
+          <a:prstGeom prst="rect">
+            <a:avLst/>
+          </a:prstGeom>
+          <a:noFill/>
+          <a:ln>
+            <a:noFill/>
+          </a:ln>
+          <a:effectLst/>
+          <a:extLst>
+            <a:ext uri="{909E8E84-426E-40DD-AFC4-6F175D3DCCD1}">
+              <a14:hiddenFill xmlns:a14="http://schemas.microsoft.com/office/drawing/2010/main">
+                <a:solidFill>
+                  <a:schemeClr val="accent1"/>
+                </a:solidFill>
+              </a14:hiddenFill>
+            </a:ext>
+            <a:ext uri="{91240B29-F687-4F45-9708-019B960494DF}">
+              <a14:hiddenLine xmlns:a14="http://schemas.microsoft.com/office/drawing/2010/main" w="9525">
+                <a:solidFill>
+                  <a:schemeClr val="tx1"/>
+                </a:solidFill>
+                <a:miter lim="800000"/>
+                <a:headEnd/>
+                <a:tailEnd/>
+              </a14:hiddenLine>
+            </a:ext>
+            <a:ext uri="{AF507438-7753-43E0-B8FC-AC1667EBCBE1}">
+              <a14:hiddenEffects xmlns:a14="http://schemas.microsoft.com/office/drawing/2010/main">
+                <a:effectLst>
+                  <a:outerShdw dist="35921" dir="2700000" algn="ctr" rotWithShape="0">
+                    <a:schemeClr val="bg2"/>
+                  </a:outerShdw>
+                </a:effectLst>
+              </a14:hiddenEffects>
+            </a:ext>
+          </a:extLst>
+        </p:spPr>
+      </p:pic>
+    </p:spTree>
+  </p:cSld>
+  <p:clrMapOvr>
+    <a:overrideClrMapping bg1="lt1" tx1="dk1" bg2="lt2" tx2="dk2" accent1="accent1" accent2="accent2" accent3="accent3" accent4="accent4" accent5="accent5" accent6="accent6" hlink="hlink" folHlink="folHlink"/>
+  </p:clrMapOvr>
+  <mc:AlternateContent xmlns:mc="http://schemas.openxmlformats.org/markup-compatibility/2006" xmlns:p14="http://schemas.microsoft.com/office/powerpoint/2010/main">
+    <mc:Choice Requires="p14">
+      <p:transition spd="slow" p14:dur="2000"/>
+    </mc:Choice>
+    <mc:Fallback xmlns="">
+      <p:transition spd="slow"/>
+    </mc:Fallback>
+  </mc:AlternateContent>
+  <p:timing>
+    <p:tnLst>
+      <p:par>
+        <p:cTn id="1" dur="indefinite" restart="never" nodeType="tmRoot"/>
+      </p:par>
+    </p:tnLst>
+  </p:timing>
+</p:sld>
+</file>
+
+<file path=ppt/slides/slide8.xml><?xml version="1.0" encoding="utf-8"?>
+<p:sld xmlns:a="http://schemas.openxmlformats.org/drawingml/2006/main" xmlns:r="http://schemas.openxmlformats.org/officeDocument/2006/relationships" xmlns:p="http://schemas.openxmlformats.org/presentationml/2006/main">
+  <p:cSld>
+    <p:spTree>
+      <p:nvGrpSpPr>
+        <p:cNvPr id="1" name=""/>
+        <p:cNvGrpSpPr/>
+        <p:nvPr/>
+      </p:nvGrpSpPr>
+      <p:grpSpPr>
+        <a:xfrm>
+          <a:off x="0" y="0"/>
+          <a:ext cx="0" cy="0"/>
+          <a:chOff x="0" y="0"/>
+          <a:chExt cx="0" cy="0"/>
+        </a:xfrm>
+      </p:grpSpPr>
+      <p:sp>
+        <p:nvSpPr>
+          <p:cNvPr id="2" name="Title 1"/>
+          <p:cNvSpPr>
+            <a:spLocks noGrp="1"/>
+          </p:cNvSpPr>
+          <p:nvPr>
+            <p:ph type="title"/>
+          </p:nvPr>
+        </p:nvSpPr>
+        <p:spPr/>
+        <p:txBody>
+          <a:bodyPr/>
+          <a:lstStyle/>
+          <a:p>
+            <a:pPr algn="l"/>
+            <a:r>
+              <a:rPr lang="en-GB" dirty="0" smtClean="0"/>
+              <a:t>Hardware</a:t>
+            </a:r>
+            <a:endParaRPr lang="en-GB" dirty="0"/>
+          </a:p>
+        </p:txBody>
+      </p:sp>
+      <p:sp>
+        <p:nvSpPr>
+          <p:cNvPr id="3" name="Content Placeholder 2"/>
+          <p:cNvSpPr>
+            <a:spLocks noGrp="1"/>
+          </p:cNvSpPr>
+          <p:nvPr>
+            <p:ph idx="1"/>
+          </p:nvPr>
+        </p:nvSpPr>
+        <p:spPr/>
+        <p:txBody>
+          <a:bodyPr/>
+          <a:lstStyle/>
+          <a:p>
+            <a:r>
+              <a:rPr lang="en-GB" dirty="0" smtClean="0"/>
+              <a:t>Prototype Board</a:t>
+            </a:r>
+            <a:endParaRPr lang="en-GB" dirty="0"/>
+          </a:p>
+          <a:p>
+            <a:r>
+              <a:rPr lang="en-GB" dirty="0" smtClean="0"/>
+              <a:t>Power 5v0</a:t>
+            </a:r>
+          </a:p>
+          <a:p>
+            <a:r>
+              <a:rPr lang="en-GB" dirty="0" smtClean="0"/>
+              <a:t>Programmer</a:t>
+            </a:r>
+          </a:p>
+          <a:p>
+            <a:r>
+              <a:rPr lang="en-GB" dirty="0" smtClean="0"/>
+              <a:t>LEDs &amp; resistors</a:t>
+            </a:r>
+          </a:p>
+          <a:p>
+            <a:endParaRPr lang="en-GB" dirty="0"/>
+          </a:p>
+        </p:txBody>
+      </p:sp>
+      <p:sp>
+        <p:nvSpPr>
+          <p:cNvPr id="4" name="TextBox 3"/>
+          <p:cNvSpPr txBox="1"/>
+          <p:nvPr/>
+        </p:nvSpPr>
+        <p:spPr>
+          <a:xfrm>
+            <a:off x="2123728" y="1635646"/>
+            <a:ext cx="5328592" cy="3600986"/>
+          </a:xfrm>
+          <a:prstGeom prst="rect">
+            <a:avLst/>
+          </a:prstGeom>
+          <a:noFill/>
+        </p:spPr>
+        <p:txBody>
+          <a:bodyPr wrap="square" rtlCol="0">
+            <a:spAutoFit/>
+          </a:bodyPr>
+          <a:lstStyle/>
+          <a:p>
+            <a:r>
+              <a:rPr lang="en-GB" sz="1200" b="1" dirty="0">
+                <a:latin typeface="Courier New" panose="02070309020205020404" pitchFamily="49" charset="0"/>
+                <a:cs typeface="Courier New" panose="02070309020205020404" pitchFamily="49" charset="0"/>
+              </a:rPr>
+              <a:t>    Hardware</a:t>
+            </a:r>
+          </a:p>
+          <a:p>
+            <a:r>
+              <a:rPr lang="en-GB" sz="1200" b="1" dirty="0" smtClean="0">
+                <a:latin typeface="Courier New" panose="02070309020205020404" pitchFamily="49" charset="0"/>
+                <a:cs typeface="Courier New" panose="02070309020205020404" pitchFamily="49" charset="0"/>
+              </a:rPr>
+              <a:t>'' </a:t>
+            </a:r>
+            <a:r>
+              <a:rPr lang="en-GB" sz="1200" b="1" dirty="0">
+                <a:latin typeface="Courier New" panose="02070309020205020404" pitchFamily="49" charset="0"/>
+                <a:cs typeface="Courier New" panose="02070309020205020404" pitchFamily="49" charset="0"/>
+              </a:rPr>
+              <a:t>-------------------PORTA----------------</a:t>
+            </a:r>
+          </a:p>
+          <a:p>
+            <a:r>
+              <a:rPr lang="en-GB" sz="1200" b="1" dirty="0">
+                <a:latin typeface="Courier New" panose="02070309020205020404" pitchFamily="49" charset="0"/>
+                <a:cs typeface="Courier New" panose="02070309020205020404" pitchFamily="49" charset="0"/>
+              </a:rPr>
+              <a:t>'' Bit#:  -7---6---5---4---3---2---1---0---</a:t>
+            </a:r>
+          </a:p>
+          <a:p>
+            <a:r>
+              <a:rPr lang="en-GB" sz="1200" b="1" dirty="0">
+                <a:latin typeface="Courier New" panose="02070309020205020404" pitchFamily="49" charset="0"/>
+                <a:cs typeface="Courier New" panose="02070309020205020404" pitchFamily="49" charset="0"/>
+              </a:rPr>
+              <a:t>'' IO:    ---------------------------------</a:t>
+            </a:r>
+          </a:p>
+          <a:p>
+            <a:r>
+              <a:rPr lang="en-GB" sz="1200" b="1" dirty="0">
+                <a:latin typeface="Courier New" panose="02070309020205020404" pitchFamily="49" charset="0"/>
+                <a:cs typeface="Courier New" panose="02070309020205020404" pitchFamily="49" charset="0"/>
+              </a:rPr>
+              <a:t>''-----------------------------------------</a:t>
+            </a:r>
+          </a:p>
+          <a:p>
+            <a:r>
+              <a:rPr lang="en-GB" sz="1200" b="1" dirty="0">
+                <a:latin typeface="Courier New" panose="02070309020205020404" pitchFamily="49" charset="0"/>
+                <a:cs typeface="Courier New" panose="02070309020205020404" pitchFamily="49" charset="0"/>
+              </a:rPr>
+              <a:t>''</a:t>
+            </a:r>
+          </a:p>
+          <a:p>
+            <a:endParaRPr lang="en-GB" sz="1200" b="1" dirty="0">
+              <a:latin typeface="Courier New" panose="02070309020205020404" pitchFamily="49" charset="0"/>
+              <a:cs typeface="Courier New" panose="02070309020205020404" pitchFamily="49" charset="0"/>
+            </a:endParaRPr>
+          </a:p>
+          <a:p>
+            <a:r>
+              <a:rPr lang="en-GB" sz="1200" b="1" dirty="0">
+                <a:latin typeface="Courier New" panose="02070309020205020404" pitchFamily="49" charset="0"/>
+                <a:cs typeface="Courier New" panose="02070309020205020404" pitchFamily="49" charset="0"/>
+              </a:rPr>
+              <a:t>'' -------------------PORTB----------------</a:t>
+            </a:r>
+          </a:p>
+          <a:p>
+            <a:r>
+              <a:rPr lang="en-GB" sz="1200" b="1" dirty="0">
+                <a:latin typeface="Courier New" panose="02070309020205020404" pitchFamily="49" charset="0"/>
+                <a:cs typeface="Courier New" panose="02070309020205020404" pitchFamily="49" charset="0"/>
+              </a:rPr>
+              <a:t>'' Bit#:  -7---6---5---4---3---2---1---0---</a:t>
+            </a:r>
+          </a:p>
+          <a:p>
+            <a:r>
+              <a:rPr lang="en-GB" sz="1200" b="1" dirty="0">
+                <a:latin typeface="Courier New" panose="02070309020205020404" pitchFamily="49" charset="0"/>
+                <a:cs typeface="Courier New" panose="02070309020205020404" pitchFamily="49" charset="0"/>
+              </a:rPr>
+              <a:t>'' IO:    ---------------------------------</a:t>
+            </a:r>
+          </a:p>
+          <a:p>
+            <a:r>
+              <a:rPr lang="en-GB" sz="1200" b="1" dirty="0">
+                <a:latin typeface="Courier New" panose="02070309020205020404" pitchFamily="49" charset="0"/>
+                <a:cs typeface="Courier New" panose="02070309020205020404" pitchFamily="49" charset="0"/>
+              </a:rPr>
+              <a:t>''-----------------------------------------</a:t>
+            </a:r>
+          </a:p>
+          <a:p>
+            <a:r>
+              <a:rPr lang="en-GB" sz="1200" b="1" dirty="0">
+                <a:latin typeface="Courier New" panose="02070309020205020404" pitchFamily="49" charset="0"/>
+                <a:cs typeface="Courier New" panose="02070309020205020404" pitchFamily="49" charset="0"/>
+              </a:rPr>
+              <a:t>''</a:t>
+            </a:r>
+          </a:p>
+          <a:p>
+            <a:endParaRPr lang="en-GB" sz="1200" b="1" dirty="0">
+              <a:latin typeface="Courier New" panose="02070309020205020404" pitchFamily="49" charset="0"/>
+              <a:cs typeface="Courier New" panose="02070309020205020404" pitchFamily="49" charset="0"/>
+            </a:endParaRPr>
+          </a:p>
+          <a:p>
+            <a:r>
+              <a:rPr lang="en-GB" sz="1200" b="1" dirty="0">
+                <a:latin typeface="Courier New" panose="02070309020205020404" pitchFamily="49" charset="0"/>
+                <a:cs typeface="Courier New" panose="02070309020205020404" pitchFamily="49" charset="0"/>
+              </a:rPr>
+              <a:t>'' ------------------PORTC-----------------</a:t>
+            </a:r>
+          </a:p>
+          <a:p>
+            <a:r>
+              <a:rPr lang="en-GB" sz="1200" b="1" dirty="0">
+                <a:latin typeface="Courier New" panose="02070309020205020404" pitchFamily="49" charset="0"/>
+                <a:cs typeface="Courier New" panose="02070309020205020404" pitchFamily="49" charset="0"/>
+              </a:rPr>
+              <a:t>'' Bit#:  -7---6---5---4---3---2---1---0---</a:t>
+            </a:r>
+          </a:p>
+          <a:p>
+            <a:r>
+              <a:rPr lang="en-GB" sz="1200" b="1" dirty="0">
+                <a:latin typeface="Courier New" panose="02070309020205020404" pitchFamily="49" charset="0"/>
+                <a:cs typeface="Courier New" panose="02070309020205020404" pitchFamily="49" charset="0"/>
+              </a:rPr>
+              <a:t>'' IO:    ---------------LED--LED-LED-LED--</a:t>
+            </a:r>
+          </a:p>
+          <a:p>
+            <a:r>
+              <a:rPr lang="en-GB" sz="1200" b="1" dirty="0">
+                <a:latin typeface="Courier New" panose="02070309020205020404" pitchFamily="49" charset="0"/>
+                <a:cs typeface="Courier New" panose="02070309020205020404" pitchFamily="49" charset="0"/>
+              </a:rPr>
+              <a:t>''-----------------------------------------</a:t>
+            </a:r>
+          </a:p>
+          <a:p>
+            <a:r>
+              <a:rPr lang="en-GB" sz="1200" b="1" dirty="0">
+                <a:latin typeface="Courier New" panose="02070309020205020404" pitchFamily="49" charset="0"/>
+                <a:cs typeface="Courier New" panose="02070309020205020404" pitchFamily="49" charset="0"/>
+              </a:rPr>
+              <a:t>''</a:t>
+            </a:r>
+            <a:r>
+              <a:rPr lang="en-GB" sz="1200" b="1" dirty="0">
+                <a:latin typeface="Courier New" panose="02070309020205020404" pitchFamily="49" charset="0"/>
+                <a:cs typeface="Courier New" panose="02070309020205020404" pitchFamily="49" charset="0"/>
+              </a:rPr>
+              <a:t/>
+            </a:r>
+            <a:br>
+              <a:rPr lang="en-GB" sz="1200" b="1" dirty="0">
+                <a:latin typeface="Courier New" panose="02070309020205020404" pitchFamily="49" charset="0"/>
+                <a:cs typeface="Courier New" panose="02070309020205020404" pitchFamily="49" charset="0"/>
+              </a:rPr>
+            </a:br>
+            <a:endParaRPr lang="en-GB" sz="1200" b="1" dirty="0">
+              <a:latin typeface="Courier New" panose="02070309020205020404" pitchFamily="49" charset="0"/>
+              <a:cs typeface="Courier New" panose="02070309020205020404" pitchFamily="49" charset="0"/>
+            </a:endParaRPr>
+          </a:p>
+        </p:txBody>
+      </p:sp>
+    </p:spTree>
+    <p:extLst>
+      <p:ext uri="{BB962C8B-B14F-4D97-AF65-F5344CB8AC3E}">
+        <p14:creationId xmlns:p14="http://schemas.microsoft.com/office/powerpoint/2010/main" val="1895236823"/>
+      </p:ext>
+    </p:extLst>
+  </p:cSld>
+  <p:clrMapOvr>
+    <a:masterClrMapping/>
+  </p:clrMapOvr>
+  <mc:AlternateContent xmlns:mc="http://schemas.openxmlformats.org/markup-compatibility/2006" xmlns:p14="http://schemas.microsoft.com/office/powerpoint/2010/main">
+    <mc:Choice Requires="p14">
+      <p:transition spd="slow" p14:dur="2000"/>
+    </mc:Choice>
+    <mc:Fallback xmlns="">
+      <p:transition spd="slow"/>
+    </mc:Fallback>
+  </mc:AlternateContent>
+  <p:timing>
+    <p:tnLst>
+      <p:par>
+        <p:cTn id="1" dur="indefinite" restart="never" nodeType="tmRoot"/>
+      </p:par>
+    </p:tnLst>
+  </p:timing>
+</p:sld>
+</file>
+
+<file path=ppt/slides/slide9.xml><?xml version="1.0" encoding="utf-8"?>
+<p:sld xmlns:a="http://schemas.openxmlformats.org/drawingml/2006/main" xmlns:r="http://schemas.openxmlformats.org/officeDocument/2006/relationships" xmlns:p="http://schemas.openxmlformats.org/presentationml/2006/main">
+  <p:cSld>
+    <p:spTree>
+      <p:nvGrpSpPr>
+        <p:cNvPr id="1" name=""/>
+        <p:cNvGrpSpPr/>
+        <p:nvPr/>
+      </p:nvGrpSpPr>
+      <p:grpSpPr>
+        <a:xfrm>
+          <a:off x="0" y="0"/>
+          <a:ext cx="0" cy="0"/>
+          <a:chOff x="0" y="0"/>
+          <a:chExt cx="0" cy="0"/>
+        </a:xfrm>
+      </p:grpSpPr>
+      <p:pic>
+        <p:nvPicPr>
+          <p:cNvPr id="2" name="Picture 2"/>
+          <p:cNvPicPr>
+            <a:picLocks noChangeAspect="1" noChangeArrowheads="1"/>
+          </p:cNvPicPr>
+          <p:nvPr/>
+        </p:nvPicPr>
+        <p:blipFill>
+          <a:blip r:embed="rId2">
+            <a:extLst>
+              <a:ext uri="{28A0092B-C50C-407E-A947-70E740481C1C}">
+                <a14:useLocalDpi xmlns:a14="http://schemas.microsoft.com/office/drawing/2010/main" val="0"/>
+              </a:ext>
+            </a:extLst>
+          </a:blip>
+          <a:srcRect/>
+          <a:stretch>
+            <a:fillRect/>
+          </a:stretch>
+        </p:blipFill>
+        <p:spPr bwMode="auto">
+          <a:xfrm>
+            <a:off x="584200" y="-419100"/>
+            <a:ext cx="7974013" cy="5983288"/>
+          </a:xfrm>
+          <a:prstGeom prst="rect">
+            <a:avLst/>
+          </a:prstGeom>
+          <a:noFill/>
+          <a:ln>
+            <a:noFill/>
+          </a:ln>
+          <a:effectLst/>
+          <a:extLst>
+            <a:ext uri="{909E8E84-426E-40DD-AFC4-6F175D3DCCD1}">
+              <a14:hiddenFill xmlns:a14="http://schemas.microsoft.com/office/drawing/2010/main">
+                <a:solidFill>
+                  <a:schemeClr val="accent1"/>
+                </a:solidFill>
+              </a14:hiddenFill>
+            </a:ext>
+            <a:ext uri="{91240B29-F687-4F45-9708-019B960494DF}">
+              <a14:hiddenLine xmlns:a14="http://schemas.microsoft.com/office/drawing/2010/main" w="9525">
+                <a:solidFill>
+                  <a:schemeClr val="tx1"/>
+                </a:solidFill>
+                <a:miter lim="800000"/>
+                <a:headEnd/>
+                <a:tailEnd/>
+              </a14:hiddenLine>
+            </a:ext>
+            <a:ext uri="{AF507438-7753-43E0-B8FC-AC1667EBCBE1}">
+              <a14:hiddenEffects xmlns:a14="http://schemas.microsoft.com/office/drawing/2010/main">
+                <a:effectLst>
+                  <a:outerShdw dist="35921" dir="2700000" algn="ctr" rotWithShape="0">
+                    <a:schemeClr val="bg2"/>
+                  </a:outerShdw>
+                </a:effectLst>
+              </a14:hiddenEffects>
+            </a:ext>
+          </a:extLst>
+        </p:spPr>
+      </p:pic>
+    </p:spTree>
+    <p:extLst>
+      <p:ext uri="{BB962C8B-B14F-4D97-AF65-F5344CB8AC3E}">
+        <p14:creationId xmlns:p14="http://schemas.microsoft.com/office/powerpoint/2010/main" val="2871426051"/>
+      </p:ext>
+    </p:extLst>
+  </p:cSld>
+  <p:clrMapOvr>
+    <a:masterClrMapping/>
+  </p:clrMapOvr>
+  <mc:AlternateContent xmlns:mc="http://schemas.openxmlformats.org/markup-compatibility/2006" xmlns:p14="http://schemas.microsoft.com/office/powerpoint/2010/main">
+    <mc:Choice Requires="p14">
+      <p:transition spd="slow" p14:dur="2000"/>
+    </mc:Choice>
+    <mc:Fallback xmlns="">
+      <p:transition spd="slow"/>
     </mc:Fallback>
   </mc:AlternateContent>
   <p:timing>
@@ -12195,7 +12533,7 @@
   <a:extraClrSchemeLst/>
   <a:extLst>
     <a:ext uri="{05A4C25C-085E-4340-85A3-A5531E510DB2}">
-      <thm15:themeFamily xmlns="" xmlns:thm15="http://schemas.microsoft.com/office/thememl/2012/main" name="GCstudioThemeLight" id="{4C740F94-33C0-4EEC-9234-F56C348A0987}" vid="{A43F8B96-90D8-489D-B80F-92F9D6F351CC}"/>
+      <thm15:themeFamily xmlns:thm15="http://schemas.microsoft.com/office/thememl/2012/main" xmlns="" name="GCstudioThemeLight" id="{4C740F94-33C0-4EEC-9234-F56C348A0987}" vid="{A43F8B96-90D8-489D-B80F-92F9D6F351CC}"/>
     </a:ext>
   </a:extLst>
 </a:theme>
